--- a/Presentation/WelcomeHomeAB.pptx
+++ b/Presentation/WelcomeHomeAB.pptx
@@ -7,6 +7,12 @@
   <p:sldIdLst>
     <p:sldId id="256" r:id="rId2"/>
     <p:sldId id="257" r:id="rId3"/>
+    <p:sldId id="258" r:id="rId4"/>
+    <p:sldId id="259" r:id="rId5"/>
+    <p:sldId id="260" r:id="rId6"/>
+    <p:sldId id="261" r:id="rId7"/>
+    <p:sldId id="262" r:id="rId8"/>
+    <p:sldId id="263" r:id="rId9"/>
   </p:sldIdLst>
   <p:sldSz cx="12192000" cy="6858000"/>
   <p:notesSz cx="6858000" cy="9144000"/>
@@ -105,7 +111,38 @@
       </a:defRPr>
     </a:lvl9pPr>
   </p:defaultTextStyle>
+  <p:extLst>
+    <p:ext uri="{EFAFB233-063F-42B5-8137-9DF3F51BA10A}">
+      <p15:sldGuideLst xmlns:p15="http://schemas.microsoft.com/office/powerpoint/2012/main"/>
+    </p:ext>
+  </p:extLst>
 </p:presentation>
+</file>
+
+<file path=ppt/commentAuthors.xml><?xml version="1.0" encoding="utf-8"?>
+<p:cmAuthorLst xmlns:a="http://schemas.openxmlformats.org/drawingml/2006/main" xmlns:r="http://schemas.openxmlformats.org/officeDocument/2006/relationships" xmlns:p="http://schemas.openxmlformats.org/presentationml/2006/main">
+  <p:cmAuthor id="1" name="Charles Chukwukaeme" initials="CC" lastIdx="1" clrIdx="0">
+    <p:extLst>
+      <p:ext uri="{19B8F6BF-5375-455C-9EA6-DF929625EA0E}">
+        <p15:presenceInfo xmlns:p15="http://schemas.microsoft.com/office/powerpoint/2012/main" userId="S-1-5-21-1334237613-414964023-1033461705-1001" providerId="AD"/>
+      </p:ext>
+    </p:extLst>
+  </p:cmAuthor>
+</p:cmAuthorLst>
+</file>
+
+<file path=ppt/comments/comment1.xml><?xml version="1.0" encoding="utf-8"?>
+<p:cmLst xmlns:a="http://schemas.openxmlformats.org/drawingml/2006/main" xmlns:r="http://schemas.openxmlformats.org/officeDocument/2006/relationships" xmlns:p="http://schemas.openxmlformats.org/presentationml/2006/main">
+  <p:cm authorId="1" dt="2019-02-02T17:18:07.543" idx="1">
+    <p:pos x="10" y="10"/>
+    <p:text/>
+    <p:extLst>
+      <p:ext uri="{C676402C-5697-4E1C-873F-D02D1690AC5C}">
+        <p15:threadingInfo xmlns:p15="http://schemas.microsoft.com/office/powerpoint/2012/main" timeZoneBias="420"/>
+      </p:ext>
+    </p:extLst>
+  </p:cm>
+</p:cmLst>
 </file>
 
 <file path=ppt/slideLayouts/slideLayout1.xml><?xml version="1.0" encoding="utf-8"?>
@@ -13912,21 +13949,38 @@
         </p:nvSpPr>
         <p:spPr>
           <a:xfrm>
-            <a:off x="612560" y="2361460"/>
-            <a:ext cx="11061576" cy="4172505"/>
+            <a:off x="612560" y="2290440"/>
+            <a:ext cx="11061576" cy="4243526"/>
           </a:xfrm>
         </p:spPr>
         <p:txBody>
-          <a:bodyPr/>
+          <a:bodyPr>
+            <a:normAutofit fontScale="92500" lnSpcReduction="20000"/>
+          </a:bodyPr>
           <a:lstStyle/>
           <a:p>
             <a:r>
               <a:rPr lang="en-US" dirty="0"/>
-              <a:t>Home buying is tedious </a:t>
+              <a:t>Home buying is a tedious process……….. </a:t>
             </a:r>
           </a:p>
           <a:p>
             <a:endParaRPr lang="en-US" dirty="0"/>
+          </a:p>
+          <a:p>
+            <a:r>
+              <a:rPr lang="en-US" dirty="0"/>
+              <a:t>Realtor Process ………. Realtor Fees……………Home-Buying Process</a:t>
+            </a:r>
+          </a:p>
+          <a:p>
+            <a:endParaRPr lang="en-US" dirty="0"/>
+          </a:p>
+          <a:p>
+            <a:r>
+              <a:rPr lang="en-US" dirty="0"/>
+              <a:t>More expensive to buy, save your money </a:t>
+            </a:r>
           </a:p>
           <a:p>
             <a:r>
@@ -13987,6 +14041,3676 @@
     <p:extLst>
       <p:ext uri="{BB962C8B-B14F-4D97-AF65-F5344CB8AC3E}">
         <p14:creationId xmlns:p14="http://schemas.microsoft.com/office/powerpoint/2010/main" val="1916616944"/>
+      </p:ext>
+    </p:extLst>
+  </p:cSld>
+  <p:clrMapOvr>
+    <a:masterClrMapping/>
+  </p:clrMapOvr>
+</p:sld>
+</file>
+
+<file path=ppt/slides/slide3.xml><?xml version="1.0" encoding="utf-8"?>
+<p:sld xmlns:a="http://schemas.openxmlformats.org/drawingml/2006/main" xmlns:r="http://schemas.openxmlformats.org/officeDocument/2006/relationships" xmlns:p="http://schemas.openxmlformats.org/presentationml/2006/main">
+  <p:cSld>
+    <p:bg>
+      <p:bgPr>
+        <a:solidFill>
+          <a:schemeClr val="bg1"/>
+        </a:solidFill>
+        <a:effectLst/>
+      </p:bgPr>
+    </p:bg>
+    <p:spTree>
+      <p:nvGrpSpPr>
+        <p:cNvPr id="1" name=""/>
+        <p:cNvGrpSpPr/>
+        <p:nvPr/>
+      </p:nvGrpSpPr>
+      <p:grpSpPr>
+        <a:xfrm>
+          <a:off x="0" y="0"/>
+          <a:ext cx="0" cy="0"/>
+          <a:chOff x="0" y="0"/>
+          <a:chExt cx="0" cy="0"/>
+        </a:xfrm>
+      </p:grpSpPr>
+      <p:grpSp>
+        <p:nvGrpSpPr>
+          <p:cNvPr id="36" name="Group 35">
+            <a:extLst>
+              <a:ext uri="{FF2B5EF4-FFF2-40B4-BE49-F238E27FC236}">
+                <a16:creationId xmlns:a16="http://schemas.microsoft.com/office/drawing/2014/main" id="{06E96C53-1010-48EB-8728-70CB58236EC4}"/>
+              </a:ext>
+              <a:ext uri="{C183D7F6-B498-43B3-948B-1728B52AA6E4}">
+                <adec:decorative xmlns:adec="http://schemas.microsoft.com/office/drawing/2017/decorative" val="1"/>
+              </a:ext>
+            </a:extLst>
+          </p:cNvPr>
+          <p:cNvGrpSpPr>
+            <a:grpSpLocks noGrp="1" noUngrp="1" noRot="1" noChangeAspect="1" noMove="1" noResize="1"/>
+          </p:cNvGrpSpPr>
+          <p:nvPr>
+            <p:extLst>
+              <p:ext uri="{386F3935-93C4-4BCD-93E2-E3B085C9AB24}">
+                <p16:designElem xmlns:p16="http://schemas.microsoft.com/office/powerpoint/2015/main" val="1"/>
+              </p:ext>
+            </p:extLst>
+          </p:nvPr>
+        </p:nvGrpSpPr>
+        <p:grpSpPr>
+          <a:xfrm>
+            <a:off x="0" y="0"/>
+            <a:ext cx="12192000" cy="6858000"/>
+            <a:chOff x="0" y="0"/>
+            <a:chExt cx="12192000" cy="6858000"/>
+          </a:xfrm>
+        </p:grpSpPr>
+        <p:sp>
+          <p:nvSpPr>
+            <p:cNvPr id="37" name="Rectangle 36">
+              <a:extLst>
+                <a:ext uri="{FF2B5EF4-FFF2-40B4-BE49-F238E27FC236}">
+                  <a16:creationId xmlns:a16="http://schemas.microsoft.com/office/drawing/2014/main" id="{5EE899E0-D27A-454B-8E91-14A292422D6F}"/>
+                </a:ext>
+                <a:ext uri="{C183D7F6-B498-43B3-948B-1728B52AA6E4}">
+                  <adec:decorative xmlns:adec="http://schemas.microsoft.com/office/drawing/2017/decorative" val="1"/>
+                </a:ext>
+              </a:extLst>
+            </p:cNvPr>
+            <p:cNvSpPr/>
+            <p:nvPr>
+              <p:extLst>
+                <p:ext uri="{386F3935-93C4-4BCD-93E2-E3B085C9AB24}">
+                  <p16:designElem xmlns:p16="http://schemas.microsoft.com/office/powerpoint/2015/main" val="1"/>
+                </p:ext>
+              </p:extLst>
+            </p:nvPr>
+          </p:nvSpPr>
+          <p:spPr>
+            <a:xfrm>
+              <a:off x="0" y="0"/>
+              <a:ext cx="12192000" cy="6858000"/>
+            </a:xfrm>
+            <a:prstGeom prst="rect">
+              <a:avLst/>
+            </a:prstGeom>
+            <a:blipFill>
+              <a:blip r:embed="rId2">
+                <a:duotone>
+                  <a:schemeClr val="dk2">
+                    <a:shade val="62000"/>
+                    <a:hueMod val="108000"/>
+                    <a:satMod val="164000"/>
+                    <a:lumMod val="69000"/>
+                  </a:schemeClr>
+                  <a:schemeClr val="dk2">
+                    <a:tint val="96000"/>
+                    <a:hueMod val="90000"/>
+                    <a:satMod val="130000"/>
+                    <a:lumMod val="134000"/>
+                  </a:schemeClr>
+                </a:duotone>
+              </a:blip>
+              <a:stretch>
+                <a:fillRect/>
+              </a:stretch>
+            </a:blipFill>
+            <a:ln>
+              <a:noFill/>
+            </a:ln>
+          </p:spPr>
+          <p:style>
+            <a:lnRef idx="2">
+              <a:schemeClr val="accent1">
+                <a:shade val="50000"/>
+              </a:schemeClr>
+            </a:lnRef>
+            <a:fillRef idx="1">
+              <a:schemeClr val="accent1"/>
+            </a:fillRef>
+            <a:effectRef idx="0">
+              <a:schemeClr val="accent1"/>
+            </a:effectRef>
+            <a:fontRef idx="minor">
+              <a:schemeClr val="lt1"/>
+            </a:fontRef>
+          </p:style>
+        </p:sp>
+        <p:sp>
+          <p:nvSpPr>
+            <p:cNvPr id="38" name="Oval 37">
+              <a:extLst>
+                <a:ext uri="{FF2B5EF4-FFF2-40B4-BE49-F238E27FC236}">
+                  <a16:creationId xmlns:a16="http://schemas.microsoft.com/office/drawing/2014/main" id="{4EDF8A7C-C5E2-42D4-884A-EC7DE68E7D0D}"/>
+                </a:ext>
+                <a:ext uri="{C183D7F6-B498-43B3-948B-1728B52AA6E4}">
+                  <adec:decorative xmlns:adec="http://schemas.microsoft.com/office/drawing/2017/decorative" val="1"/>
+                </a:ext>
+              </a:extLst>
+            </p:cNvPr>
+            <p:cNvSpPr/>
+            <p:nvPr>
+              <p:extLst>
+                <p:ext uri="{386F3935-93C4-4BCD-93E2-E3B085C9AB24}">
+                  <p16:designElem xmlns:p16="http://schemas.microsoft.com/office/powerpoint/2015/main" val="1"/>
+                </p:ext>
+              </p:extLst>
+            </p:nvPr>
+          </p:nvSpPr>
+          <p:spPr>
+            <a:xfrm>
+              <a:off x="3220" y="2667000"/>
+              <a:ext cx="4191000" cy="4191000"/>
+            </a:xfrm>
+            <a:prstGeom prst="ellipse">
+              <a:avLst/>
+            </a:prstGeom>
+            <a:gradFill flip="none" rotWithShape="1">
+              <a:gsLst>
+                <a:gs pos="0">
+                  <a:schemeClr val="bg2">
+                    <a:lumMod val="40000"/>
+                    <a:lumOff val="60000"/>
+                    <a:alpha val="11000"/>
+                  </a:schemeClr>
+                </a:gs>
+                <a:gs pos="75000">
+                  <a:schemeClr val="bg2">
+                    <a:lumMod val="40000"/>
+                    <a:lumOff val="60000"/>
+                    <a:alpha val="0"/>
+                  </a:schemeClr>
+                </a:gs>
+                <a:gs pos="36000">
+                  <a:schemeClr val="bg2">
+                    <a:lumMod val="40000"/>
+                    <a:lumOff val="60000"/>
+                    <a:alpha val="10000"/>
+                  </a:schemeClr>
+                </a:gs>
+              </a:gsLst>
+              <a:path path="circle">
+                <a:fillToRect l="50000" t="50000" r="50000" b="50000"/>
+              </a:path>
+              <a:tileRect/>
+            </a:gradFill>
+            <a:ln>
+              <a:noFill/>
+            </a:ln>
+            <a:effectLst/>
+          </p:spPr>
+          <p:style>
+            <a:lnRef idx="1">
+              <a:schemeClr val="accent1"/>
+            </a:lnRef>
+            <a:fillRef idx="3">
+              <a:schemeClr val="accent1"/>
+            </a:fillRef>
+            <a:effectRef idx="2">
+              <a:schemeClr val="accent1"/>
+            </a:effectRef>
+            <a:fontRef idx="minor">
+              <a:schemeClr val="lt1"/>
+            </a:fontRef>
+          </p:style>
+        </p:sp>
+        <p:sp>
+          <p:nvSpPr>
+            <p:cNvPr id="39" name="Oval 38">
+              <a:extLst>
+                <a:ext uri="{FF2B5EF4-FFF2-40B4-BE49-F238E27FC236}">
+                  <a16:creationId xmlns:a16="http://schemas.microsoft.com/office/drawing/2014/main" id="{80ADD528-121C-4D05-B77B-54B31D7BABF3}"/>
+                </a:ext>
+                <a:ext uri="{C183D7F6-B498-43B3-948B-1728B52AA6E4}">
+                  <adec:decorative xmlns:adec="http://schemas.microsoft.com/office/drawing/2017/decorative" val="1"/>
+                </a:ext>
+              </a:extLst>
+            </p:cNvPr>
+            <p:cNvSpPr/>
+            <p:nvPr>
+              <p:extLst>
+                <p:ext uri="{386F3935-93C4-4BCD-93E2-E3B085C9AB24}">
+                  <p16:designElem xmlns:p16="http://schemas.microsoft.com/office/powerpoint/2015/main" val="1"/>
+                </p:ext>
+              </p:extLst>
+            </p:nvPr>
+          </p:nvSpPr>
+          <p:spPr>
+            <a:xfrm>
+              <a:off x="1750" y="2895600"/>
+              <a:ext cx="2362200" cy="2362200"/>
+            </a:xfrm>
+            <a:prstGeom prst="ellipse">
+              <a:avLst/>
+            </a:prstGeom>
+            <a:gradFill flip="none" rotWithShape="1">
+              <a:gsLst>
+                <a:gs pos="0">
+                  <a:schemeClr val="bg2">
+                    <a:lumMod val="40000"/>
+                    <a:lumOff val="60000"/>
+                    <a:alpha val="8000"/>
+                  </a:schemeClr>
+                </a:gs>
+                <a:gs pos="72000">
+                  <a:schemeClr val="bg2">
+                    <a:lumMod val="40000"/>
+                    <a:lumOff val="60000"/>
+                    <a:alpha val="0"/>
+                  </a:schemeClr>
+                </a:gs>
+                <a:gs pos="36000">
+                  <a:schemeClr val="bg2">
+                    <a:lumMod val="40000"/>
+                    <a:lumOff val="60000"/>
+                    <a:alpha val="8000"/>
+                  </a:schemeClr>
+                </a:gs>
+              </a:gsLst>
+              <a:path path="circle">
+                <a:fillToRect l="50000" t="50000" r="50000" b="50000"/>
+              </a:path>
+              <a:tileRect/>
+            </a:gradFill>
+            <a:ln>
+              <a:noFill/>
+            </a:ln>
+            <a:effectLst/>
+          </p:spPr>
+          <p:style>
+            <a:lnRef idx="1">
+              <a:schemeClr val="accent1"/>
+            </a:lnRef>
+            <a:fillRef idx="3">
+              <a:schemeClr val="accent1"/>
+            </a:fillRef>
+            <a:effectRef idx="2">
+              <a:schemeClr val="accent1"/>
+            </a:effectRef>
+            <a:fontRef idx="minor">
+              <a:schemeClr val="lt1"/>
+            </a:fontRef>
+          </p:style>
+        </p:sp>
+        <p:sp>
+          <p:nvSpPr>
+            <p:cNvPr id="40" name="Rectangle 39">
+              <a:extLst>
+                <a:ext uri="{FF2B5EF4-FFF2-40B4-BE49-F238E27FC236}">
+                  <a16:creationId xmlns:a16="http://schemas.microsoft.com/office/drawing/2014/main" id="{E7CF2869-5CDD-4AD2-8AC0-4AE179D39F2D}"/>
+                </a:ext>
+                <a:ext uri="{C183D7F6-B498-43B3-948B-1728B52AA6E4}">
+                  <adec:decorative xmlns:adec="http://schemas.microsoft.com/office/drawing/2017/decorative" val="1"/>
+                </a:ext>
+              </a:extLst>
+            </p:cNvPr>
+            <p:cNvSpPr/>
+            <p:nvPr>
+              <p:extLst>
+                <p:ext uri="{386F3935-93C4-4BCD-93E2-E3B085C9AB24}">
+                  <p16:designElem xmlns:p16="http://schemas.microsoft.com/office/powerpoint/2015/main" val="1"/>
+                </p:ext>
+              </p:extLst>
+            </p:nvPr>
+          </p:nvSpPr>
+          <p:spPr>
+            <a:xfrm>
+              <a:off x="7289800" y="402165"/>
+              <a:ext cx="4478865" cy="6053670"/>
+            </a:xfrm>
+            <a:prstGeom prst="rect">
+              <a:avLst/>
+            </a:prstGeom>
+            <a:solidFill>
+              <a:schemeClr val="bg1"/>
+            </a:solidFill>
+            <a:ln>
+              <a:noFill/>
+            </a:ln>
+            <a:effectLst/>
+          </p:spPr>
+          <p:style>
+            <a:lnRef idx="1">
+              <a:schemeClr val="accent1"/>
+            </a:lnRef>
+            <a:fillRef idx="3">
+              <a:schemeClr val="accent1"/>
+            </a:fillRef>
+            <a:effectRef idx="2">
+              <a:schemeClr val="accent1"/>
+            </a:effectRef>
+            <a:fontRef idx="minor">
+              <a:schemeClr val="lt1"/>
+            </a:fontRef>
+          </p:style>
+        </p:sp>
+        <p:sp>
+          <p:nvSpPr>
+            <p:cNvPr id="41" name="Freeform 5">
+              <a:extLst>
+                <a:ext uri="{FF2B5EF4-FFF2-40B4-BE49-F238E27FC236}">
+                  <a16:creationId xmlns:a16="http://schemas.microsoft.com/office/drawing/2014/main" id="{0FD2D0A6-D3D4-4573-AD6B-2B5DBFF0C1D6}"/>
+                </a:ext>
+                <a:ext uri="{C183D7F6-B498-43B3-948B-1728B52AA6E4}">
+                  <adec:decorative xmlns:adec="http://schemas.microsoft.com/office/drawing/2017/decorative" val="1"/>
+                </a:ext>
+              </a:extLst>
+            </p:cNvPr>
+            <p:cNvSpPr/>
+            <p:nvPr>
+              <p:extLst>
+                <p:ext uri="{386F3935-93C4-4BCD-93E2-E3B085C9AB24}">
+                  <p16:designElem xmlns:p16="http://schemas.microsoft.com/office/powerpoint/2015/main" val="1"/>
+                </p:ext>
+              </p:extLst>
+            </p:nvPr>
+          </p:nvSpPr>
+          <p:spPr bwMode="gray">
+            <a:xfrm rot="15922489">
+              <a:off x="4698352" y="1826078"/>
+              <a:ext cx="3299407" cy="440924"/>
+            </a:xfrm>
+            <a:custGeom>
+              <a:avLst/>
+              <a:gdLst/>
+              <a:ahLst/>
+              <a:cxnLst/>
+              <a:rect l="l" t="t" r="r" b="b"/>
+              <a:pathLst>
+                <a:path w="10000" h="5291">
+                  <a:moveTo>
+                    <a:pt x="85" y="2532"/>
+                  </a:moveTo>
+                  <a:cubicBezTo>
+                    <a:pt x="1736" y="3911"/>
+                    <a:pt x="7524" y="5298"/>
+                    <a:pt x="9958" y="5291"/>
+                  </a:cubicBezTo>
+                  <a:cubicBezTo>
+                    <a:pt x="9989" y="1958"/>
+                    <a:pt x="9969" y="3333"/>
+                    <a:pt x="10000" y="0"/>
+                  </a:cubicBezTo>
+                  <a:lnTo>
+                    <a:pt x="10000" y="0"/>
+                  </a:lnTo>
+                  <a:lnTo>
+                    <a:pt x="9667" y="204"/>
+                  </a:lnTo>
+                  <a:lnTo>
+                    <a:pt x="9334" y="400"/>
+                  </a:lnTo>
+                  <a:lnTo>
+                    <a:pt x="9001" y="590"/>
+                  </a:lnTo>
+                  <a:lnTo>
+                    <a:pt x="8667" y="753"/>
+                  </a:lnTo>
+                  <a:lnTo>
+                    <a:pt x="8333" y="917"/>
+                  </a:lnTo>
+                  <a:lnTo>
+                    <a:pt x="7999" y="1071"/>
+                  </a:lnTo>
+                  <a:lnTo>
+                    <a:pt x="7669" y="1202"/>
+                  </a:lnTo>
+                  <a:lnTo>
+                    <a:pt x="7333" y="1325"/>
+                  </a:lnTo>
+                  <a:lnTo>
+                    <a:pt x="7000" y="1440"/>
+                  </a:lnTo>
+                  <a:lnTo>
+                    <a:pt x="6673" y="1538"/>
+                  </a:lnTo>
+                  <a:lnTo>
+                    <a:pt x="6340" y="1636"/>
+                  </a:lnTo>
+                  <a:lnTo>
+                    <a:pt x="6013" y="1719"/>
+                  </a:lnTo>
+                  <a:lnTo>
+                    <a:pt x="5686" y="1784"/>
+                  </a:lnTo>
+                  <a:lnTo>
+                    <a:pt x="5359" y="1850"/>
+                  </a:lnTo>
+                  <a:lnTo>
+                    <a:pt x="5036" y="1906"/>
+                  </a:lnTo>
+                  <a:lnTo>
+                    <a:pt x="4717" y="1948"/>
+                  </a:lnTo>
+                  <a:lnTo>
+                    <a:pt x="4396" y="1980"/>
+                  </a:lnTo>
+                  <a:lnTo>
+                    <a:pt x="4079" y="2013"/>
+                  </a:lnTo>
+                  <a:lnTo>
+                    <a:pt x="3766" y="2029"/>
+                  </a:lnTo>
+                  <a:lnTo>
+                    <a:pt x="3454" y="2046"/>
+                  </a:lnTo>
+                  <a:lnTo>
+                    <a:pt x="3145" y="2053"/>
+                  </a:lnTo>
+                  <a:lnTo>
+                    <a:pt x="2839" y="2046"/>
+                  </a:lnTo>
+                  <a:lnTo>
+                    <a:pt x="2537" y="2046"/>
+                  </a:lnTo>
+                  <a:lnTo>
+                    <a:pt x="2238" y="2029"/>
+                  </a:lnTo>
+                  <a:lnTo>
+                    <a:pt x="1943" y="2004"/>
+                  </a:lnTo>
+                  <a:lnTo>
+                    <a:pt x="1653" y="1980"/>
+                  </a:lnTo>
+                  <a:lnTo>
+                    <a:pt x="1368" y="1955"/>
+                  </a:lnTo>
+                  <a:lnTo>
+                    <a:pt x="1085" y="1915"/>
+                  </a:lnTo>
+                  <a:lnTo>
+                    <a:pt x="806" y="1873"/>
+                  </a:lnTo>
+                  <a:lnTo>
+                    <a:pt x="533" y="1833"/>
+                  </a:lnTo>
+                  <a:lnTo>
+                    <a:pt x="0" y="1726"/>
+                  </a:lnTo>
+                  <a:cubicBezTo>
+                    <a:pt x="28" y="1995"/>
+                    <a:pt x="57" y="2263"/>
+                    <a:pt x="85" y="2532"/>
+                  </a:cubicBezTo>
+                  <a:close/>
+                </a:path>
+              </a:pathLst>
+            </a:custGeom>
+            <a:solidFill>
+              <a:schemeClr val="bg1">
+                <a:alpha val="20000"/>
+              </a:schemeClr>
+            </a:solidFill>
+            <a:ln>
+              <a:noFill/>
+            </a:ln>
+          </p:spPr>
+        </p:sp>
+        <p:sp>
+          <p:nvSpPr>
+            <p:cNvPr id="42" name="Freeform 5">
+              <a:extLst>
+                <a:ext uri="{FF2B5EF4-FFF2-40B4-BE49-F238E27FC236}">
+                  <a16:creationId xmlns:a16="http://schemas.microsoft.com/office/drawing/2014/main" id="{39749B2A-2C8D-45C7-A857-30307A089980}"/>
+                </a:ext>
+                <a:ext uri="{C183D7F6-B498-43B3-948B-1728B52AA6E4}">
+                  <adec:decorative xmlns:adec="http://schemas.microsoft.com/office/drawing/2017/decorative" val="1"/>
+                </a:ext>
+              </a:extLst>
+            </p:cNvPr>
+            <p:cNvSpPr/>
+            <p:nvPr>
+              <p:extLst>
+                <p:ext uri="{386F3935-93C4-4BCD-93E2-E3B085C9AB24}">
+                  <p16:designElem xmlns:p16="http://schemas.microsoft.com/office/powerpoint/2015/main" val="1"/>
+                </p:ext>
+              </p:extLst>
+            </p:nvPr>
+          </p:nvSpPr>
+          <p:spPr bwMode="gray">
+            <a:xfrm rot="16200000">
+              <a:off x="3787244" y="2801721"/>
+              <a:ext cx="6053670" cy="1254558"/>
+            </a:xfrm>
+            <a:custGeom>
+              <a:avLst/>
+              <a:gdLst/>
+              <a:ahLst/>
+              <a:cxnLst/>
+              <a:rect l="l" t="t" r="r" b="b"/>
+              <a:pathLst>
+                <a:path w="10000" h="8000">
+                  <a:moveTo>
+                    <a:pt x="0" y="0"/>
+                  </a:moveTo>
+                  <a:lnTo>
+                    <a:pt x="0" y="7970"/>
+                  </a:lnTo>
+                  <a:lnTo>
+                    <a:pt x="10000" y="8000"/>
+                  </a:lnTo>
+                  <a:lnTo>
+                    <a:pt x="10000" y="7"/>
+                  </a:lnTo>
+                  <a:lnTo>
+                    <a:pt x="10000" y="7"/>
+                  </a:lnTo>
+                  <a:lnTo>
+                    <a:pt x="9773" y="156"/>
+                  </a:lnTo>
+                  <a:lnTo>
+                    <a:pt x="9547" y="298"/>
+                  </a:lnTo>
+                  <a:lnTo>
+                    <a:pt x="9320" y="437"/>
+                  </a:lnTo>
+                  <a:lnTo>
+                    <a:pt x="9092" y="556"/>
+                  </a:lnTo>
+                  <a:lnTo>
+                    <a:pt x="8865" y="676"/>
+                  </a:lnTo>
+                  <a:lnTo>
+                    <a:pt x="8637" y="788"/>
+                  </a:lnTo>
+                  <a:lnTo>
+                    <a:pt x="8412" y="884"/>
+                  </a:lnTo>
+                  <a:lnTo>
+                    <a:pt x="8184" y="975"/>
+                  </a:lnTo>
+                  <a:lnTo>
+                    <a:pt x="7957" y="1058"/>
+                  </a:lnTo>
+                  <a:lnTo>
+                    <a:pt x="7734" y="1130"/>
+                  </a:lnTo>
+                  <a:lnTo>
+                    <a:pt x="7508" y="1202"/>
+                  </a:lnTo>
+                  <a:lnTo>
+                    <a:pt x="7285" y="1262"/>
+                  </a:lnTo>
+                  <a:lnTo>
+                    <a:pt x="7062" y="1309"/>
+                  </a:lnTo>
+                  <a:lnTo>
+                    <a:pt x="6840" y="1358"/>
+                  </a:lnTo>
+                  <a:lnTo>
+                    <a:pt x="6620" y="1399"/>
+                  </a:lnTo>
+                  <a:lnTo>
+                    <a:pt x="6402" y="1428"/>
+                  </a:lnTo>
+                  <a:lnTo>
+                    <a:pt x="6184" y="1453"/>
+                  </a:lnTo>
+                  <a:lnTo>
+                    <a:pt x="5968" y="1477"/>
+                  </a:lnTo>
+                  <a:lnTo>
+                    <a:pt x="5755" y="1488"/>
+                  </a:lnTo>
+                  <a:lnTo>
+                    <a:pt x="5542" y="1500"/>
+                  </a:lnTo>
+                  <a:lnTo>
+                    <a:pt x="5332" y="1506"/>
+                  </a:lnTo>
+                  <a:lnTo>
+                    <a:pt x="5124" y="1500"/>
+                  </a:lnTo>
+                  <a:lnTo>
+                    <a:pt x="4918" y="1500"/>
+                  </a:lnTo>
+                  <a:lnTo>
+                    <a:pt x="4714" y="1488"/>
+                  </a:lnTo>
+                  <a:lnTo>
+                    <a:pt x="4514" y="1470"/>
+                  </a:lnTo>
+                  <a:lnTo>
+                    <a:pt x="4316" y="1453"/>
+                  </a:lnTo>
+                  <a:lnTo>
+                    <a:pt x="4122" y="1434"/>
+                  </a:lnTo>
+                  <a:lnTo>
+                    <a:pt x="3929" y="1405"/>
+                  </a:lnTo>
+                  <a:lnTo>
+                    <a:pt x="3739" y="1374"/>
+                  </a:lnTo>
+                  <a:lnTo>
+                    <a:pt x="3553" y="1346"/>
+                  </a:lnTo>
+                  <a:lnTo>
+                    <a:pt x="3190" y="1267"/>
+                  </a:lnTo>
+                  <a:lnTo>
+                    <a:pt x="2842" y="1183"/>
+                  </a:lnTo>
+                  <a:lnTo>
+                    <a:pt x="2508" y="1095"/>
+                  </a:lnTo>
+                  <a:lnTo>
+                    <a:pt x="2192" y="998"/>
+                  </a:lnTo>
+                  <a:lnTo>
+                    <a:pt x="1890" y="897"/>
+                  </a:lnTo>
+                  <a:lnTo>
+                    <a:pt x="1610" y="788"/>
+                  </a:lnTo>
+                  <a:lnTo>
+                    <a:pt x="1347" y="681"/>
+                  </a:lnTo>
+                  <a:lnTo>
+                    <a:pt x="1105" y="574"/>
+                  </a:lnTo>
+                  <a:lnTo>
+                    <a:pt x="883" y="473"/>
+                  </a:lnTo>
+                  <a:lnTo>
+                    <a:pt x="686" y="377"/>
+                  </a:lnTo>
+                  <a:lnTo>
+                    <a:pt x="508" y="286"/>
+                  </a:lnTo>
+                  <a:lnTo>
+                    <a:pt x="358" y="210"/>
+                  </a:lnTo>
+                  <a:lnTo>
+                    <a:pt x="232" y="138"/>
+                  </a:lnTo>
+                  <a:lnTo>
+                    <a:pt x="59" y="35"/>
+                  </a:lnTo>
+                  <a:lnTo>
+                    <a:pt x="0" y="0"/>
+                  </a:lnTo>
+                  <a:lnTo>
+                    <a:pt x="0" y="0"/>
+                  </a:lnTo>
+                  <a:close/>
+                </a:path>
+              </a:pathLst>
+            </a:custGeom>
+            <a:solidFill>
+              <a:schemeClr val="bg1"/>
+            </a:solidFill>
+            <a:ln>
+              <a:noFill/>
+            </a:ln>
+          </p:spPr>
+        </p:sp>
+        <p:sp>
+          <p:nvSpPr>
+            <p:cNvPr id="43" name="Freeform 5">
+              <a:extLst>
+                <a:ext uri="{FF2B5EF4-FFF2-40B4-BE49-F238E27FC236}">
+                  <a16:creationId xmlns:a16="http://schemas.microsoft.com/office/drawing/2014/main" id="{FEC28B8C-B40C-4618-823B-C6D730FE849D}"/>
+                </a:ext>
+                <a:ext uri="{C183D7F6-B498-43B3-948B-1728B52AA6E4}">
+                  <adec:decorative xmlns:adec="http://schemas.microsoft.com/office/drawing/2017/decorative" val="1"/>
+                </a:ext>
+              </a:extLst>
+            </p:cNvPr>
+            <p:cNvSpPr>
+              <a:spLocks noEditPoints="1"/>
+            </p:cNvSpPr>
+            <p:nvPr>
+              <p:extLst>
+                <p:ext uri="{386F3935-93C4-4BCD-93E2-E3B085C9AB24}">
+                  <p16:designElem xmlns:p16="http://schemas.microsoft.com/office/powerpoint/2015/main" val="1"/>
+                </p:ext>
+              </p:extLst>
+            </p:nvPr>
+          </p:nvSpPr>
+          <p:spPr bwMode="gray">
+            <a:xfrm>
+              <a:off x="0" y="1587"/>
+              <a:ext cx="12192000" cy="6856413"/>
+            </a:xfrm>
+            <a:custGeom>
+              <a:avLst/>
+              <a:gdLst/>
+              <a:ahLst/>
+              <a:cxnLst/>
+              <a:rect l="0" t="0" r="r" b="b"/>
+              <a:pathLst>
+                <a:path w="15356" h="8638">
+                  <a:moveTo>
+                    <a:pt x="0" y="0"/>
+                  </a:moveTo>
+                  <a:lnTo>
+                    <a:pt x="0" y="8638"/>
+                  </a:lnTo>
+                  <a:lnTo>
+                    <a:pt x="15356" y="8638"/>
+                  </a:lnTo>
+                  <a:lnTo>
+                    <a:pt x="15356" y="0"/>
+                  </a:lnTo>
+                  <a:lnTo>
+                    <a:pt x="0" y="0"/>
+                  </a:lnTo>
+                  <a:close/>
+                  <a:moveTo>
+                    <a:pt x="14748" y="8038"/>
+                  </a:moveTo>
+                  <a:lnTo>
+                    <a:pt x="600" y="8038"/>
+                  </a:lnTo>
+                  <a:lnTo>
+                    <a:pt x="600" y="592"/>
+                  </a:lnTo>
+                  <a:lnTo>
+                    <a:pt x="14748" y="592"/>
+                  </a:lnTo>
+                  <a:lnTo>
+                    <a:pt x="14748" y="8038"/>
+                  </a:lnTo>
+                  <a:close/>
+                </a:path>
+              </a:pathLst>
+            </a:custGeom>
+            <a:solidFill>
+              <a:schemeClr val="bg1"/>
+            </a:solidFill>
+            <a:ln>
+              <a:noFill/>
+            </a:ln>
+          </p:spPr>
+        </p:sp>
+      </p:grpSp>
+      <p:sp>
+        <p:nvSpPr>
+          <p:cNvPr id="2" name="Title 1">
+            <a:extLst>
+              <a:ext uri="{FF2B5EF4-FFF2-40B4-BE49-F238E27FC236}">
+                <a16:creationId xmlns:a16="http://schemas.microsoft.com/office/drawing/2014/main" id="{4FB16F6D-918A-43FA-A239-A1CB99957494}"/>
+              </a:ext>
+            </a:extLst>
+          </p:cNvPr>
+          <p:cNvSpPr>
+            <a:spLocks noGrp="1"/>
+          </p:cNvSpPr>
+          <p:nvPr>
+            <p:ph type="title"/>
+          </p:nvPr>
+        </p:nvSpPr>
+        <p:spPr>
+          <a:xfrm>
+            <a:off x="639098" y="629265"/>
+            <a:ext cx="5132438" cy="1622322"/>
+          </a:xfrm>
+        </p:spPr>
+        <p:txBody>
+          <a:bodyPr>
+            <a:normAutofit/>
+          </a:bodyPr>
+          <a:lstStyle/>
+          <a:p>
+            <a:r>
+              <a:rPr lang="en-US" dirty="0"/>
+              <a:t>Home Buying Process</a:t>
+            </a:r>
+          </a:p>
+        </p:txBody>
+      </p:sp>
+      <p:sp>
+        <p:nvSpPr>
+          <p:cNvPr id="29" name="Content Placeholder 9">
+            <a:extLst>
+              <a:ext uri="{FF2B5EF4-FFF2-40B4-BE49-F238E27FC236}">
+                <a16:creationId xmlns:a16="http://schemas.microsoft.com/office/drawing/2014/main" id="{BFB93443-F098-461B-9A09-8D2193F0E0FC}"/>
+              </a:ext>
+            </a:extLst>
+          </p:cNvPr>
+          <p:cNvSpPr>
+            <a:spLocks noGrp="1"/>
+          </p:cNvSpPr>
+          <p:nvPr>
+            <p:ph idx="1"/>
+          </p:nvPr>
+        </p:nvSpPr>
+        <p:spPr>
+          <a:xfrm>
+            <a:off x="639098" y="1882066"/>
+            <a:ext cx="5132439" cy="4348411"/>
+          </a:xfrm>
+        </p:spPr>
+        <p:txBody>
+          <a:bodyPr anchor="ctr">
+            <a:normAutofit/>
+          </a:bodyPr>
+          <a:lstStyle/>
+          <a:p>
+            <a:r>
+              <a:rPr lang="en-US" dirty="0">
+                <a:solidFill>
+                  <a:schemeClr val="bg1"/>
+                </a:solidFill>
+              </a:rPr>
+              <a:t>Tedious process for both sellers and buyers </a:t>
+            </a:r>
+          </a:p>
+        </p:txBody>
+      </p:sp>
+      <p:pic>
+        <p:nvPicPr>
+          <p:cNvPr id="30" name="Content Placeholder 4">
+            <a:extLst>
+              <a:ext uri="{FF2B5EF4-FFF2-40B4-BE49-F238E27FC236}">
+                <a16:creationId xmlns:a16="http://schemas.microsoft.com/office/drawing/2014/main" id="{9C394B90-2FA0-4B5D-85DC-97A0B212C10B}"/>
+              </a:ext>
+            </a:extLst>
+          </p:cNvPr>
+          <p:cNvPicPr>
+            <a:picLocks noChangeAspect="1"/>
+          </p:cNvPicPr>
+          <p:nvPr/>
+        </p:nvPicPr>
+        <p:blipFill rotWithShape="1">
+          <a:blip r:embed="rId3"/>
+          <a:srcRect l="3930" r="-3" b="-3"/>
+          <a:stretch/>
+        </p:blipFill>
+        <p:spPr>
+          <a:xfrm>
+            <a:off x="6486525" y="523836"/>
+            <a:ext cx="4943476" cy="5949733"/>
+          </a:xfrm>
+          <a:prstGeom prst="rect">
+            <a:avLst/>
+          </a:prstGeom>
+          <a:noFill/>
+          <a:ln>
+            <a:solidFill>
+              <a:schemeClr val="tx1"/>
+            </a:solidFill>
+          </a:ln>
+        </p:spPr>
+      </p:pic>
+      <p:sp>
+        <p:nvSpPr>
+          <p:cNvPr id="45" name="Rectangle 44">
+            <a:extLst>
+              <a:ext uri="{FF2B5EF4-FFF2-40B4-BE49-F238E27FC236}">
+                <a16:creationId xmlns:a16="http://schemas.microsoft.com/office/drawing/2014/main" id="{10CC18C0-9A66-45AE-B534-B8D29AFEA80F}"/>
+              </a:ext>
+              <a:ext uri="{C183D7F6-B498-43B3-948B-1728B52AA6E4}">
+                <adec:decorative xmlns:adec="http://schemas.microsoft.com/office/drawing/2017/decorative" val="1"/>
+              </a:ext>
+            </a:extLst>
+          </p:cNvPr>
+          <p:cNvSpPr>
+            <a:spLocks noGrp="1" noRot="1" noChangeAspect="1" noMove="1" noResize="1" noEditPoints="1" noAdjustHandles="1" noChangeArrowheads="1" noChangeShapeType="1" noTextEdit="1"/>
+          </p:cNvSpPr>
+          <p:nvPr>
+            <p:extLst>
+              <p:ext uri="{386F3935-93C4-4BCD-93E2-E3B085C9AB24}">
+                <p16:designElem xmlns:p16="http://schemas.microsoft.com/office/powerpoint/2015/main" val="1"/>
+              </p:ext>
+            </p:extLst>
+          </p:nvPr>
+        </p:nvSpPr>
+        <p:spPr>
+          <a:xfrm>
+            <a:off x="10437812" y="0"/>
+            <a:ext cx="685800" cy="1143000"/>
+          </a:xfrm>
+          <a:prstGeom prst="rect">
+            <a:avLst/>
+          </a:prstGeom>
+          <a:solidFill>
+            <a:schemeClr val="accent1"/>
+          </a:solidFill>
+          <a:ln>
+            <a:noFill/>
+          </a:ln>
+        </p:spPr>
+        <p:style>
+          <a:lnRef idx="1">
+            <a:schemeClr val="accent1"/>
+          </a:lnRef>
+          <a:fillRef idx="3">
+            <a:schemeClr val="accent1"/>
+          </a:fillRef>
+          <a:effectRef idx="2">
+            <a:schemeClr val="accent1"/>
+          </a:effectRef>
+          <a:fontRef idx="minor">
+            <a:schemeClr val="lt1"/>
+          </a:fontRef>
+        </p:style>
+      </p:sp>
+      <p:sp>
+        <p:nvSpPr>
+          <p:cNvPr id="6" name="Oval 5">
+            <a:extLst>
+              <a:ext uri="{FF2B5EF4-FFF2-40B4-BE49-F238E27FC236}">
+                <a16:creationId xmlns:a16="http://schemas.microsoft.com/office/drawing/2014/main" id="{48E0C544-D988-4F0A-BFF8-A4FD3ED3B804}"/>
+              </a:ext>
+            </a:extLst>
+          </p:cNvPr>
+          <p:cNvSpPr/>
+          <p:nvPr/>
+        </p:nvSpPr>
+        <p:spPr>
+          <a:xfrm>
+            <a:off x="7983537" y="1642391"/>
+            <a:ext cx="2019190" cy="1526938"/>
+          </a:xfrm>
+          <a:prstGeom prst="ellipse">
+            <a:avLst/>
+          </a:prstGeom>
+          <a:noFill/>
+          <a:ln>
+            <a:solidFill>
+              <a:schemeClr val="tx1"/>
+            </a:solidFill>
+            <a:prstDash val="sysDash"/>
+          </a:ln>
+        </p:spPr>
+        <p:style>
+          <a:lnRef idx="2">
+            <a:schemeClr val="accent1">
+              <a:shade val="50000"/>
+            </a:schemeClr>
+          </a:lnRef>
+          <a:fillRef idx="1">
+            <a:schemeClr val="accent1"/>
+          </a:fillRef>
+          <a:effectRef idx="0">
+            <a:schemeClr val="accent1"/>
+          </a:effectRef>
+          <a:fontRef idx="minor">
+            <a:schemeClr val="lt1"/>
+          </a:fontRef>
+        </p:style>
+        <p:txBody>
+          <a:bodyPr rtlCol="0" anchor="ctr"/>
+          <a:lstStyle/>
+          <a:p>
+            <a:pPr algn="ctr"/>
+            <a:endParaRPr lang="en-US"/>
+          </a:p>
+        </p:txBody>
+      </p:sp>
+    </p:spTree>
+    <p:extLst>
+      <p:ext uri="{BB962C8B-B14F-4D97-AF65-F5344CB8AC3E}">
+        <p14:creationId xmlns:p14="http://schemas.microsoft.com/office/powerpoint/2010/main" val="3785229748"/>
+      </p:ext>
+    </p:extLst>
+  </p:cSld>
+  <p:clrMapOvr>
+    <a:masterClrMapping/>
+  </p:clrMapOvr>
+</p:sld>
+</file>
+
+<file path=ppt/slides/slide4.xml><?xml version="1.0" encoding="utf-8"?>
+<p:sld xmlns:a="http://schemas.openxmlformats.org/drawingml/2006/main" xmlns:r="http://schemas.openxmlformats.org/officeDocument/2006/relationships" xmlns:p="http://schemas.openxmlformats.org/presentationml/2006/main">
+  <p:cSld>
+    <p:bg>
+      <p:bgPr>
+        <a:solidFill>
+          <a:schemeClr val="bg1"/>
+        </a:solidFill>
+        <a:effectLst/>
+      </p:bgPr>
+    </p:bg>
+    <p:spTree>
+      <p:nvGrpSpPr>
+        <p:cNvPr id="1" name=""/>
+        <p:cNvGrpSpPr/>
+        <p:nvPr/>
+      </p:nvGrpSpPr>
+      <p:grpSpPr>
+        <a:xfrm>
+          <a:off x="0" y="0"/>
+          <a:ext cx="0" cy="0"/>
+          <a:chOff x="0" y="0"/>
+          <a:chExt cx="0" cy="0"/>
+        </a:xfrm>
+      </p:grpSpPr>
+      <p:grpSp>
+        <p:nvGrpSpPr>
+          <p:cNvPr id="13" name="Group 12">
+            <a:extLst>
+              <a:ext uri="{FF2B5EF4-FFF2-40B4-BE49-F238E27FC236}">
+                <a16:creationId xmlns:a16="http://schemas.microsoft.com/office/drawing/2014/main" id="{06E96C53-1010-48EB-8728-70CB58236EC4}"/>
+              </a:ext>
+              <a:ext uri="{C183D7F6-B498-43B3-948B-1728B52AA6E4}">
+                <adec:decorative xmlns:adec="http://schemas.microsoft.com/office/drawing/2017/decorative" val="1"/>
+              </a:ext>
+            </a:extLst>
+          </p:cNvPr>
+          <p:cNvGrpSpPr>
+            <a:grpSpLocks noGrp="1" noUngrp="1" noRot="1" noChangeAspect="1" noMove="1" noResize="1"/>
+          </p:cNvGrpSpPr>
+          <p:nvPr>
+            <p:extLst>
+              <p:ext uri="{386F3935-93C4-4BCD-93E2-E3B085C9AB24}">
+                <p16:designElem xmlns:p16="http://schemas.microsoft.com/office/powerpoint/2015/main" val="1"/>
+              </p:ext>
+            </p:extLst>
+          </p:nvPr>
+        </p:nvGrpSpPr>
+        <p:grpSpPr>
+          <a:xfrm>
+            <a:off x="0" y="0"/>
+            <a:ext cx="12192000" cy="6858000"/>
+            <a:chOff x="0" y="0"/>
+            <a:chExt cx="12192000" cy="6858000"/>
+          </a:xfrm>
+        </p:grpSpPr>
+        <p:sp>
+          <p:nvSpPr>
+            <p:cNvPr id="14" name="Rectangle 13">
+              <a:extLst>
+                <a:ext uri="{FF2B5EF4-FFF2-40B4-BE49-F238E27FC236}">
+                  <a16:creationId xmlns:a16="http://schemas.microsoft.com/office/drawing/2014/main" id="{5EE899E0-D27A-454B-8E91-14A292422D6F}"/>
+                </a:ext>
+                <a:ext uri="{C183D7F6-B498-43B3-948B-1728B52AA6E4}">
+                  <adec:decorative xmlns:adec="http://schemas.microsoft.com/office/drawing/2017/decorative" val="1"/>
+                </a:ext>
+              </a:extLst>
+            </p:cNvPr>
+            <p:cNvSpPr/>
+            <p:nvPr>
+              <p:extLst>
+                <p:ext uri="{386F3935-93C4-4BCD-93E2-E3B085C9AB24}">
+                  <p16:designElem xmlns:p16="http://schemas.microsoft.com/office/powerpoint/2015/main" val="1"/>
+                </p:ext>
+              </p:extLst>
+            </p:nvPr>
+          </p:nvSpPr>
+          <p:spPr>
+            <a:xfrm>
+              <a:off x="0" y="0"/>
+              <a:ext cx="12192000" cy="6858000"/>
+            </a:xfrm>
+            <a:prstGeom prst="rect">
+              <a:avLst/>
+            </a:prstGeom>
+            <a:blipFill>
+              <a:blip r:embed="rId2">
+                <a:duotone>
+                  <a:schemeClr val="dk2">
+                    <a:shade val="62000"/>
+                    <a:hueMod val="108000"/>
+                    <a:satMod val="164000"/>
+                    <a:lumMod val="69000"/>
+                  </a:schemeClr>
+                  <a:schemeClr val="dk2">
+                    <a:tint val="96000"/>
+                    <a:hueMod val="90000"/>
+                    <a:satMod val="130000"/>
+                    <a:lumMod val="134000"/>
+                  </a:schemeClr>
+                </a:duotone>
+              </a:blip>
+              <a:stretch>
+                <a:fillRect/>
+              </a:stretch>
+            </a:blipFill>
+            <a:ln>
+              <a:noFill/>
+            </a:ln>
+          </p:spPr>
+          <p:style>
+            <a:lnRef idx="2">
+              <a:schemeClr val="accent1">
+                <a:shade val="50000"/>
+              </a:schemeClr>
+            </a:lnRef>
+            <a:fillRef idx="1">
+              <a:schemeClr val="accent1"/>
+            </a:fillRef>
+            <a:effectRef idx="0">
+              <a:schemeClr val="accent1"/>
+            </a:effectRef>
+            <a:fontRef idx="minor">
+              <a:schemeClr val="lt1"/>
+            </a:fontRef>
+          </p:style>
+        </p:sp>
+        <p:sp>
+          <p:nvSpPr>
+            <p:cNvPr id="15" name="Oval 14">
+              <a:extLst>
+                <a:ext uri="{FF2B5EF4-FFF2-40B4-BE49-F238E27FC236}">
+                  <a16:creationId xmlns:a16="http://schemas.microsoft.com/office/drawing/2014/main" id="{4EDF8A7C-C5E2-42D4-884A-EC7DE68E7D0D}"/>
+                </a:ext>
+                <a:ext uri="{C183D7F6-B498-43B3-948B-1728B52AA6E4}">
+                  <adec:decorative xmlns:adec="http://schemas.microsoft.com/office/drawing/2017/decorative" val="1"/>
+                </a:ext>
+              </a:extLst>
+            </p:cNvPr>
+            <p:cNvSpPr/>
+            <p:nvPr>
+              <p:extLst>
+                <p:ext uri="{386F3935-93C4-4BCD-93E2-E3B085C9AB24}">
+                  <p16:designElem xmlns:p16="http://schemas.microsoft.com/office/powerpoint/2015/main" val="1"/>
+                </p:ext>
+              </p:extLst>
+            </p:nvPr>
+          </p:nvSpPr>
+          <p:spPr>
+            <a:xfrm>
+              <a:off x="3220" y="2667000"/>
+              <a:ext cx="4191000" cy="4191000"/>
+            </a:xfrm>
+            <a:prstGeom prst="ellipse">
+              <a:avLst/>
+            </a:prstGeom>
+            <a:gradFill flip="none" rotWithShape="1">
+              <a:gsLst>
+                <a:gs pos="0">
+                  <a:schemeClr val="bg2">
+                    <a:lumMod val="40000"/>
+                    <a:lumOff val="60000"/>
+                    <a:alpha val="11000"/>
+                  </a:schemeClr>
+                </a:gs>
+                <a:gs pos="75000">
+                  <a:schemeClr val="bg2">
+                    <a:lumMod val="40000"/>
+                    <a:lumOff val="60000"/>
+                    <a:alpha val="0"/>
+                  </a:schemeClr>
+                </a:gs>
+                <a:gs pos="36000">
+                  <a:schemeClr val="bg2">
+                    <a:lumMod val="40000"/>
+                    <a:lumOff val="60000"/>
+                    <a:alpha val="10000"/>
+                  </a:schemeClr>
+                </a:gs>
+              </a:gsLst>
+              <a:path path="circle">
+                <a:fillToRect l="50000" t="50000" r="50000" b="50000"/>
+              </a:path>
+              <a:tileRect/>
+            </a:gradFill>
+            <a:ln>
+              <a:noFill/>
+            </a:ln>
+            <a:effectLst/>
+          </p:spPr>
+          <p:style>
+            <a:lnRef idx="1">
+              <a:schemeClr val="accent1"/>
+            </a:lnRef>
+            <a:fillRef idx="3">
+              <a:schemeClr val="accent1"/>
+            </a:fillRef>
+            <a:effectRef idx="2">
+              <a:schemeClr val="accent1"/>
+            </a:effectRef>
+            <a:fontRef idx="minor">
+              <a:schemeClr val="lt1"/>
+            </a:fontRef>
+          </p:style>
+        </p:sp>
+        <p:sp>
+          <p:nvSpPr>
+            <p:cNvPr id="16" name="Oval 15">
+              <a:extLst>
+                <a:ext uri="{FF2B5EF4-FFF2-40B4-BE49-F238E27FC236}">
+                  <a16:creationId xmlns:a16="http://schemas.microsoft.com/office/drawing/2014/main" id="{80ADD528-121C-4D05-B77B-54B31D7BABF3}"/>
+                </a:ext>
+                <a:ext uri="{C183D7F6-B498-43B3-948B-1728B52AA6E4}">
+                  <adec:decorative xmlns:adec="http://schemas.microsoft.com/office/drawing/2017/decorative" val="1"/>
+                </a:ext>
+              </a:extLst>
+            </p:cNvPr>
+            <p:cNvSpPr/>
+            <p:nvPr>
+              <p:extLst>
+                <p:ext uri="{386F3935-93C4-4BCD-93E2-E3B085C9AB24}">
+                  <p16:designElem xmlns:p16="http://schemas.microsoft.com/office/powerpoint/2015/main" val="1"/>
+                </p:ext>
+              </p:extLst>
+            </p:nvPr>
+          </p:nvSpPr>
+          <p:spPr>
+            <a:xfrm>
+              <a:off x="1750" y="2895600"/>
+              <a:ext cx="2362200" cy="2362200"/>
+            </a:xfrm>
+            <a:prstGeom prst="ellipse">
+              <a:avLst/>
+            </a:prstGeom>
+            <a:gradFill flip="none" rotWithShape="1">
+              <a:gsLst>
+                <a:gs pos="0">
+                  <a:schemeClr val="bg2">
+                    <a:lumMod val="40000"/>
+                    <a:lumOff val="60000"/>
+                    <a:alpha val="8000"/>
+                  </a:schemeClr>
+                </a:gs>
+                <a:gs pos="72000">
+                  <a:schemeClr val="bg2">
+                    <a:lumMod val="40000"/>
+                    <a:lumOff val="60000"/>
+                    <a:alpha val="0"/>
+                  </a:schemeClr>
+                </a:gs>
+                <a:gs pos="36000">
+                  <a:schemeClr val="bg2">
+                    <a:lumMod val="40000"/>
+                    <a:lumOff val="60000"/>
+                    <a:alpha val="8000"/>
+                  </a:schemeClr>
+                </a:gs>
+              </a:gsLst>
+              <a:path path="circle">
+                <a:fillToRect l="50000" t="50000" r="50000" b="50000"/>
+              </a:path>
+              <a:tileRect/>
+            </a:gradFill>
+            <a:ln>
+              <a:noFill/>
+            </a:ln>
+            <a:effectLst/>
+          </p:spPr>
+          <p:style>
+            <a:lnRef idx="1">
+              <a:schemeClr val="accent1"/>
+            </a:lnRef>
+            <a:fillRef idx="3">
+              <a:schemeClr val="accent1"/>
+            </a:fillRef>
+            <a:effectRef idx="2">
+              <a:schemeClr val="accent1"/>
+            </a:effectRef>
+            <a:fontRef idx="minor">
+              <a:schemeClr val="lt1"/>
+            </a:fontRef>
+          </p:style>
+        </p:sp>
+        <p:sp>
+          <p:nvSpPr>
+            <p:cNvPr id="17" name="Rectangle 16">
+              <a:extLst>
+                <a:ext uri="{FF2B5EF4-FFF2-40B4-BE49-F238E27FC236}">
+                  <a16:creationId xmlns:a16="http://schemas.microsoft.com/office/drawing/2014/main" id="{E7CF2869-5CDD-4AD2-8AC0-4AE179D39F2D}"/>
+                </a:ext>
+                <a:ext uri="{C183D7F6-B498-43B3-948B-1728B52AA6E4}">
+                  <adec:decorative xmlns:adec="http://schemas.microsoft.com/office/drawing/2017/decorative" val="1"/>
+                </a:ext>
+              </a:extLst>
+            </p:cNvPr>
+            <p:cNvSpPr/>
+            <p:nvPr>
+              <p:extLst>
+                <p:ext uri="{386F3935-93C4-4BCD-93E2-E3B085C9AB24}">
+                  <p16:designElem xmlns:p16="http://schemas.microsoft.com/office/powerpoint/2015/main" val="1"/>
+                </p:ext>
+              </p:extLst>
+            </p:nvPr>
+          </p:nvSpPr>
+          <p:spPr>
+            <a:xfrm>
+              <a:off x="7289800" y="402165"/>
+              <a:ext cx="4478865" cy="6053670"/>
+            </a:xfrm>
+            <a:prstGeom prst="rect">
+              <a:avLst/>
+            </a:prstGeom>
+            <a:solidFill>
+              <a:schemeClr val="bg1"/>
+            </a:solidFill>
+            <a:ln>
+              <a:noFill/>
+            </a:ln>
+            <a:effectLst/>
+          </p:spPr>
+          <p:style>
+            <a:lnRef idx="1">
+              <a:schemeClr val="accent1"/>
+            </a:lnRef>
+            <a:fillRef idx="3">
+              <a:schemeClr val="accent1"/>
+            </a:fillRef>
+            <a:effectRef idx="2">
+              <a:schemeClr val="accent1"/>
+            </a:effectRef>
+            <a:fontRef idx="minor">
+              <a:schemeClr val="lt1"/>
+            </a:fontRef>
+          </p:style>
+        </p:sp>
+        <p:sp>
+          <p:nvSpPr>
+            <p:cNvPr id="18" name="Freeform 5">
+              <a:extLst>
+                <a:ext uri="{FF2B5EF4-FFF2-40B4-BE49-F238E27FC236}">
+                  <a16:creationId xmlns:a16="http://schemas.microsoft.com/office/drawing/2014/main" id="{0FD2D0A6-D3D4-4573-AD6B-2B5DBFF0C1D6}"/>
+                </a:ext>
+                <a:ext uri="{C183D7F6-B498-43B3-948B-1728B52AA6E4}">
+                  <adec:decorative xmlns:adec="http://schemas.microsoft.com/office/drawing/2017/decorative" val="1"/>
+                </a:ext>
+              </a:extLst>
+            </p:cNvPr>
+            <p:cNvSpPr/>
+            <p:nvPr>
+              <p:extLst>
+                <p:ext uri="{386F3935-93C4-4BCD-93E2-E3B085C9AB24}">
+                  <p16:designElem xmlns:p16="http://schemas.microsoft.com/office/powerpoint/2015/main" val="1"/>
+                </p:ext>
+              </p:extLst>
+            </p:nvPr>
+          </p:nvSpPr>
+          <p:spPr bwMode="gray">
+            <a:xfrm rot="15922489">
+              <a:off x="4698352" y="1826078"/>
+              <a:ext cx="3299407" cy="440924"/>
+            </a:xfrm>
+            <a:custGeom>
+              <a:avLst/>
+              <a:gdLst/>
+              <a:ahLst/>
+              <a:cxnLst/>
+              <a:rect l="l" t="t" r="r" b="b"/>
+              <a:pathLst>
+                <a:path w="10000" h="5291">
+                  <a:moveTo>
+                    <a:pt x="85" y="2532"/>
+                  </a:moveTo>
+                  <a:cubicBezTo>
+                    <a:pt x="1736" y="3911"/>
+                    <a:pt x="7524" y="5298"/>
+                    <a:pt x="9958" y="5291"/>
+                  </a:cubicBezTo>
+                  <a:cubicBezTo>
+                    <a:pt x="9989" y="1958"/>
+                    <a:pt x="9969" y="3333"/>
+                    <a:pt x="10000" y="0"/>
+                  </a:cubicBezTo>
+                  <a:lnTo>
+                    <a:pt x="10000" y="0"/>
+                  </a:lnTo>
+                  <a:lnTo>
+                    <a:pt x="9667" y="204"/>
+                  </a:lnTo>
+                  <a:lnTo>
+                    <a:pt x="9334" y="400"/>
+                  </a:lnTo>
+                  <a:lnTo>
+                    <a:pt x="9001" y="590"/>
+                  </a:lnTo>
+                  <a:lnTo>
+                    <a:pt x="8667" y="753"/>
+                  </a:lnTo>
+                  <a:lnTo>
+                    <a:pt x="8333" y="917"/>
+                  </a:lnTo>
+                  <a:lnTo>
+                    <a:pt x="7999" y="1071"/>
+                  </a:lnTo>
+                  <a:lnTo>
+                    <a:pt x="7669" y="1202"/>
+                  </a:lnTo>
+                  <a:lnTo>
+                    <a:pt x="7333" y="1325"/>
+                  </a:lnTo>
+                  <a:lnTo>
+                    <a:pt x="7000" y="1440"/>
+                  </a:lnTo>
+                  <a:lnTo>
+                    <a:pt x="6673" y="1538"/>
+                  </a:lnTo>
+                  <a:lnTo>
+                    <a:pt x="6340" y="1636"/>
+                  </a:lnTo>
+                  <a:lnTo>
+                    <a:pt x="6013" y="1719"/>
+                  </a:lnTo>
+                  <a:lnTo>
+                    <a:pt x="5686" y="1784"/>
+                  </a:lnTo>
+                  <a:lnTo>
+                    <a:pt x="5359" y="1850"/>
+                  </a:lnTo>
+                  <a:lnTo>
+                    <a:pt x="5036" y="1906"/>
+                  </a:lnTo>
+                  <a:lnTo>
+                    <a:pt x="4717" y="1948"/>
+                  </a:lnTo>
+                  <a:lnTo>
+                    <a:pt x="4396" y="1980"/>
+                  </a:lnTo>
+                  <a:lnTo>
+                    <a:pt x="4079" y="2013"/>
+                  </a:lnTo>
+                  <a:lnTo>
+                    <a:pt x="3766" y="2029"/>
+                  </a:lnTo>
+                  <a:lnTo>
+                    <a:pt x="3454" y="2046"/>
+                  </a:lnTo>
+                  <a:lnTo>
+                    <a:pt x="3145" y="2053"/>
+                  </a:lnTo>
+                  <a:lnTo>
+                    <a:pt x="2839" y="2046"/>
+                  </a:lnTo>
+                  <a:lnTo>
+                    <a:pt x="2537" y="2046"/>
+                  </a:lnTo>
+                  <a:lnTo>
+                    <a:pt x="2238" y="2029"/>
+                  </a:lnTo>
+                  <a:lnTo>
+                    <a:pt x="1943" y="2004"/>
+                  </a:lnTo>
+                  <a:lnTo>
+                    <a:pt x="1653" y="1980"/>
+                  </a:lnTo>
+                  <a:lnTo>
+                    <a:pt x="1368" y="1955"/>
+                  </a:lnTo>
+                  <a:lnTo>
+                    <a:pt x="1085" y="1915"/>
+                  </a:lnTo>
+                  <a:lnTo>
+                    <a:pt x="806" y="1873"/>
+                  </a:lnTo>
+                  <a:lnTo>
+                    <a:pt x="533" y="1833"/>
+                  </a:lnTo>
+                  <a:lnTo>
+                    <a:pt x="0" y="1726"/>
+                  </a:lnTo>
+                  <a:cubicBezTo>
+                    <a:pt x="28" y="1995"/>
+                    <a:pt x="57" y="2263"/>
+                    <a:pt x="85" y="2532"/>
+                  </a:cubicBezTo>
+                  <a:close/>
+                </a:path>
+              </a:pathLst>
+            </a:custGeom>
+            <a:solidFill>
+              <a:schemeClr val="bg1">
+                <a:alpha val="20000"/>
+              </a:schemeClr>
+            </a:solidFill>
+            <a:ln>
+              <a:noFill/>
+            </a:ln>
+          </p:spPr>
+        </p:sp>
+        <p:sp>
+          <p:nvSpPr>
+            <p:cNvPr id="19" name="Freeform 5">
+              <a:extLst>
+                <a:ext uri="{FF2B5EF4-FFF2-40B4-BE49-F238E27FC236}">
+                  <a16:creationId xmlns:a16="http://schemas.microsoft.com/office/drawing/2014/main" id="{39749B2A-2C8D-45C7-A857-30307A089980}"/>
+                </a:ext>
+                <a:ext uri="{C183D7F6-B498-43B3-948B-1728B52AA6E4}">
+                  <adec:decorative xmlns:adec="http://schemas.microsoft.com/office/drawing/2017/decorative" val="1"/>
+                </a:ext>
+              </a:extLst>
+            </p:cNvPr>
+            <p:cNvSpPr/>
+            <p:nvPr>
+              <p:extLst>
+                <p:ext uri="{386F3935-93C4-4BCD-93E2-E3B085C9AB24}">
+                  <p16:designElem xmlns:p16="http://schemas.microsoft.com/office/powerpoint/2015/main" val="1"/>
+                </p:ext>
+              </p:extLst>
+            </p:nvPr>
+          </p:nvSpPr>
+          <p:spPr bwMode="gray">
+            <a:xfrm rot="16200000">
+              <a:off x="3787244" y="2801721"/>
+              <a:ext cx="6053670" cy="1254558"/>
+            </a:xfrm>
+            <a:custGeom>
+              <a:avLst/>
+              <a:gdLst/>
+              <a:ahLst/>
+              <a:cxnLst/>
+              <a:rect l="l" t="t" r="r" b="b"/>
+              <a:pathLst>
+                <a:path w="10000" h="8000">
+                  <a:moveTo>
+                    <a:pt x="0" y="0"/>
+                  </a:moveTo>
+                  <a:lnTo>
+                    <a:pt x="0" y="7970"/>
+                  </a:lnTo>
+                  <a:lnTo>
+                    <a:pt x="10000" y="8000"/>
+                  </a:lnTo>
+                  <a:lnTo>
+                    <a:pt x="10000" y="7"/>
+                  </a:lnTo>
+                  <a:lnTo>
+                    <a:pt x="10000" y="7"/>
+                  </a:lnTo>
+                  <a:lnTo>
+                    <a:pt x="9773" y="156"/>
+                  </a:lnTo>
+                  <a:lnTo>
+                    <a:pt x="9547" y="298"/>
+                  </a:lnTo>
+                  <a:lnTo>
+                    <a:pt x="9320" y="437"/>
+                  </a:lnTo>
+                  <a:lnTo>
+                    <a:pt x="9092" y="556"/>
+                  </a:lnTo>
+                  <a:lnTo>
+                    <a:pt x="8865" y="676"/>
+                  </a:lnTo>
+                  <a:lnTo>
+                    <a:pt x="8637" y="788"/>
+                  </a:lnTo>
+                  <a:lnTo>
+                    <a:pt x="8412" y="884"/>
+                  </a:lnTo>
+                  <a:lnTo>
+                    <a:pt x="8184" y="975"/>
+                  </a:lnTo>
+                  <a:lnTo>
+                    <a:pt x="7957" y="1058"/>
+                  </a:lnTo>
+                  <a:lnTo>
+                    <a:pt x="7734" y="1130"/>
+                  </a:lnTo>
+                  <a:lnTo>
+                    <a:pt x="7508" y="1202"/>
+                  </a:lnTo>
+                  <a:lnTo>
+                    <a:pt x="7285" y="1262"/>
+                  </a:lnTo>
+                  <a:lnTo>
+                    <a:pt x="7062" y="1309"/>
+                  </a:lnTo>
+                  <a:lnTo>
+                    <a:pt x="6840" y="1358"/>
+                  </a:lnTo>
+                  <a:lnTo>
+                    <a:pt x="6620" y="1399"/>
+                  </a:lnTo>
+                  <a:lnTo>
+                    <a:pt x="6402" y="1428"/>
+                  </a:lnTo>
+                  <a:lnTo>
+                    <a:pt x="6184" y="1453"/>
+                  </a:lnTo>
+                  <a:lnTo>
+                    <a:pt x="5968" y="1477"/>
+                  </a:lnTo>
+                  <a:lnTo>
+                    <a:pt x="5755" y="1488"/>
+                  </a:lnTo>
+                  <a:lnTo>
+                    <a:pt x="5542" y="1500"/>
+                  </a:lnTo>
+                  <a:lnTo>
+                    <a:pt x="5332" y="1506"/>
+                  </a:lnTo>
+                  <a:lnTo>
+                    <a:pt x="5124" y="1500"/>
+                  </a:lnTo>
+                  <a:lnTo>
+                    <a:pt x="4918" y="1500"/>
+                  </a:lnTo>
+                  <a:lnTo>
+                    <a:pt x="4714" y="1488"/>
+                  </a:lnTo>
+                  <a:lnTo>
+                    <a:pt x="4514" y="1470"/>
+                  </a:lnTo>
+                  <a:lnTo>
+                    <a:pt x="4316" y="1453"/>
+                  </a:lnTo>
+                  <a:lnTo>
+                    <a:pt x="4122" y="1434"/>
+                  </a:lnTo>
+                  <a:lnTo>
+                    <a:pt x="3929" y="1405"/>
+                  </a:lnTo>
+                  <a:lnTo>
+                    <a:pt x="3739" y="1374"/>
+                  </a:lnTo>
+                  <a:lnTo>
+                    <a:pt x="3553" y="1346"/>
+                  </a:lnTo>
+                  <a:lnTo>
+                    <a:pt x="3190" y="1267"/>
+                  </a:lnTo>
+                  <a:lnTo>
+                    <a:pt x="2842" y="1183"/>
+                  </a:lnTo>
+                  <a:lnTo>
+                    <a:pt x="2508" y="1095"/>
+                  </a:lnTo>
+                  <a:lnTo>
+                    <a:pt x="2192" y="998"/>
+                  </a:lnTo>
+                  <a:lnTo>
+                    <a:pt x="1890" y="897"/>
+                  </a:lnTo>
+                  <a:lnTo>
+                    <a:pt x="1610" y="788"/>
+                  </a:lnTo>
+                  <a:lnTo>
+                    <a:pt x="1347" y="681"/>
+                  </a:lnTo>
+                  <a:lnTo>
+                    <a:pt x="1105" y="574"/>
+                  </a:lnTo>
+                  <a:lnTo>
+                    <a:pt x="883" y="473"/>
+                  </a:lnTo>
+                  <a:lnTo>
+                    <a:pt x="686" y="377"/>
+                  </a:lnTo>
+                  <a:lnTo>
+                    <a:pt x="508" y="286"/>
+                  </a:lnTo>
+                  <a:lnTo>
+                    <a:pt x="358" y="210"/>
+                  </a:lnTo>
+                  <a:lnTo>
+                    <a:pt x="232" y="138"/>
+                  </a:lnTo>
+                  <a:lnTo>
+                    <a:pt x="59" y="35"/>
+                  </a:lnTo>
+                  <a:lnTo>
+                    <a:pt x="0" y="0"/>
+                  </a:lnTo>
+                  <a:lnTo>
+                    <a:pt x="0" y="0"/>
+                  </a:lnTo>
+                  <a:close/>
+                </a:path>
+              </a:pathLst>
+            </a:custGeom>
+            <a:solidFill>
+              <a:schemeClr val="bg1"/>
+            </a:solidFill>
+            <a:ln>
+              <a:noFill/>
+            </a:ln>
+          </p:spPr>
+        </p:sp>
+        <p:sp>
+          <p:nvSpPr>
+            <p:cNvPr id="20" name="Freeform 5">
+              <a:extLst>
+                <a:ext uri="{FF2B5EF4-FFF2-40B4-BE49-F238E27FC236}">
+                  <a16:creationId xmlns:a16="http://schemas.microsoft.com/office/drawing/2014/main" id="{FEC28B8C-B40C-4618-823B-C6D730FE849D}"/>
+                </a:ext>
+                <a:ext uri="{C183D7F6-B498-43B3-948B-1728B52AA6E4}">
+                  <adec:decorative xmlns:adec="http://schemas.microsoft.com/office/drawing/2017/decorative" val="1"/>
+                </a:ext>
+              </a:extLst>
+            </p:cNvPr>
+            <p:cNvSpPr>
+              <a:spLocks noEditPoints="1"/>
+            </p:cNvSpPr>
+            <p:nvPr>
+              <p:extLst>
+                <p:ext uri="{386F3935-93C4-4BCD-93E2-E3B085C9AB24}">
+                  <p16:designElem xmlns:p16="http://schemas.microsoft.com/office/powerpoint/2015/main" val="1"/>
+                </p:ext>
+              </p:extLst>
+            </p:nvPr>
+          </p:nvSpPr>
+          <p:spPr bwMode="gray">
+            <a:xfrm>
+              <a:off x="0" y="1587"/>
+              <a:ext cx="12192000" cy="6856413"/>
+            </a:xfrm>
+            <a:custGeom>
+              <a:avLst/>
+              <a:gdLst/>
+              <a:ahLst/>
+              <a:cxnLst/>
+              <a:rect l="0" t="0" r="r" b="b"/>
+              <a:pathLst>
+                <a:path w="15356" h="8638">
+                  <a:moveTo>
+                    <a:pt x="0" y="0"/>
+                  </a:moveTo>
+                  <a:lnTo>
+                    <a:pt x="0" y="8638"/>
+                  </a:lnTo>
+                  <a:lnTo>
+                    <a:pt x="15356" y="8638"/>
+                  </a:lnTo>
+                  <a:lnTo>
+                    <a:pt x="15356" y="0"/>
+                  </a:lnTo>
+                  <a:lnTo>
+                    <a:pt x="0" y="0"/>
+                  </a:lnTo>
+                  <a:close/>
+                  <a:moveTo>
+                    <a:pt x="14748" y="8038"/>
+                  </a:moveTo>
+                  <a:lnTo>
+                    <a:pt x="600" y="8038"/>
+                  </a:lnTo>
+                  <a:lnTo>
+                    <a:pt x="600" y="592"/>
+                  </a:lnTo>
+                  <a:lnTo>
+                    <a:pt x="14748" y="592"/>
+                  </a:lnTo>
+                  <a:lnTo>
+                    <a:pt x="14748" y="8038"/>
+                  </a:lnTo>
+                  <a:close/>
+                </a:path>
+              </a:pathLst>
+            </a:custGeom>
+            <a:solidFill>
+              <a:schemeClr val="bg1"/>
+            </a:solidFill>
+            <a:ln>
+              <a:noFill/>
+            </a:ln>
+          </p:spPr>
+        </p:sp>
+      </p:grpSp>
+      <p:sp>
+        <p:nvSpPr>
+          <p:cNvPr id="2" name="Title 1">
+            <a:extLst>
+              <a:ext uri="{FF2B5EF4-FFF2-40B4-BE49-F238E27FC236}">
+                <a16:creationId xmlns:a16="http://schemas.microsoft.com/office/drawing/2014/main" id="{381E0EDA-E34B-4F23-879C-98C51A85FA7C}"/>
+              </a:ext>
+            </a:extLst>
+          </p:cNvPr>
+          <p:cNvSpPr>
+            <a:spLocks noGrp="1"/>
+          </p:cNvSpPr>
+          <p:nvPr>
+            <p:ph type="title"/>
+          </p:nvPr>
+        </p:nvSpPr>
+        <p:spPr>
+          <a:xfrm>
+            <a:off x="639098" y="629265"/>
+            <a:ext cx="5132438" cy="1622322"/>
+          </a:xfrm>
+        </p:spPr>
+        <p:txBody>
+          <a:bodyPr>
+            <a:normAutofit/>
+          </a:bodyPr>
+          <a:lstStyle/>
+          <a:p>
+            <a:r>
+              <a:rPr lang="en-US" dirty="0"/>
+              <a:t>Home Selling Process</a:t>
+            </a:r>
+          </a:p>
+        </p:txBody>
+      </p:sp>
+      <p:sp>
+        <p:nvSpPr>
+          <p:cNvPr id="10" name="Content Placeholder 9">
+            <a:extLst>
+              <a:ext uri="{FF2B5EF4-FFF2-40B4-BE49-F238E27FC236}">
+                <a16:creationId xmlns:a16="http://schemas.microsoft.com/office/drawing/2014/main" id="{2E2214A1-D88D-48F3-AE24-B675A0DF2173}"/>
+              </a:ext>
+            </a:extLst>
+          </p:cNvPr>
+          <p:cNvSpPr>
+            <a:spLocks noGrp="1"/>
+          </p:cNvSpPr>
+          <p:nvPr>
+            <p:ph idx="1"/>
+          </p:nvPr>
+        </p:nvSpPr>
+        <p:spPr>
+          <a:xfrm>
+            <a:off x="639098" y="2418735"/>
+            <a:ext cx="5132439" cy="3811742"/>
+          </a:xfrm>
+        </p:spPr>
+        <p:txBody>
+          <a:bodyPr anchor="ctr">
+            <a:normAutofit/>
+          </a:bodyPr>
+          <a:lstStyle/>
+          <a:p>
+            <a:r>
+              <a:rPr lang="en-US" dirty="0">
+                <a:solidFill>
+                  <a:schemeClr val="bg1"/>
+                </a:solidFill>
+              </a:rPr>
+              <a:t>Market Research</a:t>
+            </a:r>
+          </a:p>
+          <a:p>
+            <a:r>
+              <a:rPr lang="en-US" dirty="0">
+                <a:solidFill>
+                  <a:schemeClr val="bg1"/>
+                </a:solidFill>
+              </a:rPr>
+              <a:t>Staging and marketing </a:t>
+            </a:r>
+          </a:p>
+          <a:p>
+            <a:r>
+              <a:rPr lang="en-US" dirty="0">
+                <a:solidFill>
+                  <a:schemeClr val="bg1"/>
+                </a:solidFill>
+              </a:rPr>
+              <a:t>Listing </a:t>
+            </a:r>
+          </a:p>
+          <a:p>
+            <a:r>
+              <a:rPr lang="en-US" dirty="0">
+                <a:solidFill>
+                  <a:schemeClr val="bg1"/>
+                </a:solidFill>
+              </a:rPr>
+              <a:t>Access to buyers </a:t>
+            </a:r>
+          </a:p>
+          <a:p>
+            <a:r>
+              <a:rPr lang="en-US" dirty="0">
+                <a:solidFill>
+                  <a:schemeClr val="bg1"/>
+                </a:solidFill>
+              </a:rPr>
+              <a:t>Pricing </a:t>
+            </a:r>
+          </a:p>
+        </p:txBody>
+      </p:sp>
+      <p:pic>
+        <p:nvPicPr>
+          <p:cNvPr id="8" name="Content Placeholder 4">
+            <a:extLst>
+              <a:ext uri="{FF2B5EF4-FFF2-40B4-BE49-F238E27FC236}">
+                <a16:creationId xmlns:a16="http://schemas.microsoft.com/office/drawing/2014/main" id="{B20401FC-0111-4FFB-B775-666350CC86D0}"/>
+              </a:ext>
+            </a:extLst>
+          </p:cNvPr>
+          <p:cNvPicPr>
+            <a:picLocks noChangeAspect="1"/>
+          </p:cNvPicPr>
+          <p:nvPr/>
+        </p:nvPicPr>
+        <p:blipFill rotWithShape="1">
+          <a:blip r:embed="rId3"/>
+          <a:srcRect l="6267" r="-3" b="-3"/>
+          <a:stretch/>
+        </p:blipFill>
+        <p:spPr>
+          <a:xfrm>
+            <a:off x="6505432" y="645106"/>
+            <a:ext cx="5038111" cy="5810729"/>
+          </a:xfrm>
+          <a:prstGeom prst="rect">
+            <a:avLst/>
+          </a:prstGeom>
+        </p:spPr>
+      </p:pic>
+      <p:sp>
+        <p:nvSpPr>
+          <p:cNvPr id="22" name="Rectangle 21">
+            <a:extLst>
+              <a:ext uri="{FF2B5EF4-FFF2-40B4-BE49-F238E27FC236}">
+                <a16:creationId xmlns:a16="http://schemas.microsoft.com/office/drawing/2014/main" id="{10CC18C0-9A66-45AE-B534-B8D29AFEA80F}"/>
+              </a:ext>
+              <a:ext uri="{C183D7F6-B498-43B3-948B-1728B52AA6E4}">
+                <adec:decorative xmlns:adec="http://schemas.microsoft.com/office/drawing/2017/decorative" val="1"/>
+              </a:ext>
+            </a:extLst>
+          </p:cNvPr>
+          <p:cNvSpPr>
+            <a:spLocks noGrp="1" noRot="1" noChangeAspect="1" noMove="1" noResize="1" noEditPoints="1" noAdjustHandles="1" noChangeArrowheads="1" noChangeShapeType="1" noTextEdit="1"/>
+          </p:cNvSpPr>
+          <p:nvPr>
+            <p:extLst>
+              <p:ext uri="{386F3935-93C4-4BCD-93E2-E3B085C9AB24}">
+                <p16:designElem xmlns:p16="http://schemas.microsoft.com/office/powerpoint/2015/main" val="1"/>
+              </p:ext>
+            </p:extLst>
+          </p:nvPr>
+        </p:nvSpPr>
+        <p:spPr>
+          <a:xfrm>
+            <a:off x="10437812" y="0"/>
+            <a:ext cx="685800" cy="1143000"/>
+          </a:xfrm>
+          <a:prstGeom prst="rect">
+            <a:avLst/>
+          </a:prstGeom>
+          <a:solidFill>
+            <a:schemeClr val="accent1"/>
+          </a:solidFill>
+          <a:ln>
+            <a:noFill/>
+          </a:ln>
+        </p:spPr>
+        <p:style>
+          <a:lnRef idx="1">
+            <a:schemeClr val="accent1"/>
+          </a:lnRef>
+          <a:fillRef idx="3">
+            <a:schemeClr val="accent1"/>
+          </a:fillRef>
+          <a:effectRef idx="2">
+            <a:schemeClr val="accent1"/>
+          </a:effectRef>
+          <a:fontRef idx="minor">
+            <a:schemeClr val="lt1"/>
+          </a:fontRef>
+        </p:style>
+      </p:sp>
+    </p:spTree>
+    <p:extLst>
+      <p:ext uri="{BB962C8B-B14F-4D97-AF65-F5344CB8AC3E}">
+        <p14:creationId xmlns:p14="http://schemas.microsoft.com/office/powerpoint/2010/main" val="1668253479"/>
+      </p:ext>
+    </p:extLst>
+  </p:cSld>
+  <p:clrMapOvr>
+    <a:masterClrMapping/>
+  </p:clrMapOvr>
+</p:sld>
+</file>
+
+<file path=ppt/slides/slide5.xml><?xml version="1.0" encoding="utf-8"?>
+<p:sld xmlns:a="http://schemas.openxmlformats.org/drawingml/2006/main" xmlns:r="http://schemas.openxmlformats.org/officeDocument/2006/relationships" xmlns:p="http://schemas.openxmlformats.org/presentationml/2006/main">
+  <p:cSld>
+    <p:spTree>
+      <p:nvGrpSpPr>
+        <p:cNvPr id="1" name=""/>
+        <p:cNvGrpSpPr/>
+        <p:nvPr/>
+      </p:nvGrpSpPr>
+      <p:grpSpPr>
+        <a:xfrm>
+          <a:off x="0" y="0"/>
+          <a:ext cx="0" cy="0"/>
+          <a:chOff x="0" y="0"/>
+          <a:chExt cx="0" cy="0"/>
+        </a:xfrm>
+      </p:grpSpPr>
+      <p:sp>
+        <p:nvSpPr>
+          <p:cNvPr id="2" name="Title 1">
+            <a:extLst>
+              <a:ext uri="{FF2B5EF4-FFF2-40B4-BE49-F238E27FC236}">
+                <a16:creationId xmlns:a16="http://schemas.microsoft.com/office/drawing/2014/main" id="{61D4579A-B531-4ED2-98B1-C86849CEEC81}"/>
+              </a:ext>
+            </a:extLst>
+          </p:cNvPr>
+          <p:cNvSpPr>
+            <a:spLocks noGrp="1"/>
+          </p:cNvSpPr>
+          <p:nvPr>
+            <p:ph type="title"/>
+          </p:nvPr>
+        </p:nvSpPr>
+        <p:spPr/>
+        <p:txBody>
+          <a:bodyPr/>
+          <a:lstStyle/>
+          <a:p>
+            <a:endParaRPr lang="en-US"/>
+          </a:p>
+        </p:txBody>
+      </p:sp>
+      <p:sp>
+        <p:nvSpPr>
+          <p:cNvPr id="3" name="Content Placeholder 2">
+            <a:extLst>
+              <a:ext uri="{FF2B5EF4-FFF2-40B4-BE49-F238E27FC236}">
+                <a16:creationId xmlns:a16="http://schemas.microsoft.com/office/drawing/2014/main" id="{107E8477-E06F-4F40-8AE7-342043556BD5}"/>
+              </a:ext>
+            </a:extLst>
+          </p:cNvPr>
+          <p:cNvSpPr>
+            <a:spLocks noGrp="1"/>
+          </p:cNvSpPr>
+          <p:nvPr>
+            <p:ph idx="1"/>
+          </p:nvPr>
+        </p:nvSpPr>
+        <p:spPr>
+          <a:xfrm>
+            <a:off x="1154955" y="2603500"/>
+            <a:ext cx="5671973" cy="2261463"/>
+          </a:xfrm>
+        </p:spPr>
+        <p:txBody>
+          <a:bodyPr/>
+          <a:lstStyle/>
+          <a:p>
+            <a:r>
+              <a:rPr lang="en-US" dirty="0"/>
+              <a:t>MLS is the propriety database for Realtors – not accessible by the public </a:t>
+            </a:r>
+          </a:p>
+          <a:p>
+            <a:r>
+              <a:rPr lang="en-US" dirty="0"/>
+              <a:t>NEED a realtor</a:t>
+            </a:r>
+          </a:p>
+          <a:p>
+            <a:r>
+              <a:rPr lang="en-US" dirty="0"/>
+              <a:t>Realtor Fees can be prohibitive - </a:t>
+            </a:r>
+          </a:p>
+        </p:txBody>
+      </p:sp>
+      <p:graphicFrame>
+        <p:nvGraphicFramePr>
+          <p:cNvPr id="4" name="Table 3">
+            <a:extLst>
+              <a:ext uri="{FF2B5EF4-FFF2-40B4-BE49-F238E27FC236}">
+                <a16:creationId xmlns:a16="http://schemas.microsoft.com/office/drawing/2014/main" id="{B47D6370-727A-4E60-B83F-B4978A32515D}"/>
+              </a:ext>
+            </a:extLst>
+          </p:cNvPr>
+          <p:cNvGraphicFramePr>
+            <a:graphicFrameLocks noGrp="1"/>
+          </p:cNvGraphicFramePr>
+          <p:nvPr>
+            <p:extLst>
+              <p:ext uri="{D42A27DB-BD31-4B8C-83A1-F6EECF244321}">
+                <p14:modId xmlns:p14="http://schemas.microsoft.com/office/powerpoint/2010/main" val="758213283"/>
+              </p:ext>
+            </p:extLst>
+          </p:nvPr>
+        </p:nvGraphicFramePr>
+        <p:xfrm>
+          <a:off x="6932603" y="2346047"/>
+          <a:ext cx="4546223" cy="3344540"/>
+        </p:xfrm>
+        <a:graphic>
+          <a:graphicData uri="http://schemas.openxmlformats.org/drawingml/2006/table">
+            <a:tbl>
+              <a:tblPr>
+                <a:tableStyleId>{5C22544A-7EE6-4342-B048-85BDC9FD1C3A}</a:tableStyleId>
+              </a:tblPr>
+              <a:tblGrid>
+                <a:gridCol w="1772741">
+                  <a:extLst>
+                    <a:ext uri="{9D8B030D-6E8A-4147-A177-3AD203B41FA5}">
+                      <a16:colId xmlns:a16="http://schemas.microsoft.com/office/drawing/2014/main" val="2387193385"/>
+                    </a:ext>
+                  </a:extLst>
+                </a:gridCol>
+                <a:gridCol w="2773482">
+                  <a:extLst>
+                    <a:ext uri="{9D8B030D-6E8A-4147-A177-3AD203B41FA5}">
+                      <a16:colId xmlns:a16="http://schemas.microsoft.com/office/drawing/2014/main" val="4086067969"/>
+                    </a:ext>
+                  </a:extLst>
+                </a:gridCol>
+              </a:tblGrid>
+              <a:tr h="587210">
+                <a:tc>
+                  <a:txBody>
+                    <a:bodyPr/>
+                    <a:lstStyle/>
+                    <a:p>
+                      <a:pPr algn="ctr" fontAlgn="ctr"/>
+                      <a:r>
+                        <a:rPr lang="en-US" sz="1100" u="none" strike="noStrike">
+                          <a:effectLst/>
+                        </a:rPr>
+                        <a:t>Selling Price</a:t>
+                      </a:r>
+                      <a:endParaRPr lang="en-US" sz="1100" b="1" i="0" u="none" strike="noStrike">
+                        <a:solidFill>
+                          <a:srgbClr val="000000"/>
+                        </a:solidFill>
+                        <a:effectLst/>
+                        <a:latin typeface="Arial" panose="020B0604020202020204" pitchFamily="34" charset="0"/>
+                      </a:endParaRPr>
+                    </a:p>
+                  </a:txBody>
+                  <a:tcPr marL="7620" marR="7620" marT="7620" marB="0" anchor="ctr"/>
+                </a:tc>
+                <a:tc>
+                  <a:txBody>
+                    <a:bodyPr/>
+                    <a:lstStyle/>
+                    <a:p>
+                      <a:pPr algn="ctr" fontAlgn="ctr"/>
+                      <a:r>
+                        <a:rPr lang="en-US" sz="1100" u="none" strike="noStrike">
+                          <a:effectLst/>
+                        </a:rPr>
+                        <a:t>Based on 7/3 Commission</a:t>
+                      </a:r>
+                      <a:endParaRPr lang="en-US" sz="1100" b="1" i="0" u="none" strike="noStrike">
+                        <a:solidFill>
+                          <a:srgbClr val="000000"/>
+                        </a:solidFill>
+                        <a:effectLst/>
+                        <a:latin typeface="Arial" panose="020B0604020202020204" pitchFamily="34" charset="0"/>
+                      </a:endParaRPr>
+                    </a:p>
+                  </a:txBody>
+                  <a:tcPr marL="7620" marR="7620" marT="7620" marB="0" anchor="ctr"/>
+                </a:tc>
+                <a:extLst>
+                  <a:ext uri="{0D108BD9-81ED-4DB2-BD59-A6C34878D82A}">
+                    <a16:rowId xmlns:a16="http://schemas.microsoft.com/office/drawing/2014/main" val="1478855977"/>
+                  </a:ext>
+                </a:extLst>
+              </a:tr>
+              <a:tr h="306370">
+                <a:tc>
+                  <a:txBody>
+                    <a:bodyPr/>
+                    <a:lstStyle/>
+                    <a:p>
+                      <a:pPr algn="ctr" fontAlgn="ctr"/>
+                      <a:r>
+                        <a:rPr lang="en-US" sz="1100" u="none" strike="noStrike" dirty="0">
+                          <a:effectLst/>
+                        </a:rPr>
+                        <a:t>$300,000 </a:t>
+                      </a:r>
+                      <a:endParaRPr lang="en-US" sz="1100" b="1" i="0" u="none" strike="noStrike" dirty="0">
+                        <a:solidFill>
+                          <a:srgbClr val="000000"/>
+                        </a:solidFill>
+                        <a:effectLst/>
+                        <a:latin typeface="Arial" panose="020B0604020202020204" pitchFamily="34" charset="0"/>
+                      </a:endParaRPr>
+                    </a:p>
+                  </a:txBody>
+                  <a:tcPr marL="7620" marR="7620" marT="7620" marB="0" anchor="ctr"/>
+                </a:tc>
+                <a:tc>
+                  <a:txBody>
+                    <a:bodyPr/>
+                    <a:lstStyle/>
+                    <a:p>
+                      <a:pPr algn="ctr" fontAlgn="ctr"/>
+                      <a:r>
+                        <a:rPr lang="en-US" sz="1100" u="none" strike="noStrike">
+                          <a:effectLst/>
+                        </a:rPr>
+                        <a:t>$13,000 </a:t>
+                      </a:r>
+                      <a:endParaRPr lang="en-US" sz="1100" b="1" i="0" u="none" strike="noStrike">
+                        <a:solidFill>
+                          <a:srgbClr val="000000"/>
+                        </a:solidFill>
+                        <a:effectLst/>
+                        <a:latin typeface="Arial" panose="020B0604020202020204" pitchFamily="34" charset="0"/>
+                      </a:endParaRPr>
+                    </a:p>
+                  </a:txBody>
+                  <a:tcPr marL="7620" marR="7620" marT="7620" marB="0" anchor="ctr"/>
+                </a:tc>
+                <a:extLst>
+                  <a:ext uri="{0D108BD9-81ED-4DB2-BD59-A6C34878D82A}">
+                    <a16:rowId xmlns:a16="http://schemas.microsoft.com/office/drawing/2014/main" val="1485334848"/>
+                  </a:ext>
+                </a:extLst>
+              </a:tr>
+              <a:tr h="306370">
+                <a:tc>
+                  <a:txBody>
+                    <a:bodyPr/>
+                    <a:lstStyle/>
+                    <a:p>
+                      <a:pPr algn="ctr" fontAlgn="ctr"/>
+                      <a:r>
+                        <a:rPr lang="en-US" sz="1100" u="none" strike="noStrike">
+                          <a:effectLst/>
+                        </a:rPr>
+                        <a:t>$400,000 </a:t>
+                      </a:r>
+                      <a:endParaRPr lang="en-US" sz="1100" b="1" i="0" u="none" strike="noStrike">
+                        <a:solidFill>
+                          <a:srgbClr val="000000"/>
+                        </a:solidFill>
+                        <a:effectLst/>
+                        <a:latin typeface="Arial" panose="020B0604020202020204" pitchFamily="34" charset="0"/>
+                      </a:endParaRPr>
+                    </a:p>
+                  </a:txBody>
+                  <a:tcPr marL="7620" marR="7620" marT="7620" marB="0" anchor="ctr"/>
+                </a:tc>
+                <a:tc>
+                  <a:txBody>
+                    <a:bodyPr/>
+                    <a:lstStyle/>
+                    <a:p>
+                      <a:pPr algn="ctr" fontAlgn="ctr"/>
+                      <a:r>
+                        <a:rPr lang="en-US" sz="1100" u="none" strike="noStrike">
+                          <a:effectLst/>
+                        </a:rPr>
+                        <a:t>$16,000 </a:t>
+                      </a:r>
+                      <a:endParaRPr lang="en-US" sz="1100" b="1" i="0" u="none" strike="noStrike">
+                        <a:solidFill>
+                          <a:srgbClr val="000000"/>
+                        </a:solidFill>
+                        <a:effectLst/>
+                        <a:latin typeface="Arial" panose="020B0604020202020204" pitchFamily="34" charset="0"/>
+                      </a:endParaRPr>
+                    </a:p>
+                  </a:txBody>
+                  <a:tcPr marL="7620" marR="7620" marT="7620" marB="0" anchor="ctr"/>
+                </a:tc>
+                <a:extLst>
+                  <a:ext uri="{0D108BD9-81ED-4DB2-BD59-A6C34878D82A}">
+                    <a16:rowId xmlns:a16="http://schemas.microsoft.com/office/drawing/2014/main" val="4236334972"/>
+                  </a:ext>
+                </a:extLst>
+              </a:tr>
+              <a:tr h="306370">
+                <a:tc>
+                  <a:txBody>
+                    <a:bodyPr/>
+                    <a:lstStyle/>
+                    <a:p>
+                      <a:pPr algn="ctr" fontAlgn="ctr"/>
+                      <a:r>
+                        <a:rPr lang="en-US" sz="1100" u="none" strike="noStrike">
+                          <a:effectLst/>
+                        </a:rPr>
+                        <a:t>$500,000 </a:t>
+                      </a:r>
+                      <a:endParaRPr lang="en-US" sz="1100" b="1" i="0" u="none" strike="noStrike">
+                        <a:solidFill>
+                          <a:srgbClr val="000000"/>
+                        </a:solidFill>
+                        <a:effectLst/>
+                        <a:latin typeface="Arial" panose="020B0604020202020204" pitchFamily="34" charset="0"/>
+                      </a:endParaRPr>
+                    </a:p>
+                  </a:txBody>
+                  <a:tcPr marL="7620" marR="7620" marT="7620" marB="0" anchor="ctr"/>
+                </a:tc>
+                <a:tc>
+                  <a:txBody>
+                    <a:bodyPr/>
+                    <a:lstStyle/>
+                    <a:p>
+                      <a:pPr algn="ctr" fontAlgn="ctr"/>
+                      <a:r>
+                        <a:rPr lang="en-US" sz="1100" u="none" strike="noStrike">
+                          <a:effectLst/>
+                        </a:rPr>
+                        <a:t>$19,000 </a:t>
+                      </a:r>
+                      <a:endParaRPr lang="en-US" sz="1100" b="1" i="0" u="none" strike="noStrike">
+                        <a:solidFill>
+                          <a:srgbClr val="000000"/>
+                        </a:solidFill>
+                        <a:effectLst/>
+                        <a:latin typeface="Arial" panose="020B0604020202020204" pitchFamily="34" charset="0"/>
+                      </a:endParaRPr>
+                    </a:p>
+                  </a:txBody>
+                  <a:tcPr marL="7620" marR="7620" marT="7620" marB="0" anchor="ctr"/>
+                </a:tc>
+                <a:extLst>
+                  <a:ext uri="{0D108BD9-81ED-4DB2-BD59-A6C34878D82A}">
+                    <a16:rowId xmlns:a16="http://schemas.microsoft.com/office/drawing/2014/main" val="2159129498"/>
+                  </a:ext>
+                </a:extLst>
+              </a:tr>
+              <a:tr h="306370">
+                <a:tc>
+                  <a:txBody>
+                    <a:bodyPr/>
+                    <a:lstStyle/>
+                    <a:p>
+                      <a:pPr algn="ctr" fontAlgn="ctr"/>
+                      <a:r>
+                        <a:rPr lang="en-US" sz="1100" u="none" strike="noStrike">
+                          <a:effectLst/>
+                        </a:rPr>
+                        <a:t>$600,000 </a:t>
+                      </a:r>
+                      <a:endParaRPr lang="en-US" sz="1100" b="1" i="0" u="none" strike="noStrike">
+                        <a:solidFill>
+                          <a:srgbClr val="000000"/>
+                        </a:solidFill>
+                        <a:effectLst/>
+                        <a:latin typeface="Arial" panose="020B0604020202020204" pitchFamily="34" charset="0"/>
+                      </a:endParaRPr>
+                    </a:p>
+                  </a:txBody>
+                  <a:tcPr marL="7620" marR="7620" marT="7620" marB="0" anchor="ctr"/>
+                </a:tc>
+                <a:tc>
+                  <a:txBody>
+                    <a:bodyPr/>
+                    <a:lstStyle/>
+                    <a:p>
+                      <a:pPr algn="ctr" fontAlgn="ctr"/>
+                      <a:r>
+                        <a:rPr lang="en-US" sz="1100" u="none" strike="noStrike">
+                          <a:effectLst/>
+                        </a:rPr>
+                        <a:t>$22,000 </a:t>
+                      </a:r>
+                      <a:endParaRPr lang="en-US" sz="1100" b="1" i="0" u="none" strike="noStrike">
+                        <a:solidFill>
+                          <a:srgbClr val="000000"/>
+                        </a:solidFill>
+                        <a:effectLst/>
+                        <a:latin typeface="Arial" panose="020B0604020202020204" pitchFamily="34" charset="0"/>
+                      </a:endParaRPr>
+                    </a:p>
+                  </a:txBody>
+                  <a:tcPr marL="7620" marR="7620" marT="7620" marB="0" anchor="ctr"/>
+                </a:tc>
+                <a:extLst>
+                  <a:ext uri="{0D108BD9-81ED-4DB2-BD59-A6C34878D82A}">
+                    <a16:rowId xmlns:a16="http://schemas.microsoft.com/office/drawing/2014/main" val="3725916129"/>
+                  </a:ext>
+                </a:extLst>
+              </a:tr>
+              <a:tr h="306370">
+                <a:tc>
+                  <a:txBody>
+                    <a:bodyPr/>
+                    <a:lstStyle/>
+                    <a:p>
+                      <a:pPr algn="ctr" fontAlgn="ctr"/>
+                      <a:r>
+                        <a:rPr lang="en-US" sz="1100" u="none" strike="noStrike">
+                          <a:effectLst/>
+                        </a:rPr>
+                        <a:t>$700,000 </a:t>
+                      </a:r>
+                      <a:endParaRPr lang="en-US" sz="1100" b="1" i="0" u="none" strike="noStrike">
+                        <a:solidFill>
+                          <a:srgbClr val="000000"/>
+                        </a:solidFill>
+                        <a:effectLst/>
+                        <a:latin typeface="Arial" panose="020B0604020202020204" pitchFamily="34" charset="0"/>
+                      </a:endParaRPr>
+                    </a:p>
+                  </a:txBody>
+                  <a:tcPr marL="7620" marR="7620" marT="7620" marB="0" anchor="ctr"/>
+                </a:tc>
+                <a:tc>
+                  <a:txBody>
+                    <a:bodyPr/>
+                    <a:lstStyle/>
+                    <a:p>
+                      <a:pPr algn="ctr" fontAlgn="ctr"/>
+                      <a:r>
+                        <a:rPr lang="en-US" sz="1100" u="none" strike="noStrike" dirty="0">
+                          <a:effectLst/>
+                        </a:rPr>
+                        <a:t>$25,000 </a:t>
+                      </a:r>
+                      <a:endParaRPr lang="en-US" sz="1100" b="1" i="0" u="none" strike="noStrike" dirty="0">
+                        <a:solidFill>
+                          <a:srgbClr val="000000"/>
+                        </a:solidFill>
+                        <a:effectLst/>
+                        <a:latin typeface="Arial" panose="020B0604020202020204" pitchFamily="34" charset="0"/>
+                      </a:endParaRPr>
+                    </a:p>
+                  </a:txBody>
+                  <a:tcPr marL="7620" marR="7620" marT="7620" marB="0" anchor="ctr"/>
+                </a:tc>
+                <a:extLst>
+                  <a:ext uri="{0D108BD9-81ED-4DB2-BD59-A6C34878D82A}">
+                    <a16:rowId xmlns:a16="http://schemas.microsoft.com/office/drawing/2014/main" val="3947098092"/>
+                  </a:ext>
+                </a:extLst>
+              </a:tr>
+              <a:tr h="306370">
+                <a:tc>
+                  <a:txBody>
+                    <a:bodyPr/>
+                    <a:lstStyle/>
+                    <a:p>
+                      <a:pPr algn="ctr" fontAlgn="ctr"/>
+                      <a:r>
+                        <a:rPr lang="en-US" sz="1100" u="none" strike="noStrike">
+                          <a:effectLst/>
+                        </a:rPr>
+                        <a:t>$800,000 </a:t>
+                      </a:r>
+                      <a:endParaRPr lang="en-US" sz="1100" b="1" i="0" u="none" strike="noStrike">
+                        <a:solidFill>
+                          <a:srgbClr val="000000"/>
+                        </a:solidFill>
+                        <a:effectLst/>
+                        <a:latin typeface="Arial" panose="020B0604020202020204" pitchFamily="34" charset="0"/>
+                      </a:endParaRPr>
+                    </a:p>
+                  </a:txBody>
+                  <a:tcPr marL="7620" marR="7620" marT="7620" marB="0" anchor="ctr"/>
+                </a:tc>
+                <a:tc>
+                  <a:txBody>
+                    <a:bodyPr/>
+                    <a:lstStyle/>
+                    <a:p>
+                      <a:pPr algn="ctr" fontAlgn="ctr"/>
+                      <a:r>
+                        <a:rPr lang="en-US" sz="1100" u="none" strike="noStrike">
+                          <a:effectLst/>
+                        </a:rPr>
+                        <a:t>$28,000 </a:t>
+                      </a:r>
+                      <a:endParaRPr lang="en-US" sz="1100" b="1" i="0" u="none" strike="noStrike">
+                        <a:solidFill>
+                          <a:srgbClr val="000000"/>
+                        </a:solidFill>
+                        <a:effectLst/>
+                        <a:latin typeface="Arial" panose="020B0604020202020204" pitchFamily="34" charset="0"/>
+                      </a:endParaRPr>
+                    </a:p>
+                  </a:txBody>
+                  <a:tcPr marL="7620" marR="7620" marT="7620" marB="0" anchor="ctr"/>
+                </a:tc>
+                <a:extLst>
+                  <a:ext uri="{0D108BD9-81ED-4DB2-BD59-A6C34878D82A}">
+                    <a16:rowId xmlns:a16="http://schemas.microsoft.com/office/drawing/2014/main" val="1417990467"/>
+                  </a:ext>
+                </a:extLst>
+              </a:tr>
+              <a:tr h="306370">
+                <a:tc>
+                  <a:txBody>
+                    <a:bodyPr/>
+                    <a:lstStyle/>
+                    <a:p>
+                      <a:pPr algn="ctr" fontAlgn="ctr"/>
+                      <a:r>
+                        <a:rPr lang="en-US" sz="1100" u="none" strike="noStrike">
+                          <a:effectLst/>
+                        </a:rPr>
+                        <a:t>$900,000 </a:t>
+                      </a:r>
+                      <a:endParaRPr lang="en-US" sz="1100" b="1" i="0" u="none" strike="noStrike">
+                        <a:solidFill>
+                          <a:srgbClr val="000000"/>
+                        </a:solidFill>
+                        <a:effectLst/>
+                        <a:latin typeface="Arial" panose="020B0604020202020204" pitchFamily="34" charset="0"/>
+                      </a:endParaRPr>
+                    </a:p>
+                  </a:txBody>
+                  <a:tcPr marL="7620" marR="7620" marT="7620" marB="0" anchor="ctr"/>
+                </a:tc>
+                <a:tc>
+                  <a:txBody>
+                    <a:bodyPr/>
+                    <a:lstStyle/>
+                    <a:p>
+                      <a:pPr algn="ctr" fontAlgn="ctr"/>
+                      <a:r>
+                        <a:rPr lang="en-US" sz="1100" u="none" strike="noStrike">
+                          <a:effectLst/>
+                        </a:rPr>
+                        <a:t>$31,000 </a:t>
+                      </a:r>
+                      <a:endParaRPr lang="en-US" sz="1100" b="1" i="0" u="none" strike="noStrike">
+                        <a:solidFill>
+                          <a:srgbClr val="000000"/>
+                        </a:solidFill>
+                        <a:effectLst/>
+                        <a:latin typeface="Arial" panose="020B0604020202020204" pitchFamily="34" charset="0"/>
+                      </a:endParaRPr>
+                    </a:p>
+                  </a:txBody>
+                  <a:tcPr marL="7620" marR="7620" marT="7620" marB="0" anchor="ctr"/>
+                </a:tc>
+                <a:extLst>
+                  <a:ext uri="{0D108BD9-81ED-4DB2-BD59-A6C34878D82A}">
+                    <a16:rowId xmlns:a16="http://schemas.microsoft.com/office/drawing/2014/main" val="4145755183"/>
+                  </a:ext>
+                </a:extLst>
+              </a:tr>
+              <a:tr h="306370">
+                <a:tc>
+                  <a:txBody>
+                    <a:bodyPr/>
+                    <a:lstStyle/>
+                    <a:p>
+                      <a:pPr algn="ctr" fontAlgn="ctr"/>
+                      <a:r>
+                        <a:rPr lang="en-US" sz="1100" u="none" strike="noStrike">
+                          <a:effectLst/>
+                        </a:rPr>
+                        <a:t>$1,000,000 </a:t>
+                      </a:r>
+                      <a:endParaRPr lang="en-US" sz="1100" b="1" i="0" u="none" strike="noStrike">
+                        <a:solidFill>
+                          <a:srgbClr val="000000"/>
+                        </a:solidFill>
+                        <a:effectLst/>
+                        <a:latin typeface="Arial" panose="020B0604020202020204" pitchFamily="34" charset="0"/>
+                      </a:endParaRPr>
+                    </a:p>
+                  </a:txBody>
+                  <a:tcPr marL="7620" marR="7620" marT="7620" marB="0" anchor="ctr"/>
+                </a:tc>
+                <a:tc>
+                  <a:txBody>
+                    <a:bodyPr/>
+                    <a:lstStyle/>
+                    <a:p>
+                      <a:pPr algn="ctr" fontAlgn="ctr"/>
+                      <a:r>
+                        <a:rPr lang="en-US" sz="1100" u="none" strike="noStrike">
+                          <a:effectLst/>
+                        </a:rPr>
+                        <a:t>$34,000 </a:t>
+                      </a:r>
+                      <a:endParaRPr lang="en-US" sz="1100" b="1" i="0" u="none" strike="noStrike">
+                        <a:solidFill>
+                          <a:srgbClr val="000000"/>
+                        </a:solidFill>
+                        <a:effectLst/>
+                        <a:latin typeface="Arial" panose="020B0604020202020204" pitchFamily="34" charset="0"/>
+                      </a:endParaRPr>
+                    </a:p>
+                  </a:txBody>
+                  <a:tcPr marL="7620" marR="7620" marT="7620" marB="0" anchor="ctr"/>
+                </a:tc>
+                <a:extLst>
+                  <a:ext uri="{0D108BD9-81ED-4DB2-BD59-A6C34878D82A}">
+                    <a16:rowId xmlns:a16="http://schemas.microsoft.com/office/drawing/2014/main" val="260696882"/>
+                  </a:ext>
+                </a:extLst>
+              </a:tr>
+              <a:tr h="306370">
+                <a:tc>
+                  <a:txBody>
+                    <a:bodyPr/>
+                    <a:lstStyle/>
+                    <a:p>
+                      <a:pPr algn="ctr" fontAlgn="ctr"/>
+                      <a:r>
+                        <a:rPr lang="en-US" sz="1100" u="none" strike="noStrike">
+                          <a:effectLst/>
+                        </a:rPr>
+                        <a:t>$1,500,000 </a:t>
+                      </a:r>
+                      <a:endParaRPr lang="en-US" sz="1100" b="1" i="0" u="none" strike="noStrike">
+                        <a:solidFill>
+                          <a:srgbClr val="000000"/>
+                        </a:solidFill>
+                        <a:effectLst/>
+                        <a:latin typeface="Arial" panose="020B0604020202020204" pitchFamily="34" charset="0"/>
+                      </a:endParaRPr>
+                    </a:p>
+                  </a:txBody>
+                  <a:tcPr marL="7620" marR="7620" marT="7620" marB="0" anchor="ctr"/>
+                </a:tc>
+                <a:tc>
+                  <a:txBody>
+                    <a:bodyPr/>
+                    <a:lstStyle/>
+                    <a:p>
+                      <a:pPr algn="ctr" fontAlgn="ctr"/>
+                      <a:r>
+                        <a:rPr lang="en-US" sz="1100" u="none" strike="noStrike" dirty="0">
+                          <a:effectLst/>
+                        </a:rPr>
+                        <a:t>$49,000 </a:t>
+                      </a:r>
+                      <a:endParaRPr lang="en-US" sz="1100" b="1" i="0" u="none" strike="noStrike" dirty="0">
+                        <a:solidFill>
+                          <a:srgbClr val="000000"/>
+                        </a:solidFill>
+                        <a:effectLst/>
+                        <a:latin typeface="Arial" panose="020B0604020202020204" pitchFamily="34" charset="0"/>
+                      </a:endParaRPr>
+                    </a:p>
+                  </a:txBody>
+                  <a:tcPr marL="7620" marR="7620" marT="7620" marB="0" anchor="ctr"/>
+                </a:tc>
+                <a:extLst>
+                  <a:ext uri="{0D108BD9-81ED-4DB2-BD59-A6C34878D82A}">
+                    <a16:rowId xmlns:a16="http://schemas.microsoft.com/office/drawing/2014/main" val="267440952"/>
+                  </a:ext>
+                </a:extLst>
+              </a:tr>
+            </a:tbl>
+          </a:graphicData>
+        </a:graphic>
+      </p:graphicFrame>
+      <p:sp>
+        <p:nvSpPr>
+          <p:cNvPr id="5" name="TextBox 4">
+            <a:extLst>
+              <a:ext uri="{FF2B5EF4-FFF2-40B4-BE49-F238E27FC236}">
+                <a16:creationId xmlns:a16="http://schemas.microsoft.com/office/drawing/2014/main" id="{FD45C1CC-42D8-423F-B785-E44FB84A5B20}"/>
+              </a:ext>
+            </a:extLst>
+          </p:cNvPr>
+          <p:cNvSpPr txBox="1"/>
+          <p:nvPr/>
+        </p:nvSpPr>
+        <p:spPr>
+          <a:xfrm>
+            <a:off x="7634796" y="6027938"/>
+            <a:ext cx="1678665" cy="369332"/>
+          </a:xfrm>
+          <a:prstGeom prst="rect">
+            <a:avLst/>
+          </a:prstGeom>
+          <a:noFill/>
+        </p:spPr>
+        <p:txBody>
+          <a:bodyPr wrap="none" rtlCol="0">
+            <a:spAutoFit/>
+          </a:bodyPr>
+          <a:lstStyle/>
+          <a:p>
+            <a:r>
+              <a:rPr lang="en-US" dirty="0"/>
+              <a:t>7/3 meaning </a:t>
+            </a:r>
+          </a:p>
+        </p:txBody>
+      </p:sp>
+    </p:spTree>
+    <p:extLst>
+      <p:ext uri="{BB962C8B-B14F-4D97-AF65-F5344CB8AC3E}">
+        <p14:creationId xmlns:p14="http://schemas.microsoft.com/office/powerpoint/2010/main" val="2118463095"/>
+      </p:ext>
+    </p:extLst>
+  </p:cSld>
+  <p:clrMapOvr>
+    <a:masterClrMapping/>
+  </p:clrMapOvr>
+</p:sld>
+</file>
+
+<file path=ppt/slides/slide6.xml><?xml version="1.0" encoding="utf-8"?>
+<p:sld xmlns:a="http://schemas.openxmlformats.org/drawingml/2006/main" xmlns:r="http://schemas.openxmlformats.org/officeDocument/2006/relationships" xmlns:p="http://schemas.openxmlformats.org/presentationml/2006/main">
+  <p:cSld>
+    <p:spTree>
+      <p:nvGrpSpPr>
+        <p:cNvPr id="1" name=""/>
+        <p:cNvGrpSpPr/>
+        <p:nvPr/>
+      </p:nvGrpSpPr>
+      <p:grpSpPr>
+        <a:xfrm>
+          <a:off x="0" y="0"/>
+          <a:ext cx="0" cy="0"/>
+          <a:chOff x="0" y="0"/>
+          <a:chExt cx="0" cy="0"/>
+        </a:xfrm>
+      </p:grpSpPr>
+      <p:sp>
+        <p:nvSpPr>
+          <p:cNvPr id="2" name="Title 1">
+            <a:extLst>
+              <a:ext uri="{FF2B5EF4-FFF2-40B4-BE49-F238E27FC236}">
+                <a16:creationId xmlns:a16="http://schemas.microsoft.com/office/drawing/2014/main" id="{E13CE8FD-006C-4F09-B987-FF4989F2C0AC}"/>
+              </a:ext>
+            </a:extLst>
+          </p:cNvPr>
+          <p:cNvSpPr>
+            <a:spLocks noGrp="1"/>
+          </p:cNvSpPr>
+          <p:nvPr>
+            <p:ph type="title"/>
+          </p:nvPr>
+        </p:nvSpPr>
+        <p:spPr/>
+        <p:txBody>
+          <a:bodyPr/>
+          <a:lstStyle/>
+          <a:p>
+            <a:endParaRPr lang="en-US" dirty="0"/>
+          </a:p>
+        </p:txBody>
+      </p:sp>
+      <p:sp>
+        <p:nvSpPr>
+          <p:cNvPr id="3" name="Content Placeholder 2">
+            <a:extLst>
+              <a:ext uri="{FF2B5EF4-FFF2-40B4-BE49-F238E27FC236}">
+                <a16:creationId xmlns:a16="http://schemas.microsoft.com/office/drawing/2014/main" id="{C5203001-8221-4894-B5E2-60D0F1B7D1AA}"/>
+              </a:ext>
+            </a:extLst>
+          </p:cNvPr>
+          <p:cNvSpPr>
+            <a:spLocks noGrp="1"/>
+          </p:cNvSpPr>
+          <p:nvPr>
+            <p:ph idx="1"/>
+          </p:nvPr>
+        </p:nvSpPr>
+        <p:spPr>
+          <a:xfrm>
+            <a:off x="648071" y="2603500"/>
+            <a:ext cx="6187736" cy="3948220"/>
+          </a:xfrm>
+        </p:spPr>
+        <p:txBody>
+          <a:bodyPr/>
+          <a:lstStyle/>
+          <a:p>
+            <a:r>
+              <a:rPr lang="en-US" dirty="0" err="1"/>
+              <a:t>WelcomeHomeAB</a:t>
+            </a:r>
+            <a:r>
+              <a:rPr lang="en-US" dirty="0"/>
+              <a:t> – open up the database to the public</a:t>
+            </a:r>
+          </a:p>
+          <a:p>
+            <a:pPr lvl="1"/>
+            <a:r>
+              <a:rPr lang="en-US" dirty="0"/>
+              <a:t>List your home</a:t>
+            </a:r>
+          </a:p>
+          <a:p>
+            <a:pPr lvl="1"/>
+            <a:r>
+              <a:rPr lang="en-US" dirty="0"/>
+              <a:t>Access to market research </a:t>
+            </a:r>
+          </a:p>
+          <a:p>
+            <a:pPr lvl="1"/>
+            <a:r>
+              <a:rPr lang="en-US" dirty="0"/>
+              <a:t>Comparative Analysis </a:t>
+            </a:r>
+          </a:p>
+          <a:p>
+            <a:r>
+              <a:rPr lang="en-US" dirty="0"/>
+              <a:t>Access to service providers – </a:t>
+            </a:r>
+          </a:p>
+          <a:p>
+            <a:pPr lvl="1"/>
+            <a:r>
+              <a:rPr lang="en-US" dirty="0"/>
+              <a:t>Cleaning </a:t>
+            </a:r>
+          </a:p>
+          <a:p>
+            <a:pPr lvl="1"/>
+            <a:r>
+              <a:rPr lang="en-US" dirty="0"/>
+              <a:t>Staging / Photos</a:t>
+            </a:r>
+          </a:p>
+          <a:p>
+            <a:pPr lvl="1"/>
+            <a:r>
+              <a:rPr lang="en-US" dirty="0"/>
+              <a:t>Inspection</a:t>
+            </a:r>
+          </a:p>
+          <a:p>
+            <a:pPr lvl="1"/>
+            <a:r>
+              <a:rPr lang="en-US" dirty="0"/>
+              <a:t>Document Review </a:t>
+            </a:r>
+          </a:p>
+          <a:p>
+            <a:pPr lvl="1"/>
+            <a:endParaRPr lang="en-US" dirty="0"/>
+          </a:p>
+          <a:p>
+            <a:pPr lvl="1"/>
+            <a:endParaRPr lang="en-US" dirty="0"/>
+          </a:p>
+        </p:txBody>
+      </p:sp>
+    </p:spTree>
+    <p:extLst>
+      <p:ext uri="{BB962C8B-B14F-4D97-AF65-F5344CB8AC3E}">
+        <p14:creationId xmlns:p14="http://schemas.microsoft.com/office/powerpoint/2010/main" val="390642774"/>
+      </p:ext>
+    </p:extLst>
+  </p:cSld>
+  <p:clrMapOvr>
+    <a:masterClrMapping/>
+  </p:clrMapOvr>
+</p:sld>
+</file>
+
+<file path=ppt/slides/slide7.xml><?xml version="1.0" encoding="utf-8"?>
+<p:sld xmlns:a="http://schemas.openxmlformats.org/drawingml/2006/main" xmlns:r="http://schemas.openxmlformats.org/officeDocument/2006/relationships" xmlns:p="http://schemas.openxmlformats.org/presentationml/2006/main">
+  <p:cSld>
+    <p:spTree>
+      <p:nvGrpSpPr>
+        <p:cNvPr id="1" name=""/>
+        <p:cNvGrpSpPr/>
+        <p:nvPr/>
+      </p:nvGrpSpPr>
+      <p:grpSpPr>
+        <a:xfrm>
+          <a:off x="0" y="0"/>
+          <a:ext cx="0" cy="0"/>
+          <a:chOff x="0" y="0"/>
+          <a:chExt cx="0" cy="0"/>
+        </a:xfrm>
+      </p:grpSpPr>
+      <p:sp>
+        <p:nvSpPr>
+          <p:cNvPr id="2" name="Title 1">
+            <a:extLst>
+              <a:ext uri="{FF2B5EF4-FFF2-40B4-BE49-F238E27FC236}">
+                <a16:creationId xmlns:a16="http://schemas.microsoft.com/office/drawing/2014/main" id="{20B203CF-CFC3-4E17-A21B-224BA81503BA}"/>
+              </a:ext>
+            </a:extLst>
+          </p:cNvPr>
+          <p:cNvSpPr>
+            <a:spLocks noGrp="1"/>
+          </p:cNvSpPr>
+          <p:nvPr>
+            <p:ph type="title"/>
+          </p:nvPr>
+        </p:nvSpPr>
+        <p:spPr/>
+        <p:txBody>
+          <a:bodyPr/>
+          <a:lstStyle/>
+          <a:p>
+            <a:r>
+              <a:rPr lang="en-US" dirty="0"/>
+              <a:t>GOALS</a:t>
+            </a:r>
+          </a:p>
+        </p:txBody>
+      </p:sp>
+      <p:sp>
+        <p:nvSpPr>
+          <p:cNvPr id="3" name="Content Placeholder 2">
+            <a:extLst>
+              <a:ext uri="{FF2B5EF4-FFF2-40B4-BE49-F238E27FC236}">
+                <a16:creationId xmlns:a16="http://schemas.microsoft.com/office/drawing/2014/main" id="{0C322CBD-AC23-400B-B9EC-34712906910B}"/>
+              </a:ext>
+            </a:extLst>
+          </p:cNvPr>
+          <p:cNvSpPr>
+            <a:spLocks noGrp="1"/>
+          </p:cNvSpPr>
+          <p:nvPr>
+            <p:ph idx="1"/>
+          </p:nvPr>
+        </p:nvSpPr>
+        <p:spPr>
+          <a:xfrm>
+            <a:off x="1154955" y="2603500"/>
+            <a:ext cx="2955406" cy="3416300"/>
+          </a:xfrm>
+        </p:spPr>
+        <p:txBody>
+          <a:bodyPr/>
+          <a:lstStyle/>
+          <a:p>
+            <a:r>
+              <a:rPr lang="en-US" dirty="0"/>
+              <a:t>Demystify</a:t>
+            </a:r>
+          </a:p>
+          <a:p>
+            <a:endParaRPr lang="en-US" dirty="0"/>
+          </a:p>
+          <a:p>
+            <a:r>
+              <a:rPr lang="en-US" dirty="0"/>
+              <a:t>Simplify</a:t>
+            </a:r>
+          </a:p>
+          <a:p>
+            <a:endParaRPr lang="en-US" dirty="0"/>
+          </a:p>
+          <a:p>
+            <a:r>
+              <a:rPr lang="en-US" dirty="0"/>
+              <a:t>Provide access </a:t>
+            </a:r>
+          </a:p>
+        </p:txBody>
+      </p:sp>
+    </p:spTree>
+    <p:extLst>
+      <p:ext uri="{BB962C8B-B14F-4D97-AF65-F5344CB8AC3E}">
+        <p14:creationId xmlns:p14="http://schemas.microsoft.com/office/powerpoint/2010/main" val="2842135612"/>
+      </p:ext>
+    </p:extLst>
+  </p:cSld>
+  <p:clrMapOvr>
+    <a:masterClrMapping/>
+  </p:clrMapOvr>
+</p:sld>
+</file>
+
+<file path=ppt/slides/slide8.xml><?xml version="1.0" encoding="utf-8"?>
+<p:sld xmlns:a="http://schemas.openxmlformats.org/drawingml/2006/main" xmlns:r="http://schemas.openxmlformats.org/officeDocument/2006/relationships" xmlns:p="http://schemas.openxmlformats.org/presentationml/2006/main">
+  <p:cSld>
+    <p:bg>
+      <p:bgPr>
+        <a:solidFill>
+          <a:schemeClr val="bg1"/>
+        </a:solidFill>
+        <a:effectLst/>
+      </p:bgPr>
+    </p:bg>
+    <p:spTree>
+      <p:nvGrpSpPr>
+        <p:cNvPr id="1" name=""/>
+        <p:cNvGrpSpPr/>
+        <p:nvPr/>
+      </p:nvGrpSpPr>
+      <p:grpSpPr>
+        <a:xfrm>
+          <a:off x="0" y="0"/>
+          <a:ext cx="0" cy="0"/>
+          <a:chOff x="0" y="0"/>
+          <a:chExt cx="0" cy="0"/>
+        </a:xfrm>
+      </p:grpSpPr>
+      <p:grpSp>
+        <p:nvGrpSpPr>
+          <p:cNvPr id="35" name="Group 34">
+            <a:extLst>
+              <a:ext uri="{FF2B5EF4-FFF2-40B4-BE49-F238E27FC236}">
+                <a16:creationId xmlns:a16="http://schemas.microsoft.com/office/drawing/2014/main" id="{5A992EA8-A2AE-480C-BFF9-7B134643975C}"/>
+              </a:ext>
+              <a:ext uri="{C183D7F6-B498-43B3-948B-1728B52AA6E4}">
+                <adec:decorative xmlns:adec="http://schemas.microsoft.com/office/drawing/2017/decorative" val="1"/>
+              </a:ext>
+            </a:extLst>
+          </p:cNvPr>
+          <p:cNvGrpSpPr>
+            <a:grpSpLocks noGrp="1" noUngrp="1" noRot="1" noChangeAspect="1" noMove="1" noResize="1"/>
+          </p:cNvGrpSpPr>
+          <p:nvPr>
+            <p:extLst>
+              <p:ext uri="{386F3935-93C4-4BCD-93E2-E3B085C9AB24}">
+                <p16:designElem xmlns:p16="http://schemas.microsoft.com/office/powerpoint/2015/main" val="1"/>
+              </p:ext>
+            </p:extLst>
+          </p:nvPr>
+        </p:nvGrpSpPr>
+        <p:grpSpPr>
+          <a:xfrm>
+            <a:off x="0" y="-2373"/>
+            <a:ext cx="12192000" cy="6867027"/>
+            <a:chOff x="0" y="-2373"/>
+            <a:chExt cx="12192000" cy="6867027"/>
+          </a:xfrm>
+        </p:grpSpPr>
+        <p:sp>
+          <p:nvSpPr>
+            <p:cNvPr id="36" name="Rectangle 35">
+              <a:extLst>
+                <a:ext uri="{FF2B5EF4-FFF2-40B4-BE49-F238E27FC236}">
+                  <a16:creationId xmlns:a16="http://schemas.microsoft.com/office/drawing/2014/main" id="{0F6F97DA-7406-453D-9AB4-28B0891BBFF4}"/>
+                </a:ext>
+                <a:ext uri="{C183D7F6-B498-43B3-948B-1728B52AA6E4}">
+                  <adec:decorative xmlns:adec="http://schemas.microsoft.com/office/drawing/2017/decorative" val="1"/>
+                </a:ext>
+              </a:extLst>
+            </p:cNvPr>
+            <p:cNvSpPr/>
+            <p:nvPr>
+              <p:extLst>
+                <p:ext uri="{386F3935-93C4-4BCD-93E2-E3B085C9AB24}">
+                  <p16:designElem xmlns:p16="http://schemas.microsoft.com/office/powerpoint/2015/main" val="1"/>
+                </p:ext>
+              </p:extLst>
+            </p:nvPr>
+          </p:nvSpPr>
+          <p:spPr>
+            <a:xfrm>
+              <a:off x="0" y="0"/>
+              <a:ext cx="12192000" cy="6858000"/>
+            </a:xfrm>
+            <a:prstGeom prst="rect">
+              <a:avLst/>
+            </a:prstGeom>
+            <a:blipFill>
+              <a:blip r:embed="rId2">
+                <a:duotone>
+                  <a:schemeClr val="dk2">
+                    <a:shade val="62000"/>
+                    <a:hueMod val="108000"/>
+                    <a:satMod val="164000"/>
+                    <a:lumMod val="69000"/>
+                  </a:schemeClr>
+                  <a:schemeClr val="dk2">
+                    <a:tint val="96000"/>
+                    <a:hueMod val="90000"/>
+                    <a:satMod val="130000"/>
+                    <a:lumMod val="134000"/>
+                  </a:schemeClr>
+                </a:duotone>
+              </a:blip>
+              <a:stretch>
+                <a:fillRect/>
+              </a:stretch>
+            </a:blipFill>
+            <a:ln>
+              <a:noFill/>
+            </a:ln>
+          </p:spPr>
+          <p:style>
+            <a:lnRef idx="2">
+              <a:schemeClr val="accent1">
+                <a:shade val="50000"/>
+              </a:schemeClr>
+            </a:lnRef>
+            <a:fillRef idx="1">
+              <a:schemeClr val="accent1"/>
+            </a:fillRef>
+            <a:effectRef idx="0">
+              <a:schemeClr val="accent1"/>
+            </a:effectRef>
+            <a:fontRef idx="minor">
+              <a:schemeClr val="lt1"/>
+            </a:fontRef>
+          </p:style>
+        </p:sp>
+        <p:sp>
+          <p:nvSpPr>
+            <p:cNvPr id="37" name="Oval 36">
+              <a:extLst>
+                <a:ext uri="{FF2B5EF4-FFF2-40B4-BE49-F238E27FC236}">
+                  <a16:creationId xmlns:a16="http://schemas.microsoft.com/office/drawing/2014/main" id="{31D171A9-30C8-4156-8EAF-50888EBE77EC}"/>
+                </a:ext>
+                <a:ext uri="{C183D7F6-B498-43B3-948B-1728B52AA6E4}">
+                  <adec:decorative xmlns:adec="http://schemas.microsoft.com/office/drawing/2017/decorative" val="1"/>
+                </a:ext>
+              </a:extLst>
+            </p:cNvPr>
+            <p:cNvSpPr/>
+            <p:nvPr>
+              <p:extLst>
+                <p:ext uri="{386F3935-93C4-4BCD-93E2-E3B085C9AB24}">
+                  <p16:designElem xmlns:p16="http://schemas.microsoft.com/office/powerpoint/2015/main" val="1"/>
+                </p:ext>
+              </p:extLst>
+            </p:nvPr>
+          </p:nvSpPr>
+          <p:spPr>
+            <a:xfrm>
+              <a:off x="3220" y="2667000"/>
+              <a:ext cx="4191000" cy="4191000"/>
+            </a:xfrm>
+            <a:prstGeom prst="ellipse">
+              <a:avLst/>
+            </a:prstGeom>
+            <a:gradFill flip="none" rotWithShape="1">
+              <a:gsLst>
+                <a:gs pos="0">
+                  <a:schemeClr val="bg2">
+                    <a:lumMod val="40000"/>
+                    <a:lumOff val="60000"/>
+                    <a:alpha val="11000"/>
+                  </a:schemeClr>
+                </a:gs>
+                <a:gs pos="75000">
+                  <a:schemeClr val="bg2">
+                    <a:lumMod val="40000"/>
+                    <a:lumOff val="60000"/>
+                    <a:alpha val="0"/>
+                  </a:schemeClr>
+                </a:gs>
+                <a:gs pos="36000">
+                  <a:schemeClr val="bg2">
+                    <a:lumMod val="40000"/>
+                    <a:lumOff val="60000"/>
+                    <a:alpha val="10000"/>
+                  </a:schemeClr>
+                </a:gs>
+              </a:gsLst>
+              <a:path path="circle">
+                <a:fillToRect l="50000" t="50000" r="50000" b="50000"/>
+              </a:path>
+              <a:tileRect/>
+            </a:gradFill>
+            <a:ln>
+              <a:noFill/>
+            </a:ln>
+            <a:effectLst/>
+          </p:spPr>
+          <p:style>
+            <a:lnRef idx="1">
+              <a:schemeClr val="accent1"/>
+            </a:lnRef>
+            <a:fillRef idx="3">
+              <a:schemeClr val="accent1"/>
+            </a:fillRef>
+            <a:effectRef idx="2">
+              <a:schemeClr val="accent1"/>
+            </a:effectRef>
+            <a:fontRef idx="minor">
+              <a:schemeClr val="lt1"/>
+            </a:fontRef>
+          </p:style>
+        </p:sp>
+        <p:sp>
+          <p:nvSpPr>
+            <p:cNvPr id="38" name="Oval 37">
+              <a:extLst>
+                <a:ext uri="{FF2B5EF4-FFF2-40B4-BE49-F238E27FC236}">
+                  <a16:creationId xmlns:a16="http://schemas.microsoft.com/office/drawing/2014/main" id="{C52A6C74-8DC4-4902-962C-0DAFD7F9B5E3}"/>
+                </a:ext>
+                <a:ext uri="{C183D7F6-B498-43B3-948B-1728B52AA6E4}">
+                  <adec:decorative xmlns:adec="http://schemas.microsoft.com/office/drawing/2017/decorative" val="1"/>
+                </a:ext>
+              </a:extLst>
+            </p:cNvPr>
+            <p:cNvSpPr/>
+            <p:nvPr>
+              <p:extLst>
+                <p:ext uri="{386F3935-93C4-4BCD-93E2-E3B085C9AB24}">
+                  <p16:designElem xmlns:p16="http://schemas.microsoft.com/office/powerpoint/2015/main" val="1"/>
+                </p:ext>
+              </p:extLst>
+            </p:nvPr>
+          </p:nvSpPr>
+          <p:spPr>
+            <a:xfrm>
+              <a:off x="1750" y="2895600"/>
+              <a:ext cx="2362200" cy="2362200"/>
+            </a:xfrm>
+            <a:prstGeom prst="ellipse">
+              <a:avLst/>
+            </a:prstGeom>
+            <a:gradFill flip="none" rotWithShape="1">
+              <a:gsLst>
+                <a:gs pos="0">
+                  <a:schemeClr val="bg2">
+                    <a:lumMod val="40000"/>
+                    <a:lumOff val="60000"/>
+                    <a:alpha val="8000"/>
+                  </a:schemeClr>
+                </a:gs>
+                <a:gs pos="72000">
+                  <a:schemeClr val="bg2">
+                    <a:lumMod val="40000"/>
+                    <a:lumOff val="60000"/>
+                    <a:alpha val="0"/>
+                  </a:schemeClr>
+                </a:gs>
+                <a:gs pos="36000">
+                  <a:schemeClr val="bg2">
+                    <a:lumMod val="40000"/>
+                    <a:lumOff val="60000"/>
+                    <a:alpha val="8000"/>
+                  </a:schemeClr>
+                </a:gs>
+              </a:gsLst>
+              <a:path path="circle">
+                <a:fillToRect l="50000" t="50000" r="50000" b="50000"/>
+              </a:path>
+              <a:tileRect/>
+            </a:gradFill>
+            <a:ln>
+              <a:noFill/>
+            </a:ln>
+            <a:effectLst/>
+          </p:spPr>
+          <p:style>
+            <a:lnRef idx="1">
+              <a:schemeClr val="accent1"/>
+            </a:lnRef>
+            <a:fillRef idx="3">
+              <a:schemeClr val="accent1"/>
+            </a:fillRef>
+            <a:effectRef idx="2">
+              <a:schemeClr val="accent1"/>
+            </a:effectRef>
+            <a:fontRef idx="minor">
+              <a:schemeClr val="lt1"/>
+            </a:fontRef>
+          </p:style>
+        </p:sp>
+        <p:sp>
+          <p:nvSpPr>
+            <p:cNvPr id="39" name="Oval 38">
+              <a:extLst>
+                <a:ext uri="{FF2B5EF4-FFF2-40B4-BE49-F238E27FC236}">
+                  <a16:creationId xmlns:a16="http://schemas.microsoft.com/office/drawing/2014/main" id="{D34C65DE-5132-426E-9E92-81CB9EFF8941}"/>
+                </a:ext>
+                <a:ext uri="{C183D7F6-B498-43B3-948B-1728B52AA6E4}">
+                  <adec:decorative xmlns:adec="http://schemas.microsoft.com/office/drawing/2017/decorative" val="1"/>
+                </a:ext>
+              </a:extLst>
+            </p:cNvPr>
+            <p:cNvSpPr/>
+            <p:nvPr>
+              <p:extLst>
+                <p:ext uri="{386F3935-93C4-4BCD-93E2-E3B085C9AB24}">
+                  <p16:designElem xmlns:p16="http://schemas.microsoft.com/office/powerpoint/2015/main" val="1"/>
+                </p:ext>
+              </p:extLst>
+            </p:nvPr>
+          </p:nvSpPr>
+          <p:spPr>
+            <a:xfrm>
+              <a:off x="8609012" y="1676400"/>
+              <a:ext cx="2819400" cy="2819400"/>
+            </a:xfrm>
+            <a:prstGeom prst="ellipse">
+              <a:avLst/>
+            </a:prstGeom>
+            <a:gradFill flip="none" rotWithShape="1">
+              <a:gsLst>
+                <a:gs pos="0">
+                  <a:schemeClr val="bg2">
+                    <a:lumMod val="40000"/>
+                    <a:lumOff val="60000"/>
+                    <a:alpha val="7000"/>
+                  </a:schemeClr>
+                </a:gs>
+                <a:gs pos="69000">
+                  <a:schemeClr val="bg2">
+                    <a:lumMod val="40000"/>
+                    <a:lumOff val="60000"/>
+                    <a:alpha val="0"/>
+                  </a:schemeClr>
+                </a:gs>
+                <a:gs pos="36000">
+                  <a:schemeClr val="bg2">
+                    <a:lumMod val="40000"/>
+                    <a:lumOff val="60000"/>
+                    <a:alpha val="6000"/>
+                  </a:schemeClr>
+                </a:gs>
+              </a:gsLst>
+              <a:path path="circle">
+                <a:fillToRect l="50000" t="50000" r="50000" b="50000"/>
+              </a:path>
+              <a:tileRect/>
+            </a:gradFill>
+            <a:ln>
+              <a:noFill/>
+            </a:ln>
+            <a:effectLst/>
+          </p:spPr>
+          <p:style>
+            <a:lnRef idx="1">
+              <a:schemeClr val="accent1"/>
+            </a:lnRef>
+            <a:fillRef idx="3">
+              <a:schemeClr val="accent1"/>
+            </a:fillRef>
+            <a:effectRef idx="2">
+              <a:schemeClr val="accent1"/>
+            </a:effectRef>
+            <a:fontRef idx="minor">
+              <a:schemeClr val="lt1"/>
+            </a:fontRef>
+          </p:style>
+        </p:sp>
+        <p:sp>
+          <p:nvSpPr>
+            <p:cNvPr id="40" name="Oval 39">
+              <a:extLst>
+                <a:ext uri="{FF2B5EF4-FFF2-40B4-BE49-F238E27FC236}">
+                  <a16:creationId xmlns:a16="http://schemas.microsoft.com/office/drawing/2014/main" id="{463FE9C4-150E-4C97-A21E-53B7CD261A14}"/>
+                </a:ext>
+                <a:ext uri="{C183D7F6-B498-43B3-948B-1728B52AA6E4}">
+                  <adec:decorative xmlns:adec="http://schemas.microsoft.com/office/drawing/2017/decorative" val="1"/>
+                </a:ext>
+              </a:extLst>
+            </p:cNvPr>
+            <p:cNvSpPr/>
+            <p:nvPr>
+              <p:extLst>
+                <p:ext uri="{386F3935-93C4-4BCD-93E2-E3B085C9AB24}">
+                  <p16:designElem xmlns:p16="http://schemas.microsoft.com/office/powerpoint/2015/main" val="1"/>
+                </p:ext>
+              </p:extLst>
+            </p:nvPr>
+          </p:nvSpPr>
+          <p:spPr>
+            <a:xfrm>
+              <a:off x="7999412" y="-2373"/>
+              <a:ext cx="1600200" cy="1600200"/>
+            </a:xfrm>
+            <a:prstGeom prst="ellipse">
+              <a:avLst/>
+            </a:prstGeom>
+            <a:gradFill flip="none" rotWithShape="1">
+              <a:gsLst>
+                <a:gs pos="0">
+                  <a:schemeClr val="bg2">
+                    <a:lumMod val="40000"/>
+                    <a:lumOff val="60000"/>
+                    <a:alpha val="14000"/>
+                  </a:schemeClr>
+                </a:gs>
+                <a:gs pos="73000">
+                  <a:schemeClr val="bg2">
+                    <a:lumMod val="40000"/>
+                    <a:lumOff val="60000"/>
+                    <a:alpha val="0"/>
+                  </a:schemeClr>
+                </a:gs>
+                <a:gs pos="36000">
+                  <a:schemeClr val="bg2">
+                    <a:lumMod val="40000"/>
+                    <a:lumOff val="60000"/>
+                    <a:alpha val="7000"/>
+                  </a:schemeClr>
+                </a:gs>
+              </a:gsLst>
+              <a:path path="circle">
+                <a:fillToRect l="50000" t="50000" r="50000" b="50000"/>
+              </a:path>
+              <a:tileRect/>
+            </a:gradFill>
+            <a:ln>
+              <a:noFill/>
+            </a:ln>
+            <a:effectLst/>
+          </p:spPr>
+          <p:style>
+            <a:lnRef idx="1">
+              <a:schemeClr val="accent1"/>
+            </a:lnRef>
+            <a:fillRef idx="3">
+              <a:schemeClr val="accent1"/>
+            </a:fillRef>
+            <a:effectRef idx="2">
+              <a:schemeClr val="accent1"/>
+            </a:effectRef>
+            <a:fontRef idx="minor">
+              <a:schemeClr val="lt1"/>
+            </a:fontRef>
+          </p:style>
+        </p:sp>
+        <p:sp>
+          <p:nvSpPr>
+            <p:cNvPr id="41" name="Oval 40">
+              <a:extLst>
+                <a:ext uri="{FF2B5EF4-FFF2-40B4-BE49-F238E27FC236}">
+                  <a16:creationId xmlns:a16="http://schemas.microsoft.com/office/drawing/2014/main" id="{F4DD7FA2-5B3A-4DD2-BA1A-735CC86BAA06}"/>
+                </a:ext>
+                <a:ext uri="{C183D7F6-B498-43B3-948B-1728B52AA6E4}">
+                  <adec:decorative xmlns:adec="http://schemas.microsoft.com/office/drawing/2017/decorative" val="1"/>
+                </a:ext>
+              </a:extLst>
+            </p:cNvPr>
+            <p:cNvSpPr/>
+            <p:nvPr>
+              <p:extLst>
+                <p:ext uri="{386F3935-93C4-4BCD-93E2-E3B085C9AB24}">
+                  <p16:designElem xmlns:p16="http://schemas.microsoft.com/office/powerpoint/2015/main" val="1"/>
+                </p:ext>
+              </p:extLst>
+            </p:nvPr>
+          </p:nvSpPr>
+          <p:spPr>
+            <a:xfrm>
+              <a:off x="8609012" y="5874054"/>
+              <a:ext cx="990600" cy="990600"/>
+            </a:xfrm>
+            <a:prstGeom prst="ellipse">
+              <a:avLst/>
+            </a:prstGeom>
+            <a:gradFill flip="none" rotWithShape="1">
+              <a:gsLst>
+                <a:gs pos="0">
+                  <a:schemeClr val="bg2">
+                    <a:lumMod val="40000"/>
+                    <a:lumOff val="60000"/>
+                    <a:alpha val="14000"/>
+                  </a:schemeClr>
+                </a:gs>
+                <a:gs pos="66000">
+                  <a:schemeClr val="bg2">
+                    <a:lumMod val="40000"/>
+                    <a:lumOff val="60000"/>
+                    <a:alpha val="0"/>
+                  </a:schemeClr>
+                </a:gs>
+                <a:gs pos="36000">
+                  <a:schemeClr val="bg2">
+                    <a:lumMod val="40000"/>
+                    <a:lumOff val="60000"/>
+                    <a:alpha val="7000"/>
+                  </a:schemeClr>
+                </a:gs>
+              </a:gsLst>
+              <a:path path="circle">
+                <a:fillToRect l="50000" t="50000" r="50000" b="50000"/>
+              </a:path>
+              <a:tileRect/>
+            </a:gradFill>
+            <a:ln>
+              <a:noFill/>
+            </a:ln>
+            <a:effectLst/>
+          </p:spPr>
+          <p:style>
+            <a:lnRef idx="1">
+              <a:schemeClr val="accent1"/>
+            </a:lnRef>
+            <a:fillRef idx="3">
+              <a:schemeClr val="accent1"/>
+            </a:fillRef>
+            <a:effectRef idx="2">
+              <a:schemeClr val="accent1"/>
+            </a:effectRef>
+            <a:fontRef idx="minor">
+              <a:schemeClr val="lt1"/>
+            </a:fontRef>
+          </p:style>
+        </p:sp>
+        <p:sp>
+          <p:nvSpPr>
+            <p:cNvPr id="42" name="Freeform 5">
+              <a:extLst>
+                <a:ext uri="{FF2B5EF4-FFF2-40B4-BE49-F238E27FC236}">
+                  <a16:creationId xmlns:a16="http://schemas.microsoft.com/office/drawing/2014/main" id="{B11D6824-D097-439B-9956-5436E5111A9B}"/>
+                </a:ext>
+                <a:ext uri="{C183D7F6-B498-43B3-948B-1728B52AA6E4}">
+                  <adec:decorative xmlns:adec="http://schemas.microsoft.com/office/drawing/2017/decorative" val="1"/>
+                </a:ext>
+              </a:extLst>
+            </p:cNvPr>
+            <p:cNvSpPr>
+              <a:spLocks noEditPoints="1"/>
+            </p:cNvSpPr>
+            <p:nvPr>
+              <p:extLst>
+                <p:ext uri="{386F3935-93C4-4BCD-93E2-E3B085C9AB24}">
+                  <p16:designElem xmlns:p16="http://schemas.microsoft.com/office/powerpoint/2015/main" val="1"/>
+                </p:ext>
+              </p:extLst>
+            </p:nvPr>
+          </p:nvSpPr>
+          <p:spPr bwMode="gray">
+            <a:xfrm>
+              <a:off x="0" y="1587"/>
+              <a:ext cx="12192000" cy="6856413"/>
+            </a:xfrm>
+            <a:custGeom>
+              <a:avLst/>
+              <a:gdLst/>
+              <a:ahLst/>
+              <a:cxnLst/>
+              <a:rect l="0" t="0" r="r" b="b"/>
+              <a:pathLst>
+                <a:path w="15356" h="8638">
+                  <a:moveTo>
+                    <a:pt x="0" y="0"/>
+                  </a:moveTo>
+                  <a:lnTo>
+                    <a:pt x="0" y="8638"/>
+                  </a:lnTo>
+                  <a:lnTo>
+                    <a:pt x="15356" y="8638"/>
+                  </a:lnTo>
+                  <a:lnTo>
+                    <a:pt x="15356" y="0"/>
+                  </a:lnTo>
+                  <a:lnTo>
+                    <a:pt x="0" y="0"/>
+                  </a:lnTo>
+                  <a:close/>
+                  <a:moveTo>
+                    <a:pt x="14748" y="8038"/>
+                  </a:moveTo>
+                  <a:lnTo>
+                    <a:pt x="600" y="8038"/>
+                  </a:lnTo>
+                  <a:lnTo>
+                    <a:pt x="600" y="592"/>
+                  </a:lnTo>
+                  <a:lnTo>
+                    <a:pt x="14748" y="592"/>
+                  </a:lnTo>
+                  <a:lnTo>
+                    <a:pt x="14748" y="8038"/>
+                  </a:lnTo>
+                  <a:close/>
+                </a:path>
+              </a:pathLst>
+            </a:custGeom>
+            <a:solidFill>
+              <a:schemeClr val="bg1"/>
+            </a:solidFill>
+            <a:ln>
+              <a:noFill/>
+            </a:ln>
+          </p:spPr>
+        </p:sp>
+      </p:grpSp>
+      <p:sp>
+        <p:nvSpPr>
+          <p:cNvPr id="44" name="Rectangle 43">
+            <a:extLst>
+              <a:ext uri="{FF2B5EF4-FFF2-40B4-BE49-F238E27FC236}">
+                <a16:creationId xmlns:a16="http://schemas.microsoft.com/office/drawing/2014/main" id="{5669AB50-4CAD-4D10-A09A-A0C01AF9E6F6}"/>
+              </a:ext>
+              <a:ext uri="{C183D7F6-B498-43B3-948B-1728B52AA6E4}">
+                <adec:decorative xmlns:adec="http://schemas.microsoft.com/office/drawing/2017/decorative" val="1"/>
+              </a:ext>
+            </a:extLst>
+          </p:cNvPr>
+          <p:cNvSpPr>
+            <a:spLocks noGrp="1" noRot="1" noChangeAspect="1" noMove="1" noResize="1" noEditPoints="1" noAdjustHandles="1" noChangeArrowheads="1" noChangeShapeType="1" noTextEdit="1"/>
+          </p:cNvSpPr>
+          <p:nvPr>
+            <p:extLst>
+              <p:ext uri="{386F3935-93C4-4BCD-93E2-E3B085C9AB24}">
+                <p16:designElem xmlns:p16="http://schemas.microsoft.com/office/powerpoint/2015/main" val="1"/>
+              </p:ext>
+            </p:extLst>
+          </p:nvPr>
+        </p:nvSpPr>
+        <p:spPr>
+          <a:xfrm>
+            <a:off x="10437812" y="0"/>
+            <a:ext cx="685800" cy="1143000"/>
+          </a:xfrm>
+          <a:prstGeom prst="rect">
+            <a:avLst/>
+          </a:prstGeom>
+          <a:solidFill>
+            <a:schemeClr val="accent1"/>
+          </a:solidFill>
+          <a:ln>
+            <a:noFill/>
+          </a:ln>
+        </p:spPr>
+        <p:style>
+          <a:lnRef idx="1">
+            <a:schemeClr val="accent1"/>
+          </a:lnRef>
+          <a:fillRef idx="3">
+            <a:schemeClr val="accent1"/>
+          </a:fillRef>
+          <a:effectRef idx="2">
+            <a:schemeClr val="accent1"/>
+          </a:effectRef>
+          <a:fontRef idx="minor">
+            <a:schemeClr val="lt1"/>
+          </a:fontRef>
+        </p:style>
+      </p:sp>
+      <p:pic>
+        <p:nvPicPr>
+          <p:cNvPr id="5" name="Picture 4">
+            <a:extLst>
+              <a:ext uri="{FF2B5EF4-FFF2-40B4-BE49-F238E27FC236}">
+                <a16:creationId xmlns:a16="http://schemas.microsoft.com/office/drawing/2014/main" id="{8D4DAB14-A83F-4CC3-81B7-BE09B50C20C5}"/>
+              </a:ext>
+            </a:extLst>
+          </p:cNvPr>
+          <p:cNvPicPr>
+            <a:picLocks noChangeAspect="1"/>
+          </p:cNvPicPr>
+          <p:nvPr/>
+        </p:nvPicPr>
+        <p:blipFill>
+          <a:blip r:embed="rId3"/>
+          <a:stretch>
+            <a:fillRect/>
+          </a:stretch>
+        </p:blipFill>
+        <p:spPr>
+          <a:xfrm>
+            <a:off x="2098720" y="671213"/>
+            <a:ext cx="7741158" cy="5515574"/>
+          </a:xfrm>
+          <a:prstGeom prst="roundRect">
+            <a:avLst>
+              <a:gd name="adj" fmla="val 1858"/>
+            </a:avLst>
+          </a:prstGeom>
+          <a:effectLst>
+            <a:outerShdw blurRad="50800" dist="50800" dir="5400000" algn="tl" rotWithShape="0">
+              <a:srgbClr val="000000">
+                <a:alpha val="43000"/>
+              </a:srgbClr>
+            </a:outerShdw>
+          </a:effectLst>
+        </p:spPr>
+      </p:pic>
+    </p:spTree>
+    <p:extLst>
+      <p:ext uri="{BB962C8B-B14F-4D97-AF65-F5344CB8AC3E}">
+        <p14:creationId xmlns:p14="http://schemas.microsoft.com/office/powerpoint/2010/main" val="3521945472"/>
       </p:ext>
     </p:extLst>
   </p:cSld>

--- a/Presentation/WelcomeHomeAB.pptx
+++ b/Presentation/WelcomeHomeAB.pptx
@@ -4,15 +4,17 @@
   <p:sldMasterIdLst>
     <p:sldMasterId id="2147483648" r:id="rId1"/>
   </p:sldMasterIdLst>
+  <p:notesMasterIdLst>
+    <p:notesMasterId r:id="rId9"/>
+  </p:notesMasterIdLst>
   <p:sldIdLst>
     <p:sldId id="256" r:id="rId2"/>
-    <p:sldId id="257" r:id="rId3"/>
-    <p:sldId id="258" r:id="rId4"/>
-    <p:sldId id="259" r:id="rId5"/>
-    <p:sldId id="260" r:id="rId6"/>
-    <p:sldId id="261" r:id="rId7"/>
-    <p:sldId id="262" r:id="rId8"/>
-    <p:sldId id="263" r:id="rId9"/>
+    <p:sldId id="265" r:id="rId3"/>
+    <p:sldId id="264" r:id="rId4"/>
+    <p:sldId id="260" r:id="rId5"/>
+    <p:sldId id="261" r:id="rId6"/>
+    <p:sldId id="262" r:id="rId7"/>
+    <p:sldId id="266" r:id="rId8"/>
   </p:sldIdLst>
   <p:sldSz cx="12192000" cy="6858000"/>
   <p:notesSz cx="6858000" cy="9144000"/>
@@ -131,18 +133,353 @@
 </p:cmAuthorLst>
 </file>
 
-<file path=ppt/comments/comment1.xml><?xml version="1.0" encoding="utf-8"?>
-<p:cmLst xmlns:a="http://schemas.openxmlformats.org/drawingml/2006/main" xmlns:r="http://schemas.openxmlformats.org/officeDocument/2006/relationships" xmlns:p="http://schemas.openxmlformats.org/presentationml/2006/main">
-  <p:cm authorId="1" dt="2019-02-02T17:18:07.543" idx="1">
-    <p:pos x="10" y="10"/>
-    <p:text/>
+<file path=ppt/notesMasters/notesMaster1.xml><?xml version="1.0" encoding="utf-8"?>
+<p:notesMaster xmlns:a="http://schemas.openxmlformats.org/drawingml/2006/main" xmlns:r="http://schemas.openxmlformats.org/officeDocument/2006/relationships" xmlns:p="http://schemas.openxmlformats.org/presentationml/2006/main">
+  <p:cSld>
+    <p:bg>
+      <p:bgRef idx="1001">
+        <a:schemeClr val="bg1"/>
+      </p:bgRef>
+    </p:bg>
+    <p:spTree>
+      <p:nvGrpSpPr>
+        <p:cNvPr id="1" name=""/>
+        <p:cNvGrpSpPr/>
+        <p:nvPr/>
+      </p:nvGrpSpPr>
+      <p:grpSpPr>
+        <a:xfrm>
+          <a:off x="0" y="0"/>
+          <a:ext cx="0" cy="0"/>
+          <a:chOff x="0" y="0"/>
+          <a:chExt cx="0" cy="0"/>
+        </a:xfrm>
+      </p:grpSpPr>
+      <p:sp>
+        <p:nvSpPr>
+          <p:cNvPr id="2" name="Header Placeholder 1"/>
+          <p:cNvSpPr>
+            <a:spLocks noGrp="1"/>
+          </p:cNvSpPr>
+          <p:nvPr>
+            <p:ph type="hdr" sz="quarter"/>
+          </p:nvPr>
+        </p:nvSpPr>
+        <p:spPr>
+          <a:xfrm>
+            <a:off x="0" y="0"/>
+            <a:ext cx="2971800" cy="458788"/>
+          </a:xfrm>
+          <a:prstGeom prst="rect">
+            <a:avLst/>
+          </a:prstGeom>
+        </p:spPr>
+        <p:txBody>
+          <a:bodyPr vert="horz" lIns="91440" tIns="45720" rIns="91440" bIns="45720" rtlCol="0"/>
+          <a:lstStyle>
+            <a:lvl1pPr algn="l">
+              <a:defRPr sz="1200"/>
+            </a:lvl1pPr>
+          </a:lstStyle>
+          <a:p>
+            <a:endParaRPr lang="en-US"/>
+          </a:p>
+        </p:txBody>
+      </p:sp>
+      <p:sp>
+        <p:nvSpPr>
+          <p:cNvPr id="3" name="Date Placeholder 2"/>
+          <p:cNvSpPr>
+            <a:spLocks noGrp="1"/>
+          </p:cNvSpPr>
+          <p:nvPr>
+            <p:ph type="dt" idx="1"/>
+          </p:nvPr>
+        </p:nvSpPr>
+        <p:spPr>
+          <a:xfrm>
+            <a:off x="3884613" y="0"/>
+            <a:ext cx="2971800" cy="458788"/>
+          </a:xfrm>
+          <a:prstGeom prst="rect">
+            <a:avLst/>
+          </a:prstGeom>
+        </p:spPr>
+        <p:txBody>
+          <a:bodyPr vert="horz" lIns="91440" tIns="45720" rIns="91440" bIns="45720" rtlCol="0"/>
+          <a:lstStyle>
+            <a:lvl1pPr algn="r">
+              <a:defRPr sz="1200"/>
+            </a:lvl1pPr>
+          </a:lstStyle>
+          <a:p>
+            <a:fld id="{1360CCF4-E5BA-4638-B292-8F9086754E48}" type="datetimeFigureOut">
+              <a:rPr lang="en-US" smtClean="0"/>
+              <a:t>2/2/2019</a:t>
+            </a:fld>
+            <a:endParaRPr lang="en-US"/>
+          </a:p>
+        </p:txBody>
+      </p:sp>
+      <p:sp>
+        <p:nvSpPr>
+          <p:cNvPr id="4" name="Slide Image Placeholder 3"/>
+          <p:cNvSpPr>
+            <a:spLocks noGrp="1" noRot="1" noChangeAspect="1"/>
+          </p:cNvSpPr>
+          <p:nvPr>
+            <p:ph type="sldImg" idx="2"/>
+          </p:nvPr>
+        </p:nvSpPr>
+        <p:spPr>
+          <a:xfrm>
+            <a:off x="685800" y="1143000"/>
+            <a:ext cx="5486400" cy="3086100"/>
+          </a:xfrm>
+          <a:prstGeom prst="rect">
+            <a:avLst/>
+          </a:prstGeom>
+          <a:noFill/>
+          <a:ln w="12700">
+            <a:solidFill>
+              <a:prstClr val="black"/>
+            </a:solidFill>
+          </a:ln>
+        </p:spPr>
+        <p:txBody>
+          <a:bodyPr vert="horz" lIns="91440" tIns="45720" rIns="91440" bIns="45720" rtlCol="0" anchor="ctr"/>
+          <a:lstStyle/>
+          <a:p>
+            <a:endParaRPr lang="en-US"/>
+          </a:p>
+        </p:txBody>
+      </p:sp>
+      <p:sp>
+        <p:nvSpPr>
+          <p:cNvPr id="5" name="Notes Placeholder 4"/>
+          <p:cNvSpPr>
+            <a:spLocks noGrp="1"/>
+          </p:cNvSpPr>
+          <p:nvPr>
+            <p:ph type="body" sz="quarter" idx="3"/>
+          </p:nvPr>
+        </p:nvSpPr>
+        <p:spPr>
+          <a:xfrm>
+            <a:off x="685800" y="4400550"/>
+            <a:ext cx="5486400" cy="3600450"/>
+          </a:xfrm>
+          <a:prstGeom prst="rect">
+            <a:avLst/>
+          </a:prstGeom>
+        </p:spPr>
+        <p:txBody>
+          <a:bodyPr vert="horz" lIns="91440" tIns="45720" rIns="91440" bIns="45720" rtlCol="0"/>
+          <a:lstStyle/>
+          <a:p>
+            <a:pPr lvl="0"/>
+            <a:r>
+              <a:rPr lang="en-US"/>
+              <a:t>Edit Master text styles</a:t>
+            </a:r>
+          </a:p>
+          <a:p>
+            <a:pPr lvl="1"/>
+            <a:r>
+              <a:rPr lang="en-US"/>
+              <a:t>Second level</a:t>
+            </a:r>
+          </a:p>
+          <a:p>
+            <a:pPr lvl="2"/>
+            <a:r>
+              <a:rPr lang="en-US"/>
+              <a:t>Third level</a:t>
+            </a:r>
+          </a:p>
+          <a:p>
+            <a:pPr lvl="3"/>
+            <a:r>
+              <a:rPr lang="en-US"/>
+              <a:t>Fourth level</a:t>
+            </a:r>
+          </a:p>
+          <a:p>
+            <a:pPr lvl="4"/>
+            <a:r>
+              <a:rPr lang="en-US"/>
+              <a:t>Fifth level</a:t>
+            </a:r>
+          </a:p>
+        </p:txBody>
+      </p:sp>
+      <p:sp>
+        <p:nvSpPr>
+          <p:cNvPr id="6" name="Footer Placeholder 5"/>
+          <p:cNvSpPr>
+            <a:spLocks noGrp="1"/>
+          </p:cNvSpPr>
+          <p:nvPr>
+            <p:ph type="ftr" sz="quarter" idx="4"/>
+          </p:nvPr>
+        </p:nvSpPr>
+        <p:spPr>
+          <a:xfrm>
+            <a:off x="0" y="8685213"/>
+            <a:ext cx="2971800" cy="458787"/>
+          </a:xfrm>
+          <a:prstGeom prst="rect">
+            <a:avLst/>
+          </a:prstGeom>
+        </p:spPr>
+        <p:txBody>
+          <a:bodyPr vert="horz" lIns="91440" tIns="45720" rIns="91440" bIns="45720" rtlCol="0" anchor="b"/>
+          <a:lstStyle>
+            <a:lvl1pPr algn="l">
+              <a:defRPr sz="1200"/>
+            </a:lvl1pPr>
+          </a:lstStyle>
+          <a:p>
+            <a:endParaRPr lang="en-US"/>
+          </a:p>
+        </p:txBody>
+      </p:sp>
+      <p:sp>
+        <p:nvSpPr>
+          <p:cNvPr id="7" name="Slide Number Placeholder 6"/>
+          <p:cNvSpPr>
+            <a:spLocks noGrp="1"/>
+          </p:cNvSpPr>
+          <p:nvPr>
+            <p:ph type="sldNum" sz="quarter" idx="5"/>
+          </p:nvPr>
+        </p:nvSpPr>
+        <p:spPr>
+          <a:xfrm>
+            <a:off x="3884613" y="8685213"/>
+            <a:ext cx="2971800" cy="458787"/>
+          </a:xfrm>
+          <a:prstGeom prst="rect">
+            <a:avLst/>
+          </a:prstGeom>
+        </p:spPr>
+        <p:txBody>
+          <a:bodyPr vert="horz" lIns="91440" tIns="45720" rIns="91440" bIns="45720" rtlCol="0" anchor="b"/>
+          <a:lstStyle>
+            <a:lvl1pPr algn="r">
+              <a:defRPr sz="1200"/>
+            </a:lvl1pPr>
+          </a:lstStyle>
+          <a:p>
+            <a:fld id="{A16ADF7A-156C-420D-8729-F14482F8B9F2}" type="slidenum">
+              <a:rPr lang="en-US" smtClean="0"/>
+              <a:t>‹#›</a:t>
+            </a:fld>
+            <a:endParaRPr lang="en-US"/>
+          </a:p>
+        </p:txBody>
+      </p:sp>
+    </p:spTree>
     <p:extLst>
-      <p:ext uri="{C676402C-5697-4E1C-873F-D02D1690AC5C}">
-        <p15:threadingInfo xmlns:p15="http://schemas.microsoft.com/office/powerpoint/2012/main" timeZoneBias="420"/>
+      <p:ext uri="{BB962C8B-B14F-4D97-AF65-F5344CB8AC3E}">
+        <p14:creationId xmlns:p14="http://schemas.microsoft.com/office/powerpoint/2010/main" val="2943073784"/>
       </p:ext>
     </p:extLst>
-  </p:cm>
-</p:cmLst>
+  </p:cSld>
+  <p:clrMap bg1="lt1" tx1="dk1" bg2="lt2" tx2="dk2" accent1="accent1" accent2="accent2" accent3="accent3" accent4="accent4" accent5="accent5" accent6="accent6" hlink="hlink" folHlink="folHlink"/>
+  <p:notesStyle>
+    <a:lvl1pPr marL="0" algn="l" defTabSz="914400" rtl="0" eaLnBrk="1" latinLnBrk="0" hangingPunct="1">
+      <a:defRPr sz="1200" kern="1200">
+        <a:solidFill>
+          <a:schemeClr val="tx1"/>
+        </a:solidFill>
+        <a:latin typeface="+mn-lt"/>
+        <a:ea typeface="+mn-ea"/>
+        <a:cs typeface="+mn-cs"/>
+      </a:defRPr>
+    </a:lvl1pPr>
+    <a:lvl2pPr marL="457200" algn="l" defTabSz="914400" rtl="0" eaLnBrk="1" latinLnBrk="0" hangingPunct="1">
+      <a:defRPr sz="1200" kern="1200">
+        <a:solidFill>
+          <a:schemeClr val="tx1"/>
+        </a:solidFill>
+        <a:latin typeface="+mn-lt"/>
+        <a:ea typeface="+mn-ea"/>
+        <a:cs typeface="+mn-cs"/>
+      </a:defRPr>
+    </a:lvl2pPr>
+    <a:lvl3pPr marL="914400" algn="l" defTabSz="914400" rtl="0" eaLnBrk="1" latinLnBrk="0" hangingPunct="1">
+      <a:defRPr sz="1200" kern="1200">
+        <a:solidFill>
+          <a:schemeClr val="tx1"/>
+        </a:solidFill>
+        <a:latin typeface="+mn-lt"/>
+        <a:ea typeface="+mn-ea"/>
+        <a:cs typeface="+mn-cs"/>
+      </a:defRPr>
+    </a:lvl3pPr>
+    <a:lvl4pPr marL="1371600" algn="l" defTabSz="914400" rtl="0" eaLnBrk="1" latinLnBrk="0" hangingPunct="1">
+      <a:defRPr sz="1200" kern="1200">
+        <a:solidFill>
+          <a:schemeClr val="tx1"/>
+        </a:solidFill>
+        <a:latin typeface="+mn-lt"/>
+        <a:ea typeface="+mn-ea"/>
+        <a:cs typeface="+mn-cs"/>
+      </a:defRPr>
+    </a:lvl4pPr>
+    <a:lvl5pPr marL="1828800" algn="l" defTabSz="914400" rtl="0" eaLnBrk="1" latinLnBrk="0" hangingPunct="1">
+      <a:defRPr sz="1200" kern="1200">
+        <a:solidFill>
+          <a:schemeClr val="tx1"/>
+        </a:solidFill>
+        <a:latin typeface="+mn-lt"/>
+        <a:ea typeface="+mn-ea"/>
+        <a:cs typeface="+mn-cs"/>
+      </a:defRPr>
+    </a:lvl5pPr>
+    <a:lvl6pPr marL="2286000" algn="l" defTabSz="914400" rtl="0" eaLnBrk="1" latinLnBrk="0" hangingPunct="1">
+      <a:defRPr sz="1200" kern="1200">
+        <a:solidFill>
+          <a:schemeClr val="tx1"/>
+        </a:solidFill>
+        <a:latin typeface="+mn-lt"/>
+        <a:ea typeface="+mn-ea"/>
+        <a:cs typeface="+mn-cs"/>
+      </a:defRPr>
+    </a:lvl6pPr>
+    <a:lvl7pPr marL="2743200" algn="l" defTabSz="914400" rtl="0" eaLnBrk="1" latinLnBrk="0" hangingPunct="1">
+      <a:defRPr sz="1200" kern="1200">
+        <a:solidFill>
+          <a:schemeClr val="tx1"/>
+        </a:solidFill>
+        <a:latin typeface="+mn-lt"/>
+        <a:ea typeface="+mn-ea"/>
+        <a:cs typeface="+mn-cs"/>
+      </a:defRPr>
+    </a:lvl7pPr>
+    <a:lvl8pPr marL="3200400" algn="l" defTabSz="914400" rtl="0" eaLnBrk="1" latinLnBrk="0" hangingPunct="1">
+      <a:defRPr sz="1200" kern="1200">
+        <a:solidFill>
+          <a:schemeClr val="tx1"/>
+        </a:solidFill>
+        <a:latin typeface="+mn-lt"/>
+        <a:ea typeface="+mn-ea"/>
+        <a:cs typeface="+mn-cs"/>
+      </a:defRPr>
+    </a:lvl8pPr>
+    <a:lvl9pPr marL="3657600" algn="l" defTabSz="914400" rtl="0" eaLnBrk="1" latinLnBrk="0" hangingPunct="1">
+      <a:defRPr sz="1200" kern="1200">
+        <a:solidFill>
+          <a:schemeClr val="tx1"/>
+        </a:solidFill>
+        <a:latin typeface="+mn-lt"/>
+        <a:ea typeface="+mn-ea"/>
+        <a:cs typeface="+mn-cs"/>
+      </a:defRPr>
+    </a:lvl9pPr>
+  </p:notesStyle>
+</p:notesMaster>
 </file>
 
 <file path=ppt/slideLayouts/slideLayout1.xml><?xml version="1.0" encoding="utf-8"?>
@@ -789,9 +1126,8 @@
             </a:lvl1pPr>
           </a:lstStyle>
           <a:p>
-            <a:fld id="{1E700B27-DE4C-4B9E-BB11-B9027034A00F}" type="datetimeFigureOut">
-              <a:rPr lang="en-US" dirty="0"/>
-              <a:pPr/>
+            <a:fld id="{524DC4BD-A2D2-40A2-BBCB-86760E44E925}" type="datetime1">
+              <a:rPr lang="en-US" smtClean="0"/>
               <a:t>2/2/2019</a:t>
             </a:fld>
             <a:endParaRPr lang="en-US" dirty="0"/>
@@ -1910,8 +2246,8 @@
           <a:bodyPr/>
           <a:lstStyle/>
           <a:p>
-            <a:fld id="{C40F4739-9812-4A9F-890D-2AD6BA5F6EE8}" type="datetimeFigureOut">
-              <a:rPr lang="en-US" dirty="0"/>
+            <a:fld id="{8DF415F4-6D86-43F0-A094-616CE93D2332}" type="datetime1">
+              <a:rPr lang="en-US" smtClean="0"/>
               <a:t>2/2/2019</a:t>
             </a:fld>
             <a:endParaRPr lang="en-US" dirty="0"/>
@@ -2921,8 +3257,8 @@
           <a:bodyPr/>
           <a:lstStyle/>
           <a:p>
-            <a:fld id="{18845AC5-A3F8-44AA-BA8F-596CDCC976D3}" type="datetimeFigureOut">
-              <a:rPr lang="en-US" dirty="0"/>
+            <a:fld id="{14C9D8CE-78DC-45B6-84B8-06D9A33A54EE}" type="datetime1">
+              <a:rPr lang="en-US" smtClean="0"/>
               <a:t>2/2/2019</a:t>
             </a:fld>
             <a:endParaRPr lang="en-US" dirty="0"/>
@@ -4091,8 +4427,8 @@
           <a:bodyPr/>
           <a:lstStyle/>
           <a:p>
-            <a:fld id="{C873B183-A821-4095-A363-9EC968635539}" type="datetimeFigureOut">
-              <a:rPr lang="en-US" dirty="0"/>
+            <a:fld id="{2E421D03-49CE-4B32-9FD7-6C7B19E04369}" type="datetime1">
+              <a:rPr lang="en-US" smtClean="0"/>
               <a:t>2/2/2019</a:t>
             </a:fld>
             <a:endParaRPr lang="en-US" dirty="0"/>
@@ -5152,8 +5488,8 @@
           <a:bodyPr/>
           <a:lstStyle/>
           <a:p>
-            <a:fld id="{174D01B4-0AA5-45E6-B2E6-5FA4078AEBCF}" type="datetimeFigureOut">
-              <a:rPr lang="en-US" dirty="0"/>
+            <a:fld id="{E67EEAD8-C31E-4F53-9202-54DCDFB5D3B1}" type="datetime1">
+              <a:rPr lang="en-US" smtClean="0"/>
               <a:t>2/2/2019</a:t>
             </a:fld>
             <a:endParaRPr lang="en-US" dirty="0"/>
@@ -5798,8 +6134,8 @@
           <a:bodyPr/>
           <a:lstStyle/>
           <a:p>
-            <a:fld id="{4147335C-0450-40D7-8612-B3203BED4F28}" type="datetimeFigureOut">
-              <a:rPr lang="en-US" dirty="0"/>
+            <a:fld id="{1660DD01-442E-4EDC-9F1C-AC18AB0BAC75}" type="datetime1">
+              <a:rPr lang="en-US" smtClean="0"/>
               <a:t>2/2/2019</a:t>
             </a:fld>
             <a:endParaRPr lang="en-US" dirty="0"/>
@@ -6645,8 +6981,8 @@
           <a:bodyPr/>
           <a:lstStyle/>
           <a:p>
-            <a:fld id="{D246A105-2A1C-4284-B4EA-07CF89B1A393}" type="datetimeFigureOut">
-              <a:rPr lang="en-US" dirty="0"/>
+            <a:fld id="{81208F56-6B2F-45CC-BB9D-87ABEBF38B53}" type="datetime1">
+              <a:rPr lang="en-US" smtClean="0"/>
               <a:t>2/2/2019</a:t>
             </a:fld>
             <a:endParaRPr lang="en-US" dirty="0"/>
@@ -6820,8 +7156,8 @@
           <a:bodyPr/>
           <a:lstStyle/>
           <a:p>
-            <a:fld id="{80DBE609-F3F2-45E6-BD6A-E03A8C86C1AE}" type="datetimeFigureOut">
-              <a:rPr lang="en-US" dirty="0"/>
+            <a:fld id="{9232A330-6A5B-4A37-A09D-8A68730F267C}" type="datetime1">
+              <a:rPr lang="en-US" smtClean="0"/>
               <a:t>2/2/2019</a:t>
             </a:fld>
             <a:endParaRPr lang="en-US" dirty="0"/>
@@ -7818,8 +8154,8 @@
           <a:bodyPr/>
           <a:lstStyle/>
           <a:p>
-            <a:fld id="{7A24AD68-089C-4467-A8F3-EA2BBCA6B44E}" type="datetimeFigureOut">
-              <a:rPr lang="en-US" dirty="0"/>
+            <a:fld id="{17B0BD8E-2E93-423E-9D5D-2DF1A671C92A}" type="datetime1">
+              <a:rPr lang="en-US" smtClean="0"/>
               <a:t>2/2/2019</a:t>
             </a:fld>
             <a:endParaRPr lang="en-US" dirty="0"/>
@@ -8024,8 +8360,8 @@
           <a:bodyPr/>
           <a:lstStyle/>
           <a:p>
-            <a:fld id="{75C51FCE-E4BB-4680-8E50-3C0E348D2609}" type="datetimeFigureOut">
-              <a:rPr lang="en-US" dirty="0"/>
+            <a:fld id="{4F9D888A-7DF3-444A-93AA-A524E09834F3}" type="datetime1">
+              <a:rPr lang="en-US" smtClean="0"/>
               <a:t>2/2/2019</a:t>
             </a:fld>
             <a:endParaRPr lang="en-US" dirty="0"/>
@@ -9086,8 +9422,8 @@
           <a:bodyPr/>
           <a:lstStyle/>
           <a:p>
-            <a:fld id="{8AAA073D-A903-47F8-8D16-77642FB0DF1F}" type="datetimeFigureOut">
-              <a:rPr lang="en-US" dirty="0"/>
+            <a:fld id="{B6364B80-4D2A-4AA0-B9C6-93ED42D7D486}" type="datetime1">
+              <a:rPr lang="en-US" smtClean="0"/>
               <a:t>2/2/2019</a:t>
             </a:fld>
             <a:endParaRPr lang="en-US" dirty="0"/>
@@ -9358,8 +9694,8 @@
           <a:bodyPr/>
           <a:lstStyle/>
           <a:p>
-            <a:fld id="{AB91FA40-626B-4CA1-85D0-7A9016E395BA}" type="datetimeFigureOut">
-              <a:rPr lang="en-US" dirty="0"/>
+            <a:fld id="{ADAC16DF-E2E6-458A-9530-C14965B00094}" type="datetime1">
+              <a:rPr lang="en-US" smtClean="0"/>
               <a:t>2/2/2019</a:t>
             </a:fld>
             <a:endParaRPr lang="en-US" dirty="0"/>
@@ -9740,8 +10076,8 @@
           <a:bodyPr/>
           <a:lstStyle/>
           <a:p>
-            <a:fld id="{C3F425EA-B9DC-48A7-991E-9A82573B1B21}" type="datetimeFigureOut">
-              <a:rPr lang="en-US" dirty="0"/>
+            <a:fld id="{B03ACDBD-1FAF-4891-A1E6-5C90C3DF229B}" type="datetime1">
+              <a:rPr lang="en-US" smtClean="0"/>
               <a:t>2/2/2019</a:t>
             </a:fld>
             <a:endParaRPr lang="en-US" dirty="0"/>
@@ -9858,8 +10194,8 @@
           <a:bodyPr/>
           <a:lstStyle/>
           <a:p>
-            <a:fld id="{66CB97F8-6CEB-469B-AFCC-889F2A2B1D5A}" type="datetimeFigureOut">
-              <a:rPr lang="en-US" dirty="0"/>
+            <a:fld id="{B855088D-F6B4-42C9-8917-76696D78D9E7}" type="datetime1">
+              <a:rPr lang="en-US" smtClean="0"/>
               <a:t>2/2/2019</a:t>
             </a:fld>
             <a:endParaRPr lang="en-US" dirty="0"/>
@@ -9953,8 +10289,8 @@
           <a:bodyPr/>
           <a:lstStyle/>
           <a:p>
-            <a:fld id="{8FA9179F-009E-4FA5-B091-7EBB82A185BD}" type="datetimeFigureOut">
-              <a:rPr lang="en-US" dirty="0"/>
+            <a:fld id="{96394C8E-285E-42D7-9C47-0DF209E01B6D}" type="datetime1">
+              <a:rPr lang="en-US" smtClean="0"/>
               <a:t>2/2/2019</a:t>
             </a:fld>
             <a:endParaRPr lang="en-US" dirty="0"/>
@@ -11062,8 +11398,8 @@
           <a:bodyPr/>
           <a:lstStyle/>
           <a:p>
-            <a:fld id="{8E665CEB-0076-4E37-B880-BCEA9784DE0A}" type="datetimeFigureOut">
-              <a:rPr lang="en-US" dirty="0"/>
+            <a:fld id="{DA1B30DE-9106-4E06-8905-20740B8CFA5D}" type="datetime1">
+              <a:rPr lang="en-US" smtClean="0"/>
               <a:t>2/2/2019</a:t>
             </a:fld>
             <a:endParaRPr lang="en-US" dirty="0"/>
@@ -12195,8 +12531,8 @@
           <a:bodyPr/>
           <a:lstStyle/>
           <a:p>
-            <a:fld id="{A6149E5E-3896-4118-99A7-7B85668F1C5E}" type="datetimeFigureOut">
-              <a:rPr lang="en-US" dirty="0"/>
+            <a:fld id="{8197DF2D-EC38-4C97-9A6A-2E42D754A73F}" type="datetime1">
+              <a:rPr lang="en-US" smtClean="0"/>
               <a:t>2/2/2019</a:t>
             </a:fld>
             <a:endParaRPr lang="en-US" dirty="0"/>
@@ -13223,8 +13559,8 @@
             </a:lvl1pPr>
           </a:lstStyle>
           <a:p>
-            <a:fld id="{7E0D914D-B099-4142-A885-11F276715148}" type="datetimeFigureOut">
-              <a:rPr lang="en-US" dirty="0"/>
+            <a:fld id="{502BFEFF-869B-49E5-BFC5-831BAAFBA9D1}" type="datetime1">
+              <a:rPr lang="en-US" smtClean="0"/>
               <a:t>2/2/2019</a:t>
             </a:fld>
             <a:endParaRPr lang="en-US" dirty="0"/>
@@ -13370,7 +13706,7 @@
     <p:sldLayoutId id="2147483658" r:id="rId16"/>
     <p:sldLayoutId id="2147483659" r:id="rId17"/>
   </p:sldLayoutIdLst>
-  <p:hf sldNum="0" hdr="0" ftr="0" dt="0"/>
+  <p:hf hdr="0" ftr="0" dt="0"/>
   <p:txStyles>
     <p:titleStyle>
       <a:lvl1pPr algn="l" defTabSz="457200" rtl="0" eaLnBrk="1" latinLnBrk="0" hangingPunct="1">
@@ -13873,6 +14209,36 @@
           </a:p>
         </p:txBody>
       </p:sp>
+      <p:sp>
+        <p:nvSpPr>
+          <p:cNvPr id="4" name="Slide Number Placeholder 3">
+            <a:extLst>
+              <a:ext uri="{FF2B5EF4-FFF2-40B4-BE49-F238E27FC236}">
+                <a16:creationId xmlns:a16="http://schemas.microsoft.com/office/drawing/2014/main" id="{84AFA376-7E88-45AC-B273-3DD3E57B0BD4}"/>
+              </a:ext>
+            </a:extLst>
+          </p:cNvPr>
+          <p:cNvSpPr>
+            <a:spLocks noGrp="1"/>
+          </p:cNvSpPr>
+          <p:nvPr>
+            <p:ph type="sldNum" sz="quarter" idx="12"/>
+          </p:nvPr>
+        </p:nvSpPr>
+        <p:spPr/>
+        <p:txBody>
+          <a:bodyPr/>
+          <a:lstStyle/>
+          <a:p>
+            <a:fld id="{D57F1E4F-1CFF-5643-939E-217C01CDF565}" type="slidenum">
+              <a:rPr lang="en-US" smtClean="0"/>
+              <a:pPr/>
+              <a:t>1</a:t>
+            </a:fld>
+            <a:endParaRPr lang="en-US" dirty="0"/>
+          </a:p>
+        </p:txBody>
+      </p:sp>
     </p:spTree>
     <p:extLst>
       <p:ext uri="{BB962C8B-B14F-4D97-AF65-F5344CB8AC3E}">
@@ -13887,170 +14253,6 @@
 </file>
 
 <file path=ppt/slides/slide2.xml><?xml version="1.0" encoding="utf-8"?>
-<p:sld xmlns:a="http://schemas.openxmlformats.org/drawingml/2006/main" xmlns:r="http://schemas.openxmlformats.org/officeDocument/2006/relationships" xmlns:p="http://schemas.openxmlformats.org/presentationml/2006/main">
-  <p:cSld>
-    <p:spTree>
-      <p:nvGrpSpPr>
-        <p:cNvPr id="1" name=""/>
-        <p:cNvGrpSpPr/>
-        <p:nvPr/>
-      </p:nvGrpSpPr>
-      <p:grpSpPr>
-        <a:xfrm>
-          <a:off x="0" y="0"/>
-          <a:ext cx="0" cy="0"/>
-          <a:chOff x="0" y="0"/>
-          <a:chExt cx="0" cy="0"/>
-        </a:xfrm>
-      </p:grpSpPr>
-      <p:sp>
-        <p:nvSpPr>
-          <p:cNvPr id="2" name="Title 1">
-            <a:extLst>
-              <a:ext uri="{FF2B5EF4-FFF2-40B4-BE49-F238E27FC236}">
-                <a16:creationId xmlns:a16="http://schemas.microsoft.com/office/drawing/2014/main" id="{FC0C92A3-9860-4C9C-9ACA-C52996E92146}"/>
-              </a:ext>
-            </a:extLst>
-          </p:cNvPr>
-          <p:cNvSpPr>
-            <a:spLocks noGrp="1"/>
-          </p:cNvSpPr>
-          <p:nvPr>
-            <p:ph type="title"/>
-          </p:nvPr>
-        </p:nvSpPr>
-        <p:spPr/>
-        <p:txBody>
-          <a:bodyPr/>
-          <a:lstStyle/>
-          <a:p>
-            <a:r>
-              <a:rPr lang="en-US" dirty="0"/>
-              <a:t>Introduction</a:t>
-            </a:r>
-          </a:p>
-        </p:txBody>
-      </p:sp>
-      <p:sp>
-        <p:nvSpPr>
-          <p:cNvPr id="3" name="Content Placeholder 2">
-            <a:extLst>
-              <a:ext uri="{FF2B5EF4-FFF2-40B4-BE49-F238E27FC236}">
-                <a16:creationId xmlns:a16="http://schemas.microsoft.com/office/drawing/2014/main" id="{B930976B-5BFB-4F46-8491-61E05BEB49E5}"/>
-              </a:ext>
-            </a:extLst>
-          </p:cNvPr>
-          <p:cNvSpPr>
-            <a:spLocks noGrp="1"/>
-          </p:cNvSpPr>
-          <p:nvPr>
-            <p:ph idx="1"/>
-          </p:nvPr>
-        </p:nvSpPr>
-        <p:spPr>
-          <a:xfrm>
-            <a:off x="612560" y="2290440"/>
-            <a:ext cx="11061576" cy="4243526"/>
-          </a:xfrm>
-        </p:spPr>
-        <p:txBody>
-          <a:bodyPr>
-            <a:normAutofit fontScale="92500" lnSpcReduction="20000"/>
-          </a:bodyPr>
-          <a:lstStyle/>
-          <a:p>
-            <a:r>
-              <a:rPr lang="en-US" dirty="0"/>
-              <a:t>Home buying is a tedious process……….. </a:t>
-            </a:r>
-          </a:p>
-          <a:p>
-            <a:endParaRPr lang="en-US" dirty="0"/>
-          </a:p>
-          <a:p>
-            <a:r>
-              <a:rPr lang="en-US" dirty="0"/>
-              <a:t>Realtor Process ………. Realtor Fees……………Home-Buying Process</a:t>
-            </a:r>
-          </a:p>
-          <a:p>
-            <a:endParaRPr lang="en-US" dirty="0"/>
-          </a:p>
-          <a:p>
-            <a:r>
-              <a:rPr lang="en-US" dirty="0"/>
-              <a:t>More expensive to buy, save your money </a:t>
-            </a:r>
-          </a:p>
-          <a:p>
-            <a:r>
-              <a:rPr lang="en-US" dirty="0"/>
-              <a:t>Step 1: Get a Pre-approval. ...</a:t>
-            </a:r>
-          </a:p>
-          <a:p>
-            <a:r>
-              <a:rPr lang="en-US" dirty="0"/>
-              <a:t>Step 2: Choose a REALTOR ® ...</a:t>
-            </a:r>
-          </a:p>
-          <a:p>
-            <a:r>
-              <a:rPr lang="en-US" dirty="0"/>
-              <a:t>Step 3: Make an Offer. ...</a:t>
-            </a:r>
-          </a:p>
-          <a:p>
-            <a:r>
-              <a:rPr lang="en-US" dirty="0"/>
-              <a:t>Step 4: Mortgage Approval. ...</a:t>
-            </a:r>
-          </a:p>
-          <a:p>
-            <a:r>
-              <a:rPr lang="en-US" dirty="0"/>
-              <a:t>Step 5: Firm </a:t>
-            </a:r>
-            <a:r>
-              <a:rPr lang="en-US" b="1" dirty="0"/>
-              <a:t>Sale</a:t>
-            </a:r>
-            <a:r>
-              <a:rPr lang="en-US" dirty="0"/>
-              <a:t>. ...</a:t>
-            </a:r>
-          </a:p>
-          <a:p>
-            <a:r>
-              <a:rPr lang="en-US" dirty="0"/>
-              <a:t>Step 6: Final Signing With Your Lawyer. ...</a:t>
-            </a:r>
-          </a:p>
-          <a:p>
-            <a:r>
-              <a:rPr lang="en-US" dirty="0"/>
-              <a:t>Step 7: Move In Day.</a:t>
-            </a:r>
-          </a:p>
-          <a:p>
-            <a:endParaRPr lang="en-US" dirty="0"/>
-          </a:p>
-        </p:txBody>
-      </p:sp>
-    </p:spTree>
-    <p:extLst>
-      <p:ext uri="{BB962C8B-B14F-4D97-AF65-F5344CB8AC3E}">
-        <p14:creationId xmlns:p14="http://schemas.microsoft.com/office/powerpoint/2010/main" val="1916616944"/>
-      </p:ext>
-    </p:extLst>
-  </p:cSld>
-  <p:clrMapOvr>
-    <a:masterClrMapping/>
-  </p:clrMapOvr>
-</p:sld>
-</file>
-
-<file path=ppt/slides/slide3.xml><?xml version="1.0" encoding="utf-8"?>
 <p:sld xmlns:a="http://schemas.openxmlformats.org/drawingml/2006/main" xmlns:r="http://schemas.openxmlformats.org/officeDocument/2006/relationships" xmlns:p="http://schemas.openxmlformats.org/presentationml/2006/main">
   <p:cSld>
     <p:bg>
@@ -14077,10 +14279,10 @@
       </p:grpSpPr>
       <p:grpSp>
         <p:nvGrpSpPr>
-          <p:cNvPr id="36" name="Group 35">
+          <p:cNvPr id="13" name="Group 12">
             <a:extLst>
               <a:ext uri="{FF2B5EF4-FFF2-40B4-BE49-F238E27FC236}">
-                <a16:creationId xmlns:a16="http://schemas.microsoft.com/office/drawing/2014/main" id="{06E96C53-1010-48EB-8728-70CB58236EC4}"/>
+                <a16:creationId xmlns:a16="http://schemas.microsoft.com/office/drawing/2014/main" id="{353BC003-D6B7-4BF0-937D-4A015F6DEB15}"/>
               </a:ext>
               <a:ext uri="{C183D7F6-B498-43B3-948B-1728B52AA6E4}">
                 <adec:decorative xmlns:adec="http://schemas.microsoft.com/office/drawing/2017/decorative" val="1"/>
@@ -14100,18 +14302,18 @@
         </p:nvGrpSpPr>
         <p:grpSpPr>
           <a:xfrm>
-            <a:off x="0" y="0"/>
-            <a:ext cx="12192000" cy="6858000"/>
-            <a:chOff x="0" y="0"/>
-            <a:chExt cx="12192000" cy="6858000"/>
+            <a:off x="0" y="-9027"/>
+            <a:ext cx="12192000" cy="6867027"/>
+            <a:chOff x="0" y="-2373"/>
+            <a:chExt cx="12192000" cy="6867027"/>
           </a:xfrm>
         </p:grpSpPr>
         <p:sp>
           <p:nvSpPr>
-            <p:cNvPr id="37" name="Rectangle 36">
+            <p:cNvPr id="14" name="Rectangle 13">
               <a:extLst>
                 <a:ext uri="{FF2B5EF4-FFF2-40B4-BE49-F238E27FC236}">
-                  <a16:creationId xmlns:a16="http://schemas.microsoft.com/office/drawing/2014/main" id="{5EE899E0-D27A-454B-8E91-14A292422D6F}"/>
+                  <a16:creationId xmlns:a16="http://schemas.microsoft.com/office/drawing/2014/main" id="{4903268C-2C5A-4507-9244-86102327B74A}"/>
                 </a:ext>
                 <a:ext uri="{C183D7F6-B498-43B3-948B-1728B52AA6E4}">
                   <adec:decorative xmlns:adec="http://schemas.microsoft.com/office/drawing/2017/decorative" val="1"/>
@@ -14179,10 +14381,10 @@
         </p:sp>
         <p:sp>
           <p:nvSpPr>
-            <p:cNvPr id="38" name="Oval 37">
+            <p:cNvPr id="15" name="Oval 14">
               <a:extLst>
                 <a:ext uri="{FF2B5EF4-FFF2-40B4-BE49-F238E27FC236}">
-                  <a16:creationId xmlns:a16="http://schemas.microsoft.com/office/drawing/2014/main" id="{4EDF8A7C-C5E2-42D4-884A-EC7DE68E7D0D}"/>
+                  <a16:creationId xmlns:a16="http://schemas.microsoft.com/office/drawing/2014/main" id="{539F7113-C588-46FB-ADDE-55CEC5981441}"/>
                 </a:ext>
                 <a:ext uri="{C183D7F6-B498-43B3-948B-1728B52AA6E4}">
                   <adec:decorative xmlns:adec="http://schemas.microsoft.com/office/drawing/2017/decorative" val="1"/>
@@ -14257,10 +14459,10 @@
         </p:sp>
         <p:sp>
           <p:nvSpPr>
-            <p:cNvPr id="39" name="Oval 38">
+            <p:cNvPr id="16" name="Oval 15">
               <a:extLst>
                 <a:ext uri="{FF2B5EF4-FFF2-40B4-BE49-F238E27FC236}">
-                  <a16:creationId xmlns:a16="http://schemas.microsoft.com/office/drawing/2014/main" id="{80ADD528-121C-4D05-B77B-54B31D7BABF3}"/>
+                  <a16:creationId xmlns:a16="http://schemas.microsoft.com/office/drawing/2014/main" id="{B6481A55-E6DE-4B8B-9847-0230D12F7E38}"/>
                 </a:ext>
                 <a:ext uri="{C183D7F6-B498-43B3-948B-1728B52AA6E4}">
                   <adec:decorative xmlns:adec="http://schemas.microsoft.com/office/drawing/2017/decorative" val="1"/>
@@ -14335,10 +14537,10 @@
         </p:sp>
         <p:sp>
           <p:nvSpPr>
-            <p:cNvPr id="40" name="Rectangle 39">
+            <p:cNvPr id="17" name="Oval 16">
               <a:extLst>
                 <a:ext uri="{FF2B5EF4-FFF2-40B4-BE49-F238E27FC236}">
-                  <a16:creationId xmlns:a16="http://schemas.microsoft.com/office/drawing/2014/main" id="{E7CF2869-5CDD-4AD2-8AC0-4AE179D39F2D}"/>
+                  <a16:creationId xmlns:a16="http://schemas.microsoft.com/office/drawing/2014/main" id="{052FD8DB-2F6F-462A-9BF4-1E26C93321C4}"/>
                 </a:ext>
                 <a:ext uri="{C183D7F6-B498-43B3-948B-1728B52AA6E4}">
                   <adec:decorative xmlns:adec="http://schemas.microsoft.com/office/drawing/2017/decorative" val="1"/>
@@ -14356,8 +14558,242 @@
           </p:nvSpPr>
           <p:spPr>
             <a:xfrm>
-              <a:off x="7289800" y="402165"/>
-              <a:ext cx="4478865" cy="6053670"/>
+              <a:off x="8609012" y="1676400"/>
+              <a:ext cx="2819400" cy="2819400"/>
+            </a:xfrm>
+            <a:prstGeom prst="ellipse">
+              <a:avLst/>
+            </a:prstGeom>
+            <a:gradFill flip="none" rotWithShape="1">
+              <a:gsLst>
+                <a:gs pos="0">
+                  <a:schemeClr val="bg2">
+                    <a:lumMod val="40000"/>
+                    <a:lumOff val="60000"/>
+                    <a:alpha val="7000"/>
+                  </a:schemeClr>
+                </a:gs>
+                <a:gs pos="69000">
+                  <a:schemeClr val="bg2">
+                    <a:lumMod val="40000"/>
+                    <a:lumOff val="60000"/>
+                    <a:alpha val="0"/>
+                  </a:schemeClr>
+                </a:gs>
+                <a:gs pos="36000">
+                  <a:schemeClr val="bg2">
+                    <a:lumMod val="40000"/>
+                    <a:lumOff val="60000"/>
+                    <a:alpha val="6000"/>
+                  </a:schemeClr>
+                </a:gs>
+              </a:gsLst>
+              <a:path path="circle">
+                <a:fillToRect l="50000" t="50000" r="50000" b="50000"/>
+              </a:path>
+              <a:tileRect/>
+            </a:gradFill>
+            <a:ln>
+              <a:noFill/>
+            </a:ln>
+            <a:effectLst/>
+          </p:spPr>
+          <p:style>
+            <a:lnRef idx="1">
+              <a:schemeClr val="accent1"/>
+            </a:lnRef>
+            <a:fillRef idx="3">
+              <a:schemeClr val="accent1"/>
+            </a:fillRef>
+            <a:effectRef idx="2">
+              <a:schemeClr val="accent1"/>
+            </a:effectRef>
+            <a:fontRef idx="minor">
+              <a:schemeClr val="lt1"/>
+            </a:fontRef>
+          </p:style>
+        </p:sp>
+        <p:sp>
+          <p:nvSpPr>
+            <p:cNvPr id="18" name="Oval 17">
+              <a:extLst>
+                <a:ext uri="{FF2B5EF4-FFF2-40B4-BE49-F238E27FC236}">
+                  <a16:creationId xmlns:a16="http://schemas.microsoft.com/office/drawing/2014/main" id="{BE52543D-8290-40DE-990A-27CC1992A361}"/>
+                </a:ext>
+                <a:ext uri="{C183D7F6-B498-43B3-948B-1728B52AA6E4}">
+                  <adec:decorative xmlns:adec="http://schemas.microsoft.com/office/drawing/2017/decorative" val="1"/>
+                </a:ext>
+              </a:extLst>
+            </p:cNvPr>
+            <p:cNvSpPr/>
+            <p:nvPr>
+              <p:extLst>
+                <p:ext uri="{386F3935-93C4-4BCD-93E2-E3B085C9AB24}">
+                  <p16:designElem xmlns:p16="http://schemas.microsoft.com/office/powerpoint/2015/main" val="1"/>
+                </p:ext>
+              </p:extLst>
+            </p:nvPr>
+          </p:nvSpPr>
+          <p:spPr>
+            <a:xfrm>
+              <a:off x="7999412" y="-2373"/>
+              <a:ext cx="1600200" cy="1600200"/>
+            </a:xfrm>
+            <a:prstGeom prst="ellipse">
+              <a:avLst/>
+            </a:prstGeom>
+            <a:gradFill flip="none" rotWithShape="1">
+              <a:gsLst>
+                <a:gs pos="0">
+                  <a:schemeClr val="bg2">
+                    <a:lumMod val="40000"/>
+                    <a:lumOff val="60000"/>
+                    <a:alpha val="14000"/>
+                  </a:schemeClr>
+                </a:gs>
+                <a:gs pos="73000">
+                  <a:schemeClr val="bg2">
+                    <a:lumMod val="40000"/>
+                    <a:lumOff val="60000"/>
+                    <a:alpha val="0"/>
+                  </a:schemeClr>
+                </a:gs>
+                <a:gs pos="36000">
+                  <a:schemeClr val="bg2">
+                    <a:lumMod val="40000"/>
+                    <a:lumOff val="60000"/>
+                    <a:alpha val="7000"/>
+                  </a:schemeClr>
+                </a:gs>
+              </a:gsLst>
+              <a:path path="circle">
+                <a:fillToRect l="50000" t="50000" r="50000" b="50000"/>
+              </a:path>
+              <a:tileRect/>
+            </a:gradFill>
+            <a:ln>
+              <a:noFill/>
+            </a:ln>
+            <a:effectLst/>
+          </p:spPr>
+          <p:style>
+            <a:lnRef idx="1">
+              <a:schemeClr val="accent1"/>
+            </a:lnRef>
+            <a:fillRef idx="3">
+              <a:schemeClr val="accent1"/>
+            </a:fillRef>
+            <a:effectRef idx="2">
+              <a:schemeClr val="accent1"/>
+            </a:effectRef>
+            <a:fontRef idx="minor">
+              <a:schemeClr val="lt1"/>
+            </a:fontRef>
+          </p:style>
+        </p:sp>
+        <p:sp>
+          <p:nvSpPr>
+            <p:cNvPr id="19" name="Oval 18">
+              <a:extLst>
+                <a:ext uri="{FF2B5EF4-FFF2-40B4-BE49-F238E27FC236}">
+                  <a16:creationId xmlns:a16="http://schemas.microsoft.com/office/drawing/2014/main" id="{8ECC693B-FBF3-45DD-849C-AC1B1B290539}"/>
+                </a:ext>
+                <a:ext uri="{C183D7F6-B498-43B3-948B-1728B52AA6E4}">
+                  <adec:decorative xmlns:adec="http://schemas.microsoft.com/office/drawing/2017/decorative" val="1"/>
+                </a:ext>
+              </a:extLst>
+            </p:cNvPr>
+            <p:cNvSpPr/>
+            <p:nvPr>
+              <p:extLst>
+                <p:ext uri="{386F3935-93C4-4BCD-93E2-E3B085C9AB24}">
+                  <p16:designElem xmlns:p16="http://schemas.microsoft.com/office/powerpoint/2015/main" val="1"/>
+                </p:ext>
+              </p:extLst>
+            </p:nvPr>
+          </p:nvSpPr>
+          <p:spPr>
+            <a:xfrm>
+              <a:off x="8609012" y="5874054"/>
+              <a:ext cx="990600" cy="990600"/>
+            </a:xfrm>
+            <a:prstGeom prst="ellipse">
+              <a:avLst/>
+            </a:prstGeom>
+            <a:gradFill flip="none" rotWithShape="1">
+              <a:gsLst>
+                <a:gs pos="0">
+                  <a:schemeClr val="bg2">
+                    <a:lumMod val="40000"/>
+                    <a:lumOff val="60000"/>
+                    <a:alpha val="14000"/>
+                  </a:schemeClr>
+                </a:gs>
+                <a:gs pos="66000">
+                  <a:schemeClr val="bg2">
+                    <a:lumMod val="40000"/>
+                    <a:lumOff val="60000"/>
+                    <a:alpha val="0"/>
+                  </a:schemeClr>
+                </a:gs>
+                <a:gs pos="36000">
+                  <a:schemeClr val="bg2">
+                    <a:lumMod val="40000"/>
+                    <a:lumOff val="60000"/>
+                    <a:alpha val="7000"/>
+                  </a:schemeClr>
+                </a:gs>
+              </a:gsLst>
+              <a:path path="circle">
+                <a:fillToRect l="50000" t="50000" r="50000" b="50000"/>
+              </a:path>
+              <a:tileRect/>
+            </a:gradFill>
+            <a:ln>
+              <a:noFill/>
+            </a:ln>
+            <a:effectLst/>
+          </p:spPr>
+          <p:style>
+            <a:lnRef idx="1">
+              <a:schemeClr val="accent1"/>
+            </a:lnRef>
+            <a:fillRef idx="3">
+              <a:schemeClr val="accent1"/>
+            </a:fillRef>
+            <a:effectRef idx="2">
+              <a:schemeClr val="accent1"/>
+            </a:effectRef>
+            <a:fontRef idx="minor">
+              <a:schemeClr val="lt1"/>
+            </a:fontRef>
+          </p:style>
+        </p:sp>
+        <p:sp>
+          <p:nvSpPr>
+            <p:cNvPr id="20" name="Rectangle 19">
+              <a:extLst>
+                <a:ext uri="{FF2B5EF4-FFF2-40B4-BE49-F238E27FC236}">
+                  <a16:creationId xmlns:a16="http://schemas.microsoft.com/office/drawing/2014/main" id="{56515BC8-A1CA-4EB4-81D8-6A891458F764}"/>
+                </a:ext>
+                <a:ext uri="{C183D7F6-B498-43B3-948B-1728B52AA6E4}">
+                  <adec:decorative xmlns:adec="http://schemas.microsoft.com/office/drawing/2017/decorative" val="1"/>
+                </a:ext>
+              </a:extLst>
+            </p:cNvPr>
+            <p:cNvSpPr/>
+            <p:nvPr>
+              <p:extLst>
+                <p:ext uri="{386F3935-93C4-4BCD-93E2-E3B085C9AB24}">
+                  <p16:designElem xmlns:p16="http://schemas.microsoft.com/office/powerpoint/2015/main" val="1"/>
+                </p:ext>
+              </p:extLst>
+            </p:nvPr>
+          </p:nvSpPr>
+          <p:spPr>
+            <a:xfrm>
+              <a:off x="5194608" y="402165"/>
+              <a:ext cx="6574058" cy="6053670"/>
             </a:xfrm>
             <a:prstGeom prst="rect">
               <a:avLst/>
@@ -14387,10 +14823,10 @@
         </p:sp>
         <p:sp>
           <p:nvSpPr>
-            <p:cNvPr id="41" name="Freeform 5">
+            <p:cNvPr id="21" name="Freeform 5">
               <a:extLst>
                 <a:ext uri="{FF2B5EF4-FFF2-40B4-BE49-F238E27FC236}">
-                  <a16:creationId xmlns:a16="http://schemas.microsoft.com/office/drawing/2014/main" id="{0FD2D0A6-D3D4-4573-AD6B-2B5DBFF0C1D6}"/>
+                  <a16:creationId xmlns:a16="http://schemas.microsoft.com/office/drawing/2014/main" id="{ED9E2ADE-2C74-4E7D-8701-6AE23ABD4DDF}"/>
                 </a:ext>
                 <a:ext uri="{C183D7F6-B498-43B3-948B-1728B52AA6E4}">
                   <adec:decorative xmlns:adec="http://schemas.microsoft.com/office/drawing/2017/decorative" val="1"/>
@@ -14408,7 +14844,7 @@
           </p:nvSpPr>
           <p:spPr bwMode="gray">
             <a:xfrm rot="15922489">
-              <a:off x="4698352" y="1826078"/>
+              <a:off x="3140485" y="1826078"/>
               <a:ext cx="3299407" cy="440924"/>
             </a:xfrm>
             <a:custGeom>
@@ -14549,10 +14985,10 @@
         </p:sp>
         <p:sp>
           <p:nvSpPr>
-            <p:cNvPr id="42" name="Freeform 5">
+            <p:cNvPr id="22" name="Freeform 5">
               <a:extLst>
                 <a:ext uri="{FF2B5EF4-FFF2-40B4-BE49-F238E27FC236}">
-                  <a16:creationId xmlns:a16="http://schemas.microsoft.com/office/drawing/2014/main" id="{39749B2A-2C8D-45C7-A857-30307A089980}"/>
+                  <a16:creationId xmlns:a16="http://schemas.microsoft.com/office/drawing/2014/main" id="{B7EBD6DC-7188-4268-9886-6535F41A6749}"/>
                 </a:ext>
                 <a:ext uri="{C183D7F6-B498-43B3-948B-1728B52AA6E4}">
                   <adec:decorative xmlns:adec="http://schemas.microsoft.com/office/drawing/2017/decorative" val="1"/>
@@ -14570,7 +15006,7 @@
           </p:nvSpPr>
           <p:spPr bwMode="gray">
             <a:xfrm rot="16200000">
-              <a:off x="3787244" y="2801721"/>
+              <a:off x="2229377" y="2801721"/>
               <a:ext cx="6053670" cy="1254558"/>
             </a:xfrm>
             <a:custGeom>
@@ -14748,10 +15184,10 @@
         </p:sp>
         <p:sp>
           <p:nvSpPr>
-            <p:cNvPr id="43" name="Freeform 5">
+            <p:cNvPr id="23" name="Freeform 5">
               <a:extLst>
                 <a:ext uri="{FF2B5EF4-FFF2-40B4-BE49-F238E27FC236}">
-                  <a16:creationId xmlns:a16="http://schemas.microsoft.com/office/drawing/2014/main" id="{FEC28B8C-B40C-4618-823B-C6D730FE849D}"/>
+                  <a16:creationId xmlns:a16="http://schemas.microsoft.com/office/drawing/2014/main" id="{493CCA32-0C37-4525-8FFC-D62C5EEFBE69}"/>
                 </a:ext>
                 <a:ext uri="{C183D7F6-B498-43B3-948B-1728B52AA6E4}">
                   <adec:decorative xmlns:adec="http://schemas.microsoft.com/office/drawing/2017/decorative" val="1"/>
@@ -14826,86 +15262,12 @@
           </p:spPr>
         </p:sp>
       </p:grpSp>
-      <p:sp>
-        <p:nvSpPr>
-          <p:cNvPr id="2" name="Title 1">
+      <p:pic>
+        <p:nvPicPr>
+          <p:cNvPr id="8" name="Content Placeholder 4">
             <a:extLst>
               <a:ext uri="{FF2B5EF4-FFF2-40B4-BE49-F238E27FC236}">
-                <a16:creationId xmlns:a16="http://schemas.microsoft.com/office/drawing/2014/main" id="{4FB16F6D-918A-43FA-A239-A1CB99957494}"/>
-              </a:ext>
-            </a:extLst>
-          </p:cNvPr>
-          <p:cNvSpPr>
-            <a:spLocks noGrp="1"/>
-          </p:cNvSpPr>
-          <p:nvPr>
-            <p:ph type="title"/>
-          </p:nvPr>
-        </p:nvSpPr>
-        <p:spPr>
-          <a:xfrm>
-            <a:off x="639098" y="629265"/>
-            <a:ext cx="5132438" cy="1622322"/>
-          </a:xfrm>
-        </p:spPr>
-        <p:txBody>
-          <a:bodyPr>
-            <a:normAutofit/>
-          </a:bodyPr>
-          <a:lstStyle/>
-          <a:p>
-            <a:r>
-              <a:rPr lang="en-US" dirty="0"/>
-              <a:t>Home Buying Process</a:t>
-            </a:r>
-          </a:p>
-        </p:txBody>
-      </p:sp>
-      <p:sp>
-        <p:nvSpPr>
-          <p:cNvPr id="29" name="Content Placeholder 9">
-            <a:extLst>
-              <a:ext uri="{FF2B5EF4-FFF2-40B4-BE49-F238E27FC236}">
-                <a16:creationId xmlns:a16="http://schemas.microsoft.com/office/drawing/2014/main" id="{BFB93443-F098-461B-9A09-8D2193F0E0FC}"/>
-              </a:ext>
-            </a:extLst>
-          </p:cNvPr>
-          <p:cNvSpPr>
-            <a:spLocks noGrp="1"/>
-          </p:cNvSpPr>
-          <p:nvPr>
-            <p:ph idx="1"/>
-          </p:nvPr>
-        </p:nvSpPr>
-        <p:spPr>
-          <a:xfrm>
-            <a:off x="639098" y="1882066"/>
-            <a:ext cx="5132439" cy="4348411"/>
-          </a:xfrm>
-        </p:spPr>
-        <p:txBody>
-          <a:bodyPr anchor="ctr">
-            <a:normAutofit/>
-          </a:bodyPr>
-          <a:lstStyle/>
-          <a:p>
-            <a:r>
-              <a:rPr lang="en-US" dirty="0">
-                <a:solidFill>
-                  <a:schemeClr val="bg1"/>
-                </a:solidFill>
-              </a:rPr>
-              <a:t>Tedious process for both sellers and buyers </a:t>
-            </a:r>
-          </a:p>
-        </p:txBody>
-      </p:sp>
-      <p:pic>
-        <p:nvPicPr>
-          <p:cNvPr id="30" name="Content Placeholder 4">
-            <a:extLst>
-              <a:ext uri="{FF2B5EF4-FFF2-40B4-BE49-F238E27FC236}">
-                <a16:creationId xmlns:a16="http://schemas.microsoft.com/office/drawing/2014/main" id="{9C394B90-2FA0-4B5D-85DC-97A0B212C10B}"/>
+                <a16:creationId xmlns:a16="http://schemas.microsoft.com/office/drawing/2014/main" id="{F0958278-65C4-4AA5-8B33-D785F90B6F88}"/>
               </a:ext>
             </a:extLst>
           </p:cNvPr>
@@ -14921,26 +15283,21 @@
         </p:blipFill>
         <p:spPr>
           <a:xfrm>
-            <a:off x="6486525" y="523836"/>
-            <a:ext cx="4943476" cy="5949733"/>
+            <a:off x="5334476" y="508601"/>
+            <a:ext cx="6093936" cy="5854099"/>
           </a:xfrm>
           <a:prstGeom prst="rect">
             <a:avLst/>
           </a:prstGeom>
           <a:noFill/>
-          <a:ln>
-            <a:solidFill>
-              <a:schemeClr val="tx1"/>
-            </a:solidFill>
-          </a:ln>
         </p:spPr>
       </p:pic>
       <p:sp>
         <p:nvSpPr>
-          <p:cNvPr id="45" name="Rectangle 44">
+          <p:cNvPr id="25" name="Rectangle 24">
             <a:extLst>
               <a:ext uri="{FF2B5EF4-FFF2-40B4-BE49-F238E27FC236}">
-                <a16:creationId xmlns:a16="http://schemas.microsoft.com/office/drawing/2014/main" id="{10CC18C0-9A66-45AE-B534-B8D29AFEA80F}"/>
+                <a16:creationId xmlns:a16="http://schemas.microsoft.com/office/drawing/2014/main" id="{5014FF2D-4863-43AA-82A7-958E9F743951}"/>
               </a:ext>
               <a:ext uri="{C183D7F6-B498-43B3-948B-1728B52AA6E4}">
                 <adec:decorative xmlns:adec="http://schemas.microsoft.com/office/drawing/2017/decorative" val="1"/>
@@ -14990,10 +15347,195 @@
       </p:sp>
       <p:sp>
         <p:nvSpPr>
-          <p:cNvPr id="6" name="Oval 5">
+          <p:cNvPr id="4" name="Slide Number Placeholder 3">
             <a:extLst>
               <a:ext uri="{FF2B5EF4-FFF2-40B4-BE49-F238E27FC236}">
-                <a16:creationId xmlns:a16="http://schemas.microsoft.com/office/drawing/2014/main" id="{48E0C544-D988-4F0A-BFF8-A4FD3ED3B804}"/>
+                <a16:creationId xmlns:a16="http://schemas.microsoft.com/office/drawing/2014/main" id="{E0331368-19BD-40D3-855F-D561C53E2217}"/>
+              </a:ext>
+            </a:extLst>
+          </p:cNvPr>
+          <p:cNvSpPr>
+            <a:spLocks noGrp="1"/>
+          </p:cNvSpPr>
+          <p:nvPr>
+            <p:ph type="sldNum" sz="quarter" idx="12"/>
+          </p:nvPr>
+        </p:nvSpPr>
+        <p:spPr>
+          <a:xfrm>
+            <a:off x="10352540" y="295729"/>
+            <a:ext cx="838199" cy="767687"/>
+          </a:xfrm>
+        </p:spPr>
+        <p:txBody>
+          <a:bodyPr>
+            <a:normAutofit/>
+          </a:bodyPr>
+          <a:lstStyle/>
+          <a:p>
+            <a:pPr>
+              <a:spcAft>
+                <a:spcPts val="600"/>
+              </a:spcAft>
+            </a:pPr>
+            <a:fld id="{D57F1E4F-1CFF-5643-939E-217C01CDF565}" type="slidenum">
+              <a:rPr lang="en-US" smtClean="0"/>
+              <a:pPr>
+                <a:spcAft>
+                  <a:spcPts val="600"/>
+                </a:spcAft>
+              </a:pPr>
+              <a:t>2</a:t>
+            </a:fld>
+            <a:endParaRPr lang="en-US"/>
+          </a:p>
+        </p:txBody>
+      </p:sp>
+      <p:sp>
+        <p:nvSpPr>
+          <p:cNvPr id="24" name="Title 1">
+            <a:extLst>
+              <a:ext uri="{FF2B5EF4-FFF2-40B4-BE49-F238E27FC236}">
+                <a16:creationId xmlns:a16="http://schemas.microsoft.com/office/drawing/2014/main" id="{7E2CDE93-0373-4821-A2BE-2EF23C89B0C2}"/>
+              </a:ext>
+            </a:extLst>
+          </p:cNvPr>
+          <p:cNvSpPr>
+            <a:spLocks noGrp="1"/>
+          </p:cNvSpPr>
+          <p:nvPr>
+            <p:ph type="title"/>
+          </p:nvPr>
+        </p:nvSpPr>
+        <p:spPr>
+          <a:xfrm>
+            <a:off x="474647" y="475457"/>
+            <a:ext cx="4111650" cy="1020762"/>
+          </a:xfrm>
+        </p:spPr>
+        <p:txBody>
+          <a:bodyPr>
+            <a:noAutofit/>
+          </a:bodyPr>
+          <a:lstStyle/>
+          <a:p>
+            <a:r>
+              <a:rPr lang="en-US" sz="4000" u="sng" dirty="0"/>
+              <a:t>Home Buying</a:t>
+            </a:r>
+          </a:p>
+        </p:txBody>
+      </p:sp>
+      <p:sp>
+        <p:nvSpPr>
+          <p:cNvPr id="26" name="Text Placeholder 2">
+            <a:extLst>
+              <a:ext uri="{FF2B5EF4-FFF2-40B4-BE49-F238E27FC236}">
+                <a16:creationId xmlns:a16="http://schemas.microsoft.com/office/drawing/2014/main" id="{4C7C89D7-8BAF-4DBD-B5C3-C5AE05FC2797}"/>
+              </a:ext>
+            </a:extLst>
+          </p:cNvPr>
+          <p:cNvSpPr>
+            <a:spLocks noGrp="1"/>
+          </p:cNvSpPr>
+          <p:nvPr>
+            <p:ph idx="1"/>
+          </p:nvPr>
+        </p:nvSpPr>
+        <p:spPr>
+          <a:xfrm>
+            <a:off x="658451" y="1496218"/>
+            <a:ext cx="3587417" cy="4085431"/>
+          </a:xfrm>
+        </p:spPr>
+        <p:txBody>
+          <a:bodyPr vert="horz" lIns="91440" tIns="45720" rIns="91440" bIns="45720" rtlCol="0">
+            <a:normAutofit/>
+          </a:bodyPr>
+          <a:lstStyle/>
+          <a:p>
+            <a:pPr marL="285750" indent="-285750">
+              <a:buFont typeface="Arial" panose="020B0604020202020204" pitchFamily="34" charset="0"/>
+              <a:buChar char="•"/>
+            </a:pPr>
+            <a:r>
+              <a:rPr lang="en-US" sz="2400" dirty="0">
+                <a:solidFill>
+                  <a:schemeClr val="accent1"/>
+                </a:solidFill>
+              </a:rPr>
+              <a:t>Tedious process</a:t>
+            </a:r>
+          </a:p>
+          <a:p>
+            <a:pPr marL="285750" indent="-285750">
+              <a:buFont typeface="Arial" panose="020B0604020202020204" pitchFamily="34" charset="0"/>
+              <a:buChar char="•"/>
+            </a:pPr>
+            <a:endParaRPr lang="en-US" sz="2400" dirty="0">
+              <a:solidFill>
+                <a:schemeClr val="accent1"/>
+              </a:solidFill>
+            </a:endParaRPr>
+          </a:p>
+          <a:p>
+            <a:pPr marL="285750" indent="-285750">
+              <a:buFont typeface="Arial" panose="020B0604020202020204" pitchFamily="34" charset="0"/>
+              <a:buChar char="•"/>
+            </a:pPr>
+            <a:r>
+              <a:rPr lang="en-US" sz="2400" dirty="0">
+                <a:solidFill>
+                  <a:schemeClr val="accent1"/>
+                </a:solidFill>
+              </a:rPr>
+              <a:t>Restricted Access</a:t>
+            </a:r>
+          </a:p>
+          <a:p>
+            <a:pPr marL="285750" indent="-285750">
+              <a:buFont typeface="Arial" panose="020B0604020202020204" pitchFamily="34" charset="0"/>
+              <a:buChar char="•"/>
+            </a:pPr>
+            <a:endParaRPr lang="en-US" sz="2400" dirty="0">
+              <a:solidFill>
+                <a:schemeClr val="accent1"/>
+              </a:solidFill>
+            </a:endParaRPr>
+          </a:p>
+          <a:p>
+            <a:pPr marL="285750" indent="-285750">
+              <a:buFont typeface="Arial" panose="020B0604020202020204" pitchFamily="34" charset="0"/>
+              <a:buChar char="•"/>
+            </a:pPr>
+            <a:r>
+              <a:rPr lang="en-US" sz="2400" dirty="0">
+                <a:solidFill>
+                  <a:schemeClr val="accent1"/>
+                </a:solidFill>
+              </a:rPr>
+              <a:t>Traditional  </a:t>
+            </a:r>
+          </a:p>
+          <a:p>
+            <a:pPr marL="285750" indent="-285750">
+              <a:buFont typeface="Arial" panose="020B0604020202020204" pitchFamily="34" charset="0"/>
+              <a:buChar char="•"/>
+            </a:pPr>
+            <a:endParaRPr lang="en-US" sz="2400" dirty="0">
+              <a:solidFill>
+                <a:schemeClr val="accent1"/>
+              </a:solidFill>
+            </a:endParaRPr>
+          </a:p>
+        </p:txBody>
+      </p:sp>
+      <p:sp>
+        <p:nvSpPr>
+          <p:cNvPr id="28" name="Oval 27">
+            <a:extLst>
+              <a:ext uri="{FF2B5EF4-FFF2-40B4-BE49-F238E27FC236}">
+                <a16:creationId xmlns:a16="http://schemas.microsoft.com/office/drawing/2014/main" id="{702CB1A2-3105-4E22-A9D8-C7CD5CC19393}"/>
               </a:ext>
             </a:extLst>
           </p:cNvPr>
@@ -15002,8 +15544,8 @@
         </p:nvSpPr>
         <p:spPr>
           <a:xfrm>
-            <a:off x="7983537" y="1642391"/>
-            <a:ext cx="2019190" cy="1526938"/>
+            <a:off x="7304925" y="1663092"/>
+            <a:ext cx="2115050" cy="1060162"/>
           </a:xfrm>
           <a:prstGeom prst="ellipse">
             <a:avLst/>
@@ -15041,10 +15583,85 @@
           </a:p>
         </p:txBody>
       </p:sp>
+      <p:cxnSp>
+        <p:nvCxnSpPr>
+          <p:cNvPr id="29" name="Connector: Elbow 28">
+            <a:extLst>
+              <a:ext uri="{FF2B5EF4-FFF2-40B4-BE49-F238E27FC236}">
+                <a16:creationId xmlns:a16="http://schemas.microsoft.com/office/drawing/2014/main" id="{6A9D4765-54AD-4EB3-ACFB-2F8623D4C81A}"/>
+              </a:ext>
+            </a:extLst>
+          </p:cNvPr>
+          <p:cNvCxnSpPr>
+            <a:cxnSpLocks/>
+          </p:cNvCxnSpPr>
+          <p:nvPr/>
+        </p:nvCxnSpPr>
+        <p:spPr>
+          <a:xfrm flipV="1">
+            <a:off x="3785384" y="2172845"/>
+            <a:ext cx="3460868" cy="550409"/>
+          </a:xfrm>
+          <a:prstGeom prst="bentConnector3">
+            <a:avLst/>
+          </a:prstGeom>
+          <a:ln>
+            <a:tailEnd type="triangle"/>
+          </a:ln>
+        </p:spPr>
+        <p:style>
+          <a:lnRef idx="3">
+            <a:schemeClr val="dk1"/>
+          </a:lnRef>
+          <a:fillRef idx="0">
+            <a:schemeClr val="dk1"/>
+          </a:fillRef>
+          <a:effectRef idx="2">
+            <a:schemeClr val="dk1"/>
+          </a:effectRef>
+          <a:fontRef idx="minor">
+            <a:schemeClr val="tx1"/>
+          </a:fontRef>
+        </p:style>
+      </p:cxnSp>
+      <p:sp>
+        <p:nvSpPr>
+          <p:cNvPr id="7" name="Rectangle 6">
+            <a:extLst>
+              <a:ext uri="{FF2B5EF4-FFF2-40B4-BE49-F238E27FC236}">
+                <a16:creationId xmlns:a16="http://schemas.microsoft.com/office/drawing/2014/main" id="{D88E24F1-F382-4EDD-A145-5815CDD57978}"/>
+              </a:ext>
+            </a:extLst>
+          </p:cNvPr>
+          <p:cNvSpPr/>
+          <p:nvPr/>
+        </p:nvSpPr>
+        <p:spPr>
+          <a:xfrm>
+            <a:off x="5256212" y="6332724"/>
+            <a:ext cx="6096000" cy="246221"/>
+          </a:xfrm>
+          <a:prstGeom prst="rect">
+            <a:avLst/>
+          </a:prstGeom>
+        </p:spPr>
+        <p:txBody>
+          <a:bodyPr>
+            <a:spAutoFit/>
+          </a:bodyPr>
+          <a:lstStyle/>
+          <a:p>
+            <a:r>
+              <a:rPr lang="en-US" sz="1000" dirty="0"/>
+              <a:t>https://www.thefrugalbroker.com/sellers/selling-flowchart/</a:t>
+            </a:r>
+          </a:p>
+        </p:txBody>
+      </p:sp>
     </p:spTree>
     <p:extLst>
       <p:ext uri="{BB962C8B-B14F-4D97-AF65-F5344CB8AC3E}">
-        <p14:creationId xmlns:p14="http://schemas.microsoft.com/office/powerpoint/2010/main" val="3785229748"/>
+        <p14:creationId xmlns:p14="http://schemas.microsoft.com/office/powerpoint/2010/main" val="1837102447"/>
       </p:ext>
     </p:extLst>
   </p:cSld>
@@ -15054,7 +15671,7 @@
 </p:sld>
 </file>
 
-<file path=ppt/slides/slide4.xml><?xml version="1.0" encoding="utf-8"?>
+<file path=ppt/slides/slide3.xml><?xml version="1.0" encoding="utf-8"?>
 <p:sld xmlns:a="http://schemas.openxmlformats.org/drawingml/2006/main" xmlns:r="http://schemas.openxmlformats.org/officeDocument/2006/relationships" xmlns:p="http://schemas.openxmlformats.org/presentationml/2006/main">
   <p:cSld>
     <p:bg>
@@ -15081,10 +15698,10 @@
       </p:grpSpPr>
       <p:grpSp>
         <p:nvGrpSpPr>
-          <p:cNvPr id="13" name="Group 12">
+          <p:cNvPr id="32" name="Group 11">
             <a:extLst>
               <a:ext uri="{FF2B5EF4-FFF2-40B4-BE49-F238E27FC236}">
-                <a16:creationId xmlns:a16="http://schemas.microsoft.com/office/drawing/2014/main" id="{06E96C53-1010-48EB-8728-70CB58236EC4}"/>
+                <a16:creationId xmlns:a16="http://schemas.microsoft.com/office/drawing/2014/main" id="{353BC003-D6B7-4BF0-937D-4A015F6DEB15}"/>
               </a:ext>
               <a:ext uri="{C183D7F6-B498-43B3-948B-1728B52AA6E4}">
                 <adec:decorative xmlns:adec="http://schemas.microsoft.com/office/drawing/2017/decorative" val="1"/>
@@ -15104,18 +15721,18 @@
         </p:nvGrpSpPr>
         <p:grpSpPr>
           <a:xfrm>
-            <a:off x="0" y="0"/>
-            <a:ext cx="12192000" cy="6858000"/>
-            <a:chOff x="0" y="0"/>
-            <a:chExt cx="12192000" cy="6858000"/>
+            <a:off x="0" y="-9027"/>
+            <a:ext cx="12192000" cy="6867027"/>
+            <a:chOff x="0" y="-2373"/>
+            <a:chExt cx="12192000" cy="6867027"/>
           </a:xfrm>
         </p:grpSpPr>
         <p:sp>
           <p:nvSpPr>
-            <p:cNvPr id="14" name="Rectangle 13">
+            <p:cNvPr id="13" name="Rectangle 12">
               <a:extLst>
                 <a:ext uri="{FF2B5EF4-FFF2-40B4-BE49-F238E27FC236}">
-                  <a16:creationId xmlns:a16="http://schemas.microsoft.com/office/drawing/2014/main" id="{5EE899E0-D27A-454B-8E91-14A292422D6F}"/>
+                  <a16:creationId xmlns:a16="http://schemas.microsoft.com/office/drawing/2014/main" id="{4903268C-2C5A-4507-9244-86102327B74A}"/>
                 </a:ext>
                 <a:ext uri="{C183D7F6-B498-43B3-948B-1728B52AA6E4}">
                   <adec:decorative xmlns:adec="http://schemas.microsoft.com/office/drawing/2017/decorative" val="1"/>
@@ -15183,10 +15800,10 @@
         </p:sp>
         <p:sp>
           <p:nvSpPr>
-            <p:cNvPr id="15" name="Oval 14">
+            <p:cNvPr id="14" name="Oval 13">
               <a:extLst>
                 <a:ext uri="{FF2B5EF4-FFF2-40B4-BE49-F238E27FC236}">
-                  <a16:creationId xmlns:a16="http://schemas.microsoft.com/office/drawing/2014/main" id="{4EDF8A7C-C5E2-42D4-884A-EC7DE68E7D0D}"/>
+                  <a16:creationId xmlns:a16="http://schemas.microsoft.com/office/drawing/2014/main" id="{539F7113-C588-46FB-ADDE-55CEC5981441}"/>
                 </a:ext>
                 <a:ext uri="{C183D7F6-B498-43B3-948B-1728B52AA6E4}">
                   <adec:decorative xmlns:adec="http://schemas.microsoft.com/office/drawing/2017/decorative" val="1"/>
@@ -15261,10 +15878,10 @@
         </p:sp>
         <p:sp>
           <p:nvSpPr>
-            <p:cNvPr id="16" name="Oval 15">
+            <p:cNvPr id="15" name="Oval 14">
               <a:extLst>
                 <a:ext uri="{FF2B5EF4-FFF2-40B4-BE49-F238E27FC236}">
-                  <a16:creationId xmlns:a16="http://schemas.microsoft.com/office/drawing/2014/main" id="{80ADD528-121C-4D05-B77B-54B31D7BABF3}"/>
+                  <a16:creationId xmlns:a16="http://schemas.microsoft.com/office/drawing/2014/main" id="{B6481A55-E6DE-4B8B-9847-0230D12F7E38}"/>
                 </a:ext>
                 <a:ext uri="{C183D7F6-B498-43B3-948B-1728B52AA6E4}">
                   <adec:decorative xmlns:adec="http://schemas.microsoft.com/office/drawing/2017/decorative" val="1"/>
@@ -15339,10 +15956,10 @@
         </p:sp>
         <p:sp>
           <p:nvSpPr>
-            <p:cNvPr id="17" name="Rectangle 16">
+            <p:cNvPr id="16" name="Oval 15">
               <a:extLst>
                 <a:ext uri="{FF2B5EF4-FFF2-40B4-BE49-F238E27FC236}">
-                  <a16:creationId xmlns:a16="http://schemas.microsoft.com/office/drawing/2014/main" id="{E7CF2869-5CDD-4AD2-8AC0-4AE179D39F2D}"/>
+                  <a16:creationId xmlns:a16="http://schemas.microsoft.com/office/drawing/2014/main" id="{052FD8DB-2F6F-462A-9BF4-1E26C93321C4}"/>
                 </a:ext>
                 <a:ext uri="{C183D7F6-B498-43B3-948B-1728B52AA6E4}">
                   <adec:decorative xmlns:adec="http://schemas.microsoft.com/office/drawing/2017/decorative" val="1"/>
@@ -15360,8 +15977,242 @@
           </p:nvSpPr>
           <p:spPr>
             <a:xfrm>
-              <a:off x="7289800" y="402165"/>
-              <a:ext cx="4478865" cy="6053670"/>
+              <a:off x="8609012" y="1676400"/>
+              <a:ext cx="2819400" cy="2819400"/>
+            </a:xfrm>
+            <a:prstGeom prst="ellipse">
+              <a:avLst/>
+            </a:prstGeom>
+            <a:gradFill flip="none" rotWithShape="1">
+              <a:gsLst>
+                <a:gs pos="0">
+                  <a:schemeClr val="bg2">
+                    <a:lumMod val="40000"/>
+                    <a:lumOff val="60000"/>
+                    <a:alpha val="7000"/>
+                  </a:schemeClr>
+                </a:gs>
+                <a:gs pos="69000">
+                  <a:schemeClr val="bg2">
+                    <a:lumMod val="40000"/>
+                    <a:lumOff val="60000"/>
+                    <a:alpha val="0"/>
+                  </a:schemeClr>
+                </a:gs>
+                <a:gs pos="36000">
+                  <a:schemeClr val="bg2">
+                    <a:lumMod val="40000"/>
+                    <a:lumOff val="60000"/>
+                    <a:alpha val="6000"/>
+                  </a:schemeClr>
+                </a:gs>
+              </a:gsLst>
+              <a:path path="circle">
+                <a:fillToRect l="50000" t="50000" r="50000" b="50000"/>
+              </a:path>
+              <a:tileRect/>
+            </a:gradFill>
+            <a:ln>
+              <a:noFill/>
+            </a:ln>
+            <a:effectLst/>
+          </p:spPr>
+          <p:style>
+            <a:lnRef idx="1">
+              <a:schemeClr val="accent1"/>
+            </a:lnRef>
+            <a:fillRef idx="3">
+              <a:schemeClr val="accent1"/>
+            </a:fillRef>
+            <a:effectRef idx="2">
+              <a:schemeClr val="accent1"/>
+            </a:effectRef>
+            <a:fontRef idx="minor">
+              <a:schemeClr val="lt1"/>
+            </a:fontRef>
+          </p:style>
+        </p:sp>
+        <p:sp>
+          <p:nvSpPr>
+            <p:cNvPr id="17" name="Oval 16">
+              <a:extLst>
+                <a:ext uri="{FF2B5EF4-FFF2-40B4-BE49-F238E27FC236}">
+                  <a16:creationId xmlns:a16="http://schemas.microsoft.com/office/drawing/2014/main" id="{BE52543D-8290-40DE-990A-27CC1992A361}"/>
+                </a:ext>
+                <a:ext uri="{C183D7F6-B498-43B3-948B-1728B52AA6E4}">
+                  <adec:decorative xmlns:adec="http://schemas.microsoft.com/office/drawing/2017/decorative" val="1"/>
+                </a:ext>
+              </a:extLst>
+            </p:cNvPr>
+            <p:cNvSpPr/>
+            <p:nvPr>
+              <p:extLst>
+                <p:ext uri="{386F3935-93C4-4BCD-93E2-E3B085C9AB24}">
+                  <p16:designElem xmlns:p16="http://schemas.microsoft.com/office/powerpoint/2015/main" val="1"/>
+                </p:ext>
+              </p:extLst>
+            </p:nvPr>
+          </p:nvSpPr>
+          <p:spPr>
+            <a:xfrm>
+              <a:off x="7999412" y="-2373"/>
+              <a:ext cx="1600200" cy="1600200"/>
+            </a:xfrm>
+            <a:prstGeom prst="ellipse">
+              <a:avLst/>
+            </a:prstGeom>
+            <a:gradFill flip="none" rotWithShape="1">
+              <a:gsLst>
+                <a:gs pos="0">
+                  <a:schemeClr val="bg2">
+                    <a:lumMod val="40000"/>
+                    <a:lumOff val="60000"/>
+                    <a:alpha val="14000"/>
+                  </a:schemeClr>
+                </a:gs>
+                <a:gs pos="73000">
+                  <a:schemeClr val="bg2">
+                    <a:lumMod val="40000"/>
+                    <a:lumOff val="60000"/>
+                    <a:alpha val="0"/>
+                  </a:schemeClr>
+                </a:gs>
+                <a:gs pos="36000">
+                  <a:schemeClr val="bg2">
+                    <a:lumMod val="40000"/>
+                    <a:lumOff val="60000"/>
+                    <a:alpha val="7000"/>
+                  </a:schemeClr>
+                </a:gs>
+              </a:gsLst>
+              <a:path path="circle">
+                <a:fillToRect l="50000" t="50000" r="50000" b="50000"/>
+              </a:path>
+              <a:tileRect/>
+            </a:gradFill>
+            <a:ln>
+              <a:noFill/>
+            </a:ln>
+            <a:effectLst/>
+          </p:spPr>
+          <p:style>
+            <a:lnRef idx="1">
+              <a:schemeClr val="accent1"/>
+            </a:lnRef>
+            <a:fillRef idx="3">
+              <a:schemeClr val="accent1"/>
+            </a:fillRef>
+            <a:effectRef idx="2">
+              <a:schemeClr val="accent1"/>
+            </a:effectRef>
+            <a:fontRef idx="minor">
+              <a:schemeClr val="lt1"/>
+            </a:fontRef>
+          </p:style>
+        </p:sp>
+        <p:sp>
+          <p:nvSpPr>
+            <p:cNvPr id="18" name="Oval 17">
+              <a:extLst>
+                <a:ext uri="{FF2B5EF4-FFF2-40B4-BE49-F238E27FC236}">
+                  <a16:creationId xmlns:a16="http://schemas.microsoft.com/office/drawing/2014/main" id="{8ECC693B-FBF3-45DD-849C-AC1B1B290539}"/>
+                </a:ext>
+                <a:ext uri="{C183D7F6-B498-43B3-948B-1728B52AA6E4}">
+                  <adec:decorative xmlns:adec="http://schemas.microsoft.com/office/drawing/2017/decorative" val="1"/>
+                </a:ext>
+              </a:extLst>
+            </p:cNvPr>
+            <p:cNvSpPr/>
+            <p:nvPr>
+              <p:extLst>
+                <p:ext uri="{386F3935-93C4-4BCD-93E2-E3B085C9AB24}">
+                  <p16:designElem xmlns:p16="http://schemas.microsoft.com/office/powerpoint/2015/main" val="1"/>
+                </p:ext>
+              </p:extLst>
+            </p:nvPr>
+          </p:nvSpPr>
+          <p:spPr>
+            <a:xfrm>
+              <a:off x="8609012" y="5874054"/>
+              <a:ext cx="990600" cy="990600"/>
+            </a:xfrm>
+            <a:prstGeom prst="ellipse">
+              <a:avLst/>
+            </a:prstGeom>
+            <a:gradFill flip="none" rotWithShape="1">
+              <a:gsLst>
+                <a:gs pos="0">
+                  <a:schemeClr val="bg2">
+                    <a:lumMod val="40000"/>
+                    <a:lumOff val="60000"/>
+                    <a:alpha val="14000"/>
+                  </a:schemeClr>
+                </a:gs>
+                <a:gs pos="66000">
+                  <a:schemeClr val="bg2">
+                    <a:lumMod val="40000"/>
+                    <a:lumOff val="60000"/>
+                    <a:alpha val="0"/>
+                  </a:schemeClr>
+                </a:gs>
+                <a:gs pos="36000">
+                  <a:schemeClr val="bg2">
+                    <a:lumMod val="40000"/>
+                    <a:lumOff val="60000"/>
+                    <a:alpha val="7000"/>
+                  </a:schemeClr>
+                </a:gs>
+              </a:gsLst>
+              <a:path path="circle">
+                <a:fillToRect l="50000" t="50000" r="50000" b="50000"/>
+              </a:path>
+              <a:tileRect/>
+            </a:gradFill>
+            <a:ln>
+              <a:noFill/>
+            </a:ln>
+            <a:effectLst/>
+          </p:spPr>
+          <p:style>
+            <a:lnRef idx="1">
+              <a:schemeClr val="accent1"/>
+            </a:lnRef>
+            <a:fillRef idx="3">
+              <a:schemeClr val="accent1"/>
+            </a:fillRef>
+            <a:effectRef idx="2">
+              <a:schemeClr val="accent1"/>
+            </a:effectRef>
+            <a:fontRef idx="minor">
+              <a:schemeClr val="lt1"/>
+            </a:fontRef>
+          </p:style>
+        </p:sp>
+        <p:sp>
+          <p:nvSpPr>
+            <p:cNvPr id="19" name="Rectangle 18">
+              <a:extLst>
+                <a:ext uri="{FF2B5EF4-FFF2-40B4-BE49-F238E27FC236}">
+                  <a16:creationId xmlns:a16="http://schemas.microsoft.com/office/drawing/2014/main" id="{56515BC8-A1CA-4EB4-81D8-6A891458F764}"/>
+                </a:ext>
+                <a:ext uri="{C183D7F6-B498-43B3-948B-1728B52AA6E4}">
+                  <adec:decorative xmlns:adec="http://schemas.microsoft.com/office/drawing/2017/decorative" val="1"/>
+                </a:ext>
+              </a:extLst>
+            </p:cNvPr>
+            <p:cNvSpPr/>
+            <p:nvPr>
+              <p:extLst>
+                <p:ext uri="{386F3935-93C4-4BCD-93E2-E3B085C9AB24}">
+                  <p16:designElem xmlns:p16="http://schemas.microsoft.com/office/powerpoint/2015/main" val="1"/>
+                </p:ext>
+              </p:extLst>
+            </p:nvPr>
+          </p:nvSpPr>
+          <p:spPr>
+            <a:xfrm>
+              <a:off x="5194608" y="402165"/>
+              <a:ext cx="6574058" cy="6053670"/>
             </a:xfrm>
             <a:prstGeom prst="rect">
               <a:avLst/>
@@ -15391,10 +16242,10 @@
         </p:sp>
         <p:sp>
           <p:nvSpPr>
-            <p:cNvPr id="18" name="Freeform 5">
+            <p:cNvPr id="20" name="Freeform 5">
               <a:extLst>
                 <a:ext uri="{FF2B5EF4-FFF2-40B4-BE49-F238E27FC236}">
-                  <a16:creationId xmlns:a16="http://schemas.microsoft.com/office/drawing/2014/main" id="{0FD2D0A6-D3D4-4573-AD6B-2B5DBFF0C1D6}"/>
+                  <a16:creationId xmlns:a16="http://schemas.microsoft.com/office/drawing/2014/main" id="{ED9E2ADE-2C74-4E7D-8701-6AE23ABD4DDF}"/>
                 </a:ext>
                 <a:ext uri="{C183D7F6-B498-43B3-948B-1728B52AA6E4}">
                   <adec:decorative xmlns:adec="http://schemas.microsoft.com/office/drawing/2017/decorative" val="1"/>
@@ -15412,7 +16263,7 @@
           </p:nvSpPr>
           <p:spPr bwMode="gray">
             <a:xfrm rot="15922489">
-              <a:off x="4698352" y="1826078"/>
+              <a:off x="3140485" y="1826078"/>
               <a:ext cx="3299407" cy="440924"/>
             </a:xfrm>
             <a:custGeom>
@@ -15553,10 +16404,10 @@
         </p:sp>
         <p:sp>
           <p:nvSpPr>
-            <p:cNvPr id="19" name="Freeform 5">
+            <p:cNvPr id="21" name="Freeform 5">
               <a:extLst>
                 <a:ext uri="{FF2B5EF4-FFF2-40B4-BE49-F238E27FC236}">
-                  <a16:creationId xmlns:a16="http://schemas.microsoft.com/office/drawing/2014/main" id="{39749B2A-2C8D-45C7-A857-30307A089980}"/>
+                  <a16:creationId xmlns:a16="http://schemas.microsoft.com/office/drawing/2014/main" id="{B7EBD6DC-7188-4268-9886-6535F41A6749}"/>
                 </a:ext>
                 <a:ext uri="{C183D7F6-B498-43B3-948B-1728B52AA6E4}">
                   <adec:decorative xmlns:adec="http://schemas.microsoft.com/office/drawing/2017/decorative" val="1"/>
@@ -15574,7 +16425,7 @@
           </p:nvSpPr>
           <p:spPr bwMode="gray">
             <a:xfrm rot="16200000">
-              <a:off x="3787244" y="2801721"/>
+              <a:off x="2229377" y="2801721"/>
               <a:ext cx="6053670" cy="1254558"/>
             </a:xfrm>
             <a:custGeom>
@@ -15752,10 +16603,10 @@
         </p:sp>
         <p:sp>
           <p:nvSpPr>
-            <p:cNvPr id="20" name="Freeform 5">
+            <p:cNvPr id="22" name="Freeform 5">
               <a:extLst>
                 <a:ext uri="{FF2B5EF4-FFF2-40B4-BE49-F238E27FC236}">
-                  <a16:creationId xmlns:a16="http://schemas.microsoft.com/office/drawing/2014/main" id="{FEC28B8C-B40C-4618-823B-C6D730FE849D}"/>
+                  <a16:creationId xmlns:a16="http://schemas.microsoft.com/office/drawing/2014/main" id="{493CCA32-0C37-4525-8FFC-D62C5EEFBE69}"/>
                 </a:ext>
                 <a:ext uri="{C183D7F6-B498-43B3-948B-1728B52AA6E4}">
                   <adec:decorative xmlns:adec="http://schemas.microsoft.com/office/drawing/2017/decorative" val="1"/>
@@ -15830,126 +16681,12 @@
           </p:spPr>
         </p:sp>
       </p:grpSp>
-      <p:sp>
-        <p:nvSpPr>
-          <p:cNvPr id="2" name="Title 1">
+      <p:pic>
+        <p:nvPicPr>
+          <p:cNvPr id="34" name="Content Placeholder 4">
             <a:extLst>
               <a:ext uri="{FF2B5EF4-FFF2-40B4-BE49-F238E27FC236}">
-                <a16:creationId xmlns:a16="http://schemas.microsoft.com/office/drawing/2014/main" id="{381E0EDA-E34B-4F23-879C-98C51A85FA7C}"/>
-              </a:ext>
-            </a:extLst>
-          </p:cNvPr>
-          <p:cNvSpPr>
-            <a:spLocks noGrp="1"/>
-          </p:cNvSpPr>
-          <p:nvPr>
-            <p:ph type="title"/>
-          </p:nvPr>
-        </p:nvSpPr>
-        <p:spPr>
-          <a:xfrm>
-            <a:off x="639098" y="629265"/>
-            <a:ext cx="5132438" cy="1622322"/>
-          </a:xfrm>
-        </p:spPr>
-        <p:txBody>
-          <a:bodyPr>
-            <a:normAutofit/>
-          </a:bodyPr>
-          <a:lstStyle/>
-          <a:p>
-            <a:r>
-              <a:rPr lang="en-US" dirty="0"/>
-              <a:t>Home Selling Process</a:t>
-            </a:r>
-          </a:p>
-        </p:txBody>
-      </p:sp>
-      <p:sp>
-        <p:nvSpPr>
-          <p:cNvPr id="10" name="Content Placeholder 9">
-            <a:extLst>
-              <a:ext uri="{FF2B5EF4-FFF2-40B4-BE49-F238E27FC236}">
-                <a16:creationId xmlns:a16="http://schemas.microsoft.com/office/drawing/2014/main" id="{2E2214A1-D88D-48F3-AE24-B675A0DF2173}"/>
-              </a:ext>
-            </a:extLst>
-          </p:cNvPr>
-          <p:cNvSpPr>
-            <a:spLocks noGrp="1"/>
-          </p:cNvSpPr>
-          <p:nvPr>
-            <p:ph idx="1"/>
-          </p:nvPr>
-        </p:nvSpPr>
-        <p:spPr>
-          <a:xfrm>
-            <a:off x="639098" y="2418735"/>
-            <a:ext cx="5132439" cy="3811742"/>
-          </a:xfrm>
-        </p:spPr>
-        <p:txBody>
-          <a:bodyPr anchor="ctr">
-            <a:normAutofit/>
-          </a:bodyPr>
-          <a:lstStyle/>
-          <a:p>
-            <a:r>
-              <a:rPr lang="en-US" dirty="0">
-                <a:solidFill>
-                  <a:schemeClr val="bg1"/>
-                </a:solidFill>
-              </a:rPr>
-              <a:t>Market Research</a:t>
-            </a:r>
-          </a:p>
-          <a:p>
-            <a:r>
-              <a:rPr lang="en-US" dirty="0">
-                <a:solidFill>
-                  <a:schemeClr val="bg1"/>
-                </a:solidFill>
-              </a:rPr>
-              <a:t>Staging and marketing </a:t>
-            </a:r>
-          </a:p>
-          <a:p>
-            <a:r>
-              <a:rPr lang="en-US" dirty="0">
-                <a:solidFill>
-                  <a:schemeClr val="bg1"/>
-                </a:solidFill>
-              </a:rPr>
-              <a:t>Listing </a:t>
-            </a:r>
-          </a:p>
-          <a:p>
-            <a:r>
-              <a:rPr lang="en-US" dirty="0">
-                <a:solidFill>
-                  <a:schemeClr val="bg1"/>
-                </a:solidFill>
-              </a:rPr>
-              <a:t>Access to buyers </a:t>
-            </a:r>
-          </a:p>
-          <a:p>
-            <a:r>
-              <a:rPr lang="en-US" dirty="0">
-                <a:solidFill>
-                  <a:schemeClr val="bg1"/>
-                </a:solidFill>
-              </a:rPr>
-              <a:t>Pricing </a:t>
-            </a:r>
-          </a:p>
-        </p:txBody>
-      </p:sp>
-      <p:pic>
-        <p:nvPicPr>
-          <p:cNvPr id="8" name="Content Placeholder 4">
-            <a:extLst>
-              <a:ext uri="{FF2B5EF4-FFF2-40B4-BE49-F238E27FC236}">
-                <a16:creationId xmlns:a16="http://schemas.microsoft.com/office/drawing/2014/main" id="{B20401FC-0111-4FFB-B775-666350CC86D0}"/>
+                <a16:creationId xmlns:a16="http://schemas.microsoft.com/office/drawing/2014/main" id="{4881DD46-8EB7-4812-992F-41863659A017}"/>
               </a:ext>
             </a:extLst>
           </p:cNvPr>
@@ -15965,8 +16702,8 @@
         </p:blipFill>
         <p:spPr>
           <a:xfrm>
-            <a:off x="6505432" y="645106"/>
-            <a:ext cx="5038111" cy="5810729"/>
+            <a:off x="5560719" y="479426"/>
+            <a:ext cx="6096585" cy="5969755"/>
           </a:xfrm>
           <a:prstGeom prst="rect">
             <a:avLst/>
@@ -15975,10 +16712,10 @@
       </p:pic>
       <p:sp>
         <p:nvSpPr>
-          <p:cNvPr id="22" name="Rectangle 21">
+          <p:cNvPr id="24" name="Rectangle 23">
             <a:extLst>
               <a:ext uri="{FF2B5EF4-FFF2-40B4-BE49-F238E27FC236}">
-                <a16:creationId xmlns:a16="http://schemas.microsoft.com/office/drawing/2014/main" id="{10CC18C0-9A66-45AE-B534-B8D29AFEA80F}"/>
+                <a16:creationId xmlns:a16="http://schemas.microsoft.com/office/drawing/2014/main" id="{5014FF2D-4863-43AA-82A7-958E9F743951}"/>
               </a:ext>
               <a:ext uri="{C183D7F6-B498-43B3-948B-1728B52AA6E4}">
                 <adec:decorative xmlns:adec="http://schemas.microsoft.com/office/drawing/2017/decorative" val="1"/>
@@ -16026,10 +16763,317 @@
           </a:fontRef>
         </p:style>
       </p:sp>
+      <p:sp>
+        <p:nvSpPr>
+          <p:cNvPr id="29" name="Text Placeholder 2">
+            <a:extLst>
+              <a:ext uri="{FF2B5EF4-FFF2-40B4-BE49-F238E27FC236}">
+                <a16:creationId xmlns:a16="http://schemas.microsoft.com/office/drawing/2014/main" id="{57ECC6A3-60E2-4394-8352-02523EB54679}"/>
+              </a:ext>
+            </a:extLst>
+          </p:cNvPr>
+          <p:cNvSpPr>
+            <a:spLocks noGrp="1"/>
+          </p:cNvSpPr>
+          <p:nvPr>
+            <p:ph idx="1"/>
+          </p:nvPr>
+        </p:nvSpPr>
+        <p:spPr>
+          <a:xfrm>
+            <a:off x="672260" y="1591173"/>
+            <a:ext cx="3133725" cy="3898900"/>
+          </a:xfrm>
+        </p:spPr>
+        <p:txBody>
+          <a:bodyPr vert="horz" lIns="91440" tIns="45720" rIns="91440" bIns="45720" rtlCol="0">
+            <a:normAutofit/>
+          </a:bodyPr>
+          <a:lstStyle/>
+          <a:p>
+            <a:pPr marL="0" indent="0">
+              <a:buNone/>
+            </a:pPr>
+            <a:r>
+              <a:rPr lang="en-US" sz="2800">
+                <a:solidFill>
+                  <a:schemeClr val="accent1"/>
+                </a:solidFill>
+              </a:rPr>
+              <a:t>Essential Steps:</a:t>
+            </a:r>
+          </a:p>
+          <a:p>
+            <a:pPr>
+              <a:buFont typeface="Arial" panose="020B0604020202020204" pitchFamily="34" charset="0"/>
+              <a:buChar char="•"/>
+            </a:pPr>
+            <a:r>
+              <a:rPr lang="en-US" sz="2000">
+                <a:solidFill>
+                  <a:schemeClr val="accent1"/>
+                </a:solidFill>
+              </a:rPr>
+              <a:t>Market Research</a:t>
+            </a:r>
+          </a:p>
+          <a:p>
+            <a:pPr>
+              <a:buFont typeface="Arial" panose="020B0604020202020204" pitchFamily="34" charset="0"/>
+              <a:buChar char="•"/>
+            </a:pPr>
+            <a:r>
+              <a:rPr lang="en-US" sz="2000">
+                <a:solidFill>
+                  <a:schemeClr val="accent1"/>
+                </a:solidFill>
+              </a:rPr>
+              <a:t>Staging</a:t>
+            </a:r>
+          </a:p>
+          <a:p>
+            <a:pPr>
+              <a:buFont typeface="Arial" panose="020B0604020202020204" pitchFamily="34" charset="0"/>
+              <a:buChar char="•"/>
+            </a:pPr>
+            <a:r>
+              <a:rPr lang="en-US" sz="2000">
+                <a:solidFill>
+                  <a:schemeClr val="accent1"/>
+                </a:solidFill>
+              </a:rPr>
+              <a:t>Pricing </a:t>
+            </a:r>
+          </a:p>
+          <a:p>
+            <a:pPr>
+              <a:buFont typeface="Arial" panose="020B0604020202020204" pitchFamily="34" charset="0"/>
+              <a:buChar char="•"/>
+            </a:pPr>
+            <a:r>
+              <a:rPr lang="en-US" sz="2000">
+                <a:solidFill>
+                  <a:schemeClr val="accent1"/>
+                </a:solidFill>
+              </a:rPr>
+              <a:t>Marketing </a:t>
+            </a:r>
+          </a:p>
+          <a:p>
+            <a:pPr>
+              <a:buFont typeface="Arial" panose="020B0604020202020204" pitchFamily="34" charset="0"/>
+              <a:buChar char="•"/>
+            </a:pPr>
+            <a:r>
+              <a:rPr lang="en-US" sz="2000">
+                <a:solidFill>
+                  <a:schemeClr val="accent1"/>
+                </a:solidFill>
+              </a:rPr>
+              <a:t>Listing </a:t>
+            </a:r>
+          </a:p>
+          <a:p>
+            <a:pPr>
+              <a:buFont typeface="Arial" panose="020B0604020202020204" pitchFamily="34" charset="0"/>
+              <a:buChar char="•"/>
+            </a:pPr>
+            <a:r>
+              <a:rPr lang="en-US" sz="2000">
+                <a:solidFill>
+                  <a:schemeClr val="accent1"/>
+                </a:solidFill>
+              </a:rPr>
+              <a:t>Access to buyers</a:t>
+            </a:r>
+            <a:r>
+              <a:rPr lang="en-US" sz="2800">
+                <a:solidFill>
+                  <a:schemeClr val="accent1"/>
+                </a:solidFill>
+              </a:rPr>
+              <a:t> </a:t>
+            </a:r>
+          </a:p>
+          <a:p>
+            <a:pPr marL="0" indent="0">
+              <a:buNone/>
+            </a:pPr>
+            <a:endParaRPr lang="en-US" sz="2800">
+              <a:solidFill>
+                <a:schemeClr val="accent1"/>
+              </a:solidFill>
+            </a:endParaRPr>
+          </a:p>
+          <a:p>
+            <a:pPr marL="0" indent="0">
+              <a:buNone/>
+            </a:pPr>
+            <a:endParaRPr lang="en-US" sz="2800" dirty="0">
+              <a:solidFill>
+                <a:schemeClr val="accent1"/>
+              </a:solidFill>
+            </a:endParaRPr>
+          </a:p>
+        </p:txBody>
+      </p:sp>
+      <p:sp>
+        <p:nvSpPr>
+          <p:cNvPr id="31" name="Title 1">
+            <a:extLst>
+              <a:ext uri="{FF2B5EF4-FFF2-40B4-BE49-F238E27FC236}">
+                <a16:creationId xmlns:a16="http://schemas.microsoft.com/office/drawing/2014/main" id="{717A5DA2-7B86-4692-8B7A-0DB1D5745742}"/>
+              </a:ext>
+            </a:extLst>
+          </p:cNvPr>
+          <p:cNvSpPr>
+            <a:spLocks noGrp="1"/>
+          </p:cNvSpPr>
+          <p:nvPr>
+            <p:ph type="title"/>
+          </p:nvPr>
+        </p:nvSpPr>
+        <p:spPr>
+          <a:xfrm>
+            <a:off x="478541" y="479426"/>
+            <a:ext cx="3521165" cy="1020762"/>
+          </a:xfrm>
+        </p:spPr>
+        <p:txBody>
+          <a:bodyPr vert="horz" lIns="91440" tIns="45720" rIns="91440" bIns="45720" rtlCol="0" anchor="b">
+            <a:noAutofit/>
+          </a:bodyPr>
+          <a:lstStyle/>
+          <a:p>
+            <a:r>
+              <a:rPr lang="en-US" sz="4000" u="sng"/>
+              <a:t>Home Selling</a:t>
+            </a:r>
+            <a:endParaRPr lang="en-US" sz="4000" u="sng" dirty="0"/>
+          </a:p>
+        </p:txBody>
+      </p:sp>
+      <p:sp>
+        <p:nvSpPr>
+          <p:cNvPr id="35" name="Oval 34">
+            <a:extLst>
+              <a:ext uri="{FF2B5EF4-FFF2-40B4-BE49-F238E27FC236}">
+                <a16:creationId xmlns:a16="http://schemas.microsoft.com/office/drawing/2014/main" id="{106BA588-EC3A-4FE0-B5AD-5BB8AB8B84A9}"/>
+              </a:ext>
+            </a:extLst>
+          </p:cNvPr>
+          <p:cNvSpPr/>
+          <p:nvPr/>
+        </p:nvSpPr>
+        <p:spPr>
+          <a:xfrm>
+            <a:off x="4856085" y="1136342"/>
+            <a:ext cx="6782540" cy="3092399"/>
+          </a:xfrm>
+          <a:prstGeom prst="ellipse">
+            <a:avLst/>
+          </a:prstGeom>
+          <a:noFill/>
+          <a:ln>
+            <a:solidFill>
+              <a:schemeClr val="tx1"/>
+            </a:solidFill>
+            <a:prstDash val="sysDash"/>
+          </a:ln>
+        </p:spPr>
+        <p:style>
+          <a:lnRef idx="2">
+            <a:schemeClr val="accent1">
+              <a:shade val="50000"/>
+            </a:schemeClr>
+          </a:lnRef>
+          <a:fillRef idx="1">
+            <a:schemeClr val="accent1"/>
+          </a:fillRef>
+          <a:effectRef idx="0">
+            <a:schemeClr val="accent1"/>
+          </a:effectRef>
+          <a:fontRef idx="minor">
+            <a:schemeClr val="lt1"/>
+          </a:fontRef>
+        </p:style>
+        <p:txBody>
+          <a:bodyPr rtlCol="0" anchor="ctr"/>
+          <a:lstStyle/>
+          <a:p>
+            <a:pPr algn="ctr"/>
+            <a:endParaRPr lang="en-US"/>
+          </a:p>
+        </p:txBody>
+      </p:sp>
+      <p:sp>
+        <p:nvSpPr>
+          <p:cNvPr id="5" name="Rectangle 4">
+            <a:extLst>
+              <a:ext uri="{FF2B5EF4-FFF2-40B4-BE49-F238E27FC236}">
+                <a16:creationId xmlns:a16="http://schemas.microsoft.com/office/drawing/2014/main" id="{F5327889-C953-49F6-B324-168F1D706C3C}"/>
+              </a:ext>
+            </a:extLst>
+          </p:cNvPr>
+          <p:cNvSpPr/>
+          <p:nvPr/>
+        </p:nvSpPr>
+        <p:spPr>
+          <a:xfrm>
+            <a:off x="5457001" y="6362700"/>
+            <a:ext cx="6096000" cy="246221"/>
+          </a:xfrm>
+          <a:prstGeom prst="rect">
+            <a:avLst/>
+          </a:prstGeom>
+        </p:spPr>
+        <p:txBody>
+          <a:bodyPr>
+            <a:spAutoFit/>
+          </a:bodyPr>
+          <a:lstStyle/>
+          <a:p>
+            <a:r>
+              <a:rPr lang="en-US" sz="1000" dirty="0"/>
+              <a:t>https://wallerrealestate.ca/home-selling-process-flow-chart/</a:t>
+            </a:r>
+          </a:p>
+        </p:txBody>
+      </p:sp>
+      <p:sp>
+        <p:nvSpPr>
+          <p:cNvPr id="10" name="Slide Number Placeholder 9">
+            <a:extLst>
+              <a:ext uri="{FF2B5EF4-FFF2-40B4-BE49-F238E27FC236}">
+                <a16:creationId xmlns:a16="http://schemas.microsoft.com/office/drawing/2014/main" id="{D3424A97-EE8D-47FE-BF27-8D3DD81F8260}"/>
+              </a:ext>
+            </a:extLst>
+          </p:cNvPr>
+          <p:cNvSpPr>
+            <a:spLocks noGrp="1"/>
+          </p:cNvSpPr>
+          <p:nvPr>
+            <p:ph type="sldNum" sz="quarter" idx="12"/>
+          </p:nvPr>
+        </p:nvSpPr>
+        <p:spPr/>
+        <p:txBody>
+          <a:bodyPr/>
+          <a:lstStyle/>
+          <a:p>
+            <a:fld id="{D57F1E4F-1CFF-5643-939E-217C01CDF565}" type="slidenum">
+              <a:rPr lang="en-US" smtClean="0"/>
+              <a:pPr/>
+              <a:t>3</a:t>
+            </a:fld>
+            <a:endParaRPr lang="en-US" dirty="0"/>
+          </a:p>
+        </p:txBody>
+      </p:sp>
     </p:spTree>
     <p:extLst>
       <p:ext uri="{BB962C8B-B14F-4D97-AF65-F5344CB8AC3E}">
-        <p14:creationId xmlns:p14="http://schemas.microsoft.com/office/powerpoint/2010/main" val="1668253479"/>
+        <p14:creationId xmlns:p14="http://schemas.microsoft.com/office/powerpoint/2010/main" val="1212477268"/>
       </p:ext>
     </p:extLst>
   </p:cSld>
@@ -16039,7 +17083,7 @@
 </p:sld>
 </file>
 
-<file path=ppt/slides/slide5.xml><?xml version="1.0" encoding="utf-8"?>
+<file path=ppt/slides/slide4.xml><?xml version="1.0" encoding="utf-8"?>
 <p:sld xmlns:a="http://schemas.openxmlformats.org/drawingml/2006/main" xmlns:r="http://schemas.openxmlformats.org/officeDocument/2006/relationships" xmlns:p="http://schemas.openxmlformats.org/presentationml/2006/main">
   <p:cSld>
     <p:spTree>
@@ -16058,10 +17102,10 @@
       </p:grpSpPr>
       <p:sp>
         <p:nvSpPr>
-          <p:cNvPr id="2" name="Title 1">
+          <p:cNvPr id="7" name="Title 6">
             <a:extLst>
               <a:ext uri="{FF2B5EF4-FFF2-40B4-BE49-F238E27FC236}">
-                <a16:creationId xmlns:a16="http://schemas.microsoft.com/office/drawing/2014/main" id="{61D4579A-B531-4ED2-98B1-C86849CEEC81}"/>
+                <a16:creationId xmlns:a16="http://schemas.microsoft.com/office/drawing/2014/main" id="{B3C26FC1-4C52-4DE7-80FB-CD924A699450}"/>
               </a:ext>
             </a:extLst>
           </p:cNvPr>
@@ -16072,12 +17116,22 @@
             <p:ph type="title"/>
           </p:nvPr>
         </p:nvSpPr>
-        <p:spPr/>
+        <p:spPr>
+          <a:xfrm>
+            <a:off x="565113" y="610379"/>
+            <a:ext cx="4885775" cy="960969"/>
+          </a:xfrm>
+        </p:spPr>
         <p:txBody>
-          <a:bodyPr/>
+          <a:bodyPr vert="horz" lIns="91440" tIns="45720" rIns="91440" bIns="45720" rtlCol="0" anchor="b">
+            <a:noAutofit/>
+          </a:bodyPr>
           <a:lstStyle/>
           <a:p>
-            <a:endParaRPr lang="en-US"/>
+            <a:r>
+              <a:rPr lang="en-US" sz="4000" u="sng" dirty="0"/>
+              <a:t>Problem Definition</a:t>
+            </a:r>
           </a:p>
         </p:txBody>
       </p:sp>
@@ -16094,34 +17148,58 @@
             <a:spLocks noGrp="1"/>
           </p:cNvSpPr>
           <p:nvPr>
-            <p:ph idx="1"/>
+            <p:ph type="body" sz="half" idx="2"/>
           </p:nvPr>
         </p:nvSpPr>
         <p:spPr>
           <a:xfrm>
-            <a:off x="1154955" y="2603500"/>
-            <a:ext cx="5671973" cy="2261463"/>
+            <a:off x="665825" y="2094238"/>
+            <a:ext cx="4885775" cy="3777173"/>
           </a:xfrm>
         </p:spPr>
         <p:txBody>
-          <a:bodyPr/>
+          <a:bodyPr>
+            <a:noAutofit/>
+          </a:bodyPr>
           <a:lstStyle/>
           <a:p>
+            <a:pPr marL="285750" indent="-285750">
+              <a:buFont typeface="Arial" panose="020B0604020202020204" pitchFamily="34" charset="0"/>
+              <a:buChar char="•"/>
+            </a:pPr>
             <a:r>
-              <a:rPr lang="en-US" dirty="0"/>
-              <a:t>MLS is the propriety database for Realtors – not accessible by the public </a:t>
+              <a:rPr lang="en-US" sz="2000" dirty="0"/>
+              <a:t>Realtor dominated market</a:t>
             </a:r>
           </a:p>
           <a:p>
+            <a:pPr marL="285750" indent="-285750">
+              <a:buFont typeface="Arial" panose="020B0604020202020204" pitchFamily="34" charset="0"/>
+              <a:buChar char="•"/>
+            </a:pPr>
             <a:r>
-              <a:rPr lang="en-US" dirty="0"/>
-              <a:t>NEED a realtor</a:t>
+              <a:rPr lang="en-US" sz="2000" dirty="0"/>
+              <a:t>Propriety database – no public access </a:t>
             </a:r>
           </a:p>
           <a:p>
+            <a:pPr marL="285750" indent="-285750">
+              <a:buFont typeface="Arial" panose="020B0604020202020204" pitchFamily="34" charset="0"/>
+              <a:buChar char="•"/>
+            </a:pPr>
             <a:r>
-              <a:rPr lang="en-US" dirty="0"/>
-              <a:t>Realtor Fees can be prohibitive - </a:t>
+              <a:rPr lang="en-US" sz="2000" dirty="0"/>
+              <a:t>Millennials in prime homebuying age  </a:t>
+            </a:r>
+          </a:p>
+          <a:p>
+            <a:pPr marL="285750" indent="-285750">
+              <a:buFont typeface="Arial" panose="020B0604020202020204" pitchFamily="34" charset="0"/>
+              <a:buChar char="•"/>
+            </a:pPr>
+            <a:r>
+              <a:rPr lang="en-US" sz="2000" dirty="0"/>
+              <a:t>Realtor fees are expensive</a:t>
             </a:r>
           </a:p>
         </p:txBody>
@@ -16141,30 +17219,30 @@
           <p:nvPr>
             <p:extLst>
               <p:ext uri="{D42A27DB-BD31-4B8C-83A1-F6EECF244321}">
-                <p14:modId xmlns:p14="http://schemas.microsoft.com/office/powerpoint/2010/main" val="758213283"/>
+                <p14:modId xmlns:p14="http://schemas.microsoft.com/office/powerpoint/2010/main" val="1342669453"/>
               </p:ext>
             </p:extLst>
           </p:nvPr>
         </p:nvGraphicFramePr>
         <p:xfrm>
-          <a:off x="6932603" y="2346047"/>
-          <a:ext cx="4546223" cy="3344540"/>
+          <a:off x="6403214" y="1271225"/>
+          <a:ext cx="5223673" cy="4600186"/>
         </p:xfrm>
         <a:graphic>
           <a:graphicData uri="http://schemas.openxmlformats.org/drawingml/2006/table">
             <a:tbl>
               <a:tblPr>
-                <a:tableStyleId>{5C22544A-7EE6-4342-B048-85BDC9FD1C3A}</a:tableStyleId>
+                <a:tableStyleId>{69CF1AB2-1976-4502-BF36-3FF5EA218861}</a:tableStyleId>
               </a:tblPr>
               <a:tblGrid>
-                <a:gridCol w="1772741">
+                <a:gridCol w="2036904">
                   <a:extLst>
                     <a:ext uri="{9D8B030D-6E8A-4147-A177-3AD203B41FA5}">
                       <a16:colId xmlns:a16="http://schemas.microsoft.com/office/drawing/2014/main" val="2387193385"/>
                     </a:ext>
                   </a:extLst>
                 </a:gridCol>
-                <a:gridCol w="2773482">
+                <a:gridCol w="3186769">
                   <a:extLst>
                     <a:ext uri="{9D8B030D-6E8A-4147-A177-3AD203B41FA5}">
                       <a16:colId xmlns:a16="http://schemas.microsoft.com/office/drawing/2014/main" val="4086067969"/>
@@ -16172,7 +17250,7 @@
                   </a:extLst>
                 </a:gridCol>
               </a:tblGrid>
-              <a:tr h="587210">
+              <a:tr h="807667">
                 <a:tc>
                   <a:txBody>
                     <a:bodyPr/>
@@ -16180,12 +17258,12 @@
                     <a:p>
                       <a:pPr algn="ctr" fontAlgn="ctr"/>
                       <a:r>
-                        <a:rPr lang="en-US" sz="1100" u="none" strike="noStrike">
+                        <a:rPr lang="en-US" sz="2000" b="1" u="none" strike="noStrike" dirty="0">
                           <a:effectLst/>
                         </a:rPr>
                         <a:t>Selling Price</a:t>
                       </a:r>
-                      <a:endParaRPr lang="en-US" sz="1100" b="1" i="0" u="none" strike="noStrike">
+                      <a:endParaRPr lang="en-US" sz="2000" b="1" i="0" u="none" strike="noStrike" dirty="0">
                         <a:solidFill>
                           <a:srgbClr val="000000"/>
                         </a:solidFill>
@@ -16203,12 +17281,12 @@
                     <a:p>
                       <a:pPr algn="ctr" fontAlgn="ctr"/>
                       <a:r>
-                        <a:rPr lang="en-US" sz="1100" u="none" strike="noStrike">
+                        <a:rPr lang="en-US" sz="2000" b="1" u="none" strike="noStrike" dirty="0">
                           <a:effectLst/>
                         </a:rPr>
-                        <a:t>Based on 7/3 Commission</a:t>
+                        <a:t>Based on 7/3* Commission</a:t>
                       </a:r>
-                      <a:endParaRPr lang="en-US" sz="1100" b="1" i="0" u="none" strike="noStrike">
+                      <a:endParaRPr lang="en-US" sz="2000" b="1" i="0" u="none" strike="noStrike" dirty="0">
                         <a:solidFill>
                           <a:srgbClr val="000000"/>
                         </a:solidFill>
@@ -16225,7 +17303,7 @@
                   </a:ext>
                 </a:extLst>
               </a:tr>
-              <a:tr h="306370">
+              <a:tr h="421391">
                 <a:tc>
                   <a:txBody>
                     <a:bodyPr/>
@@ -16233,12 +17311,12 @@
                     <a:p>
                       <a:pPr algn="ctr" fontAlgn="ctr"/>
                       <a:r>
-                        <a:rPr lang="en-US" sz="1100" u="none" strike="noStrike" dirty="0">
+                        <a:rPr lang="en-US" sz="2000" u="none" strike="noStrike" dirty="0">
                           <a:effectLst/>
                         </a:rPr>
                         <a:t>$300,000 </a:t>
                       </a:r>
-                      <a:endParaRPr lang="en-US" sz="1100" b="1" i="0" u="none" strike="noStrike" dirty="0">
+                      <a:endParaRPr lang="en-US" sz="2000" b="1" i="0" u="none" strike="noStrike" dirty="0">
                         <a:solidFill>
                           <a:srgbClr val="000000"/>
                         </a:solidFill>
@@ -16256,12 +17334,12 @@
                     <a:p>
                       <a:pPr algn="ctr" fontAlgn="ctr"/>
                       <a:r>
-                        <a:rPr lang="en-US" sz="1100" u="none" strike="noStrike">
+                        <a:rPr lang="en-US" sz="2000" u="none" strike="noStrike" dirty="0">
                           <a:effectLst/>
                         </a:rPr>
                         <a:t>$13,000 </a:t>
                       </a:r>
-                      <a:endParaRPr lang="en-US" sz="1100" b="1" i="0" u="none" strike="noStrike">
+                      <a:endParaRPr lang="en-US" sz="2000" b="1" i="0" u="none" strike="noStrike" dirty="0">
                         <a:solidFill>
                           <a:srgbClr val="000000"/>
                         </a:solidFill>
@@ -16278,7 +17356,7 @@
                   </a:ext>
                 </a:extLst>
               </a:tr>
-              <a:tr h="306370">
+              <a:tr h="421391">
                 <a:tc>
                   <a:txBody>
                     <a:bodyPr/>
@@ -16286,12 +17364,12 @@
                     <a:p>
                       <a:pPr algn="ctr" fontAlgn="ctr"/>
                       <a:r>
-                        <a:rPr lang="en-US" sz="1100" u="none" strike="noStrike">
+                        <a:rPr lang="en-US" sz="2000" u="none" strike="noStrike">
                           <a:effectLst/>
                         </a:rPr>
                         <a:t>$400,000 </a:t>
                       </a:r>
-                      <a:endParaRPr lang="en-US" sz="1100" b="1" i="0" u="none" strike="noStrike">
+                      <a:endParaRPr lang="en-US" sz="2000" b="1" i="0" u="none" strike="noStrike">
                         <a:solidFill>
                           <a:srgbClr val="000000"/>
                         </a:solidFill>
@@ -16309,12 +17387,12 @@
                     <a:p>
                       <a:pPr algn="ctr" fontAlgn="ctr"/>
                       <a:r>
-                        <a:rPr lang="en-US" sz="1100" u="none" strike="noStrike">
+                        <a:rPr lang="en-US" sz="2000" u="none" strike="noStrike" dirty="0">
                           <a:effectLst/>
                         </a:rPr>
                         <a:t>$16,000 </a:t>
                       </a:r>
-                      <a:endParaRPr lang="en-US" sz="1100" b="1" i="0" u="none" strike="noStrike">
+                      <a:endParaRPr lang="en-US" sz="2000" b="1" i="0" u="none" strike="noStrike" dirty="0">
                         <a:solidFill>
                           <a:srgbClr val="000000"/>
                         </a:solidFill>
@@ -16331,7 +17409,7 @@
                   </a:ext>
                 </a:extLst>
               </a:tr>
-              <a:tr h="306370">
+              <a:tr h="421391">
                 <a:tc>
                   <a:txBody>
                     <a:bodyPr/>
@@ -16339,12 +17417,12 @@
                     <a:p>
                       <a:pPr algn="ctr" fontAlgn="ctr"/>
                       <a:r>
-                        <a:rPr lang="en-US" sz="1100" u="none" strike="noStrike">
+                        <a:rPr lang="en-US" sz="2000" u="none" strike="noStrike">
                           <a:effectLst/>
                         </a:rPr>
                         <a:t>$500,000 </a:t>
                       </a:r>
-                      <a:endParaRPr lang="en-US" sz="1100" b="1" i="0" u="none" strike="noStrike">
+                      <a:endParaRPr lang="en-US" sz="2000" b="1" i="0" u="none" strike="noStrike">
                         <a:solidFill>
                           <a:srgbClr val="000000"/>
                         </a:solidFill>
@@ -16362,12 +17440,12 @@
                     <a:p>
                       <a:pPr algn="ctr" fontAlgn="ctr"/>
                       <a:r>
-                        <a:rPr lang="en-US" sz="1100" u="none" strike="noStrike">
+                        <a:rPr lang="en-US" sz="2000" u="none" strike="noStrike" dirty="0">
                           <a:effectLst/>
                         </a:rPr>
                         <a:t>$19,000 </a:t>
                       </a:r>
-                      <a:endParaRPr lang="en-US" sz="1100" b="1" i="0" u="none" strike="noStrike">
+                      <a:endParaRPr lang="en-US" sz="2000" b="1" i="0" u="none" strike="noStrike" dirty="0">
                         <a:solidFill>
                           <a:srgbClr val="000000"/>
                         </a:solidFill>
@@ -16384,7 +17462,7 @@
                   </a:ext>
                 </a:extLst>
               </a:tr>
-              <a:tr h="306370">
+              <a:tr h="421391">
                 <a:tc>
                   <a:txBody>
                     <a:bodyPr/>
@@ -16392,12 +17470,12 @@
                     <a:p>
                       <a:pPr algn="ctr" fontAlgn="ctr"/>
                       <a:r>
-                        <a:rPr lang="en-US" sz="1100" u="none" strike="noStrike">
+                        <a:rPr lang="en-US" sz="2000" u="none" strike="noStrike">
                           <a:effectLst/>
                         </a:rPr>
                         <a:t>$600,000 </a:t>
                       </a:r>
-                      <a:endParaRPr lang="en-US" sz="1100" b="1" i="0" u="none" strike="noStrike">
+                      <a:endParaRPr lang="en-US" sz="2000" b="1" i="0" u="none" strike="noStrike">
                         <a:solidFill>
                           <a:srgbClr val="000000"/>
                         </a:solidFill>
@@ -16415,12 +17493,12 @@
                     <a:p>
                       <a:pPr algn="ctr" fontAlgn="ctr"/>
                       <a:r>
-                        <a:rPr lang="en-US" sz="1100" u="none" strike="noStrike">
+                        <a:rPr lang="en-US" sz="2000" u="none" strike="noStrike" dirty="0">
                           <a:effectLst/>
                         </a:rPr>
                         <a:t>$22,000 </a:t>
                       </a:r>
-                      <a:endParaRPr lang="en-US" sz="1100" b="1" i="0" u="none" strike="noStrike">
+                      <a:endParaRPr lang="en-US" sz="2000" b="1" i="0" u="none" strike="noStrike" dirty="0">
                         <a:solidFill>
                           <a:srgbClr val="000000"/>
                         </a:solidFill>
@@ -16437,7 +17515,7 @@
                   </a:ext>
                 </a:extLst>
               </a:tr>
-              <a:tr h="306370">
+              <a:tr h="421391">
                 <a:tc>
                   <a:txBody>
                     <a:bodyPr/>
@@ -16445,12 +17523,12 @@
                     <a:p>
                       <a:pPr algn="ctr" fontAlgn="ctr"/>
                       <a:r>
-                        <a:rPr lang="en-US" sz="1100" u="none" strike="noStrike">
+                        <a:rPr lang="en-US" sz="2000" u="none" strike="noStrike">
                           <a:effectLst/>
                         </a:rPr>
                         <a:t>$700,000 </a:t>
                       </a:r>
-                      <a:endParaRPr lang="en-US" sz="1100" b="1" i="0" u="none" strike="noStrike">
+                      <a:endParaRPr lang="en-US" sz="2000" b="1" i="0" u="none" strike="noStrike">
                         <a:solidFill>
                           <a:srgbClr val="000000"/>
                         </a:solidFill>
@@ -16468,12 +17546,12 @@
                     <a:p>
                       <a:pPr algn="ctr" fontAlgn="ctr"/>
                       <a:r>
-                        <a:rPr lang="en-US" sz="1100" u="none" strike="noStrike" dirty="0">
+                        <a:rPr lang="en-US" sz="2000" u="none" strike="noStrike" dirty="0">
                           <a:effectLst/>
                         </a:rPr>
                         <a:t>$25,000 </a:t>
                       </a:r>
-                      <a:endParaRPr lang="en-US" sz="1100" b="1" i="0" u="none" strike="noStrike" dirty="0">
+                      <a:endParaRPr lang="en-US" sz="2000" b="1" i="0" u="none" strike="noStrike" dirty="0">
                         <a:solidFill>
                           <a:srgbClr val="000000"/>
                         </a:solidFill>
@@ -16490,7 +17568,7 @@
                   </a:ext>
                 </a:extLst>
               </a:tr>
-              <a:tr h="306370">
+              <a:tr h="421391">
                 <a:tc>
                   <a:txBody>
                     <a:bodyPr/>
@@ -16498,12 +17576,12 @@
                     <a:p>
                       <a:pPr algn="ctr" fontAlgn="ctr"/>
                       <a:r>
-                        <a:rPr lang="en-US" sz="1100" u="none" strike="noStrike">
+                        <a:rPr lang="en-US" sz="2000" u="none" strike="noStrike">
                           <a:effectLst/>
                         </a:rPr>
                         <a:t>$800,000 </a:t>
                       </a:r>
-                      <a:endParaRPr lang="en-US" sz="1100" b="1" i="0" u="none" strike="noStrike">
+                      <a:endParaRPr lang="en-US" sz="2000" b="1" i="0" u="none" strike="noStrike">
                         <a:solidFill>
                           <a:srgbClr val="000000"/>
                         </a:solidFill>
@@ -16521,12 +17599,12 @@
                     <a:p>
                       <a:pPr algn="ctr" fontAlgn="ctr"/>
                       <a:r>
-                        <a:rPr lang="en-US" sz="1100" u="none" strike="noStrike">
+                        <a:rPr lang="en-US" sz="2000" u="none" strike="noStrike" dirty="0">
                           <a:effectLst/>
                         </a:rPr>
                         <a:t>$28,000 </a:t>
                       </a:r>
-                      <a:endParaRPr lang="en-US" sz="1100" b="1" i="0" u="none" strike="noStrike">
+                      <a:endParaRPr lang="en-US" sz="2000" b="1" i="0" u="none" strike="noStrike" dirty="0">
                         <a:solidFill>
                           <a:srgbClr val="000000"/>
                         </a:solidFill>
@@ -16543,7 +17621,7 @@
                   </a:ext>
                 </a:extLst>
               </a:tr>
-              <a:tr h="306370">
+              <a:tr h="421391">
                 <a:tc>
                   <a:txBody>
                     <a:bodyPr/>
@@ -16551,12 +17629,12 @@
                     <a:p>
                       <a:pPr algn="ctr" fontAlgn="ctr"/>
                       <a:r>
-                        <a:rPr lang="en-US" sz="1100" u="none" strike="noStrike">
+                        <a:rPr lang="en-US" sz="2000" u="none" strike="noStrike">
                           <a:effectLst/>
                         </a:rPr>
                         <a:t>$900,000 </a:t>
                       </a:r>
-                      <a:endParaRPr lang="en-US" sz="1100" b="1" i="0" u="none" strike="noStrike">
+                      <a:endParaRPr lang="en-US" sz="2000" b="1" i="0" u="none" strike="noStrike">
                         <a:solidFill>
                           <a:srgbClr val="000000"/>
                         </a:solidFill>
@@ -16574,12 +17652,12 @@
                     <a:p>
                       <a:pPr algn="ctr" fontAlgn="ctr"/>
                       <a:r>
-                        <a:rPr lang="en-US" sz="1100" u="none" strike="noStrike">
+                        <a:rPr lang="en-US" sz="2000" u="none" strike="noStrike" dirty="0">
                           <a:effectLst/>
                         </a:rPr>
                         <a:t>$31,000 </a:t>
                       </a:r>
-                      <a:endParaRPr lang="en-US" sz="1100" b="1" i="0" u="none" strike="noStrike">
+                      <a:endParaRPr lang="en-US" sz="2000" b="1" i="0" u="none" strike="noStrike" dirty="0">
                         <a:solidFill>
                           <a:srgbClr val="000000"/>
                         </a:solidFill>
@@ -16596,7 +17674,7 @@
                   </a:ext>
                 </a:extLst>
               </a:tr>
-              <a:tr h="306370">
+              <a:tr h="421391">
                 <a:tc>
                   <a:txBody>
                     <a:bodyPr/>
@@ -16604,12 +17682,12 @@
                     <a:p>
                       <a:pPr algn="ctr" fontAlgn="ctr"/>
                       <a:r>
-                        <a:rPr lang="en-US" sz="1100" u="none" strike="noStrike">
+                        <a:rPr lang="en-US" sz="2000" u="none" strike="noStrike">
                           <a:effectLst/>
                         </a:rPr>
                         <a:t>$1,000,000 </a:t>
                       </a:r>
-                      <a:endParaRPr lang="en-US" sz="1100" b="1" i="0" u="none" strike="noStrike">
+                      <a:endParaRPr lang="en-US" sz="2000" b="1" i="0" u="none" strike="noStrike">
                         <a:solidFill>
                           <a:srgbClr val="000000"/>
                         </a:solidFill>
@@ -16627,12 +17705,12 @@
                     <a:p>
                       <a:pPr algn="ctr" fontAlgn="ctr"/>
                       <a:r>
-                        <a:rPr lang="en-US" sz="1100" u="none" strike="noStrike">
+                        <a:rPr lang="en-US" sz="2000" u="none" strike="noStrike" dirty="0">
                           <a:effectLst/>
                         </a:rPr>
                         <a:t>$34,000 </a:t>
                       </a:r>
-                      <a:endParaRPr lang="en-US" sz="1100" b="1" i="0" u="none" strike="noStrike">
+                      <a:endParaRPr lang="en-US" sz="2000" b="1" i="0" u="none" strike="noStrike" dirty="0">
                         <a:solidFill>
                           <a:srgbClr val="000000"/>
                         </a:solidFill>
@@ -16649,7 +17727,7 @@
                   </a:ext>
                 </a:extLst>
               </a:tr>
-              <a:tr h="306370">
+              <a:tr h="421391">
                 <a:tc>
                   <a:txBody>
                     <a:bodyPr/>
@@ -16657,12 +17735,12 @@
                     <a:p>
                       <a:pPr algn="ctr" fontAlgn="ctr"/>
                       <a:r>
-                        <a:rPr lang="en-US" sz="1100" u="none" strike="noStrike">
+                        <a:rPr lang="en-US" sz="2000" u="none" strike="noStrike">
                           <a:effectLst/>
                         </a:rPr>
                         <a:t>$1,500,000 </a:t>
                       </a:r>
-                      <a:endParaRPr lang="en-US" sz="1100" b="1" i="0" u="none" strike="noStrike">
+                      <a:endParaRPr lang="en-US" sz="2000" b="1" i="0" u="none" strike="noStrike">
                         <a:solidFill>
                           <a:srgbClr val="000000"/>
                         </a:solidFill>
@@ -16680,12 +17758,12 @@
                     <a:p>
                       <a:pPr algn="ctr" fontAlgn="ctr"/>
                       <a:r>
-                        <a:rPr lang="en-US" sz="1100" u="none" strike="noStrike" dirty="0">
+                        <a:rPr lang="en-US" sz="2000" u="none" strike="noStrike" dirty="0">
                           <a:effectLst/>
                         </a:rPr>
                         <a:t>$49,000 </a:t>
                       </a:r>
-                      <a:endParaRPr lang="en-US" sz="1100" b="1" i="0" u="none" strike="noStrike" dirty="0">
+                      <a:endParaRPr lang="en-US" sz="2000" b="1" i="0" u="none" strike="noStrike" dirty="0">
                         <a:solidFill>
                           <a:srgbClr val="000000"/>
                         </a:solidFill>
@@ -16720,8 +17798,8 @@
         </p:nvSpPr>
         <p:spPr>
           <a:xfrm>
-            <a:off x="7634796" y="6027938"/>
-            <a:ext cx="1678665" cy="369332"/>
+            <a:off x="6299772" y="5871411"/>
+            <a:ext cx="5105885" cy="461665"/>
           </a:xfrm>
           <a:prstGeom prst="rect">
             <a:avLst/>
@@ -16735,9 +17813,45 @@
           <a:lstStyle/>
           <a:p>
             <a:r>
-              <a:rPr lang="en-US" dirty="0"/>
-              <a:t>7/3 meaning </a:t>
+              <a:rPr lang="en-US" sz="1200" dirty="0"/>
+              <a:t>*7% of the first $100,000 and 3% on the balance of everything over</a:t>
             </a:r>
+          </a:p>
+          <a:p>
+            <a:r>
+              <a:rPr lang="en-US" sz="1200" dirty="0"/>
+              <a:t>$100,000</a:t>
+            </a:r>
+          </a:p>
+        </p:txBody>
+      </p:sp>
+      <p:sp>
+        <p:nvSpPr>
+          <p:cNvPr id="9" name="Slide Number Placeholder 8">
+            <a:extLst>
+              <a:ext uri="{FF2B5EF4-FFF2-40B4-BE49-F238E27FC236}">
+                <a16:creationId xmlns:a16="http://schemas.microsoft.com/office/drawing/2014/main" id="{9BC00505-EDD5-42AC-9412-B97F4AC2898D}"/>
+              </a:ext>
+            </a:extLst>
+          </p:cNvPr>
+          <p:cNvSpPr>
+            <a:spLocks noGrp="1"/>
+          </p:cNvSpPr>
+          <p:nvPr>
+            <p:ph type="sldNum" sz="quarter" idx="12"/>
+          </p:nvPr>
+        </p:nvSpPr>
+        <p:spPr/>
+        <p:txBody>
+          <a:bodyPr/>
+          <a:lstStyle/>
+          <a:p>
+            <a:fld id="{D57F1E4F-1CFF-5643-939E-217C01CDF565}" type="slidenum">
+              <a:rPr lang="en-US" smtClean="0"/>
+              <a:pPr/>
+              <a:t>4</a:t>
+            </a:fld>
+            <a:endParaRPr lang="en-US" dirty="0"/>
           </a:p>
         </p:txBody>
       </p:sp>
@@ -16754,7 +17868,7 @@
 </p:sld>
 </file>
 
-<file path=ppt/slides/slide6.xml><?xml version="1.0" encoding="utf-8"?>
+<file path=ppt/slides/slide5.xml><?xml version="1.0" encoding="utf-8"?>
 <p:sld xmlns:a="http://schemas.openxmlformats.org/drawingml/2006/main" xmlns:r="http://schemas.openxmlformats.org/officeDocument/2006/relationships" xmlns:p="http://schemas.openxmlformats.org/presentationml/2006/main">
   <p:cSld>
     <p:spTree>
@@ -16787,12 +17901,22 @@
             <p:ph type="title"/>
           </p:nvPr>
         </p:nvSpPr>
-        <p:spPr/>
+        <p:spPr>
+          <a:xfrm>
+            <a:off x="520526" y="518234"/>
+            <a:ext cx="4998127" cy="639932"/>
+          </a:xfrm>
+        </p:spPr>
         <p:txBody>
-          <a:bodyPr/>
+          <a:bodyPr vert="horz" lIns="91440" tIns="45720" rIns="91440" bIns="45720" rtlCol="0" anchor="b">
+            <a:noAutofit/>
+          </a:bodyPr>
           <a:lstStyle/>
           <a:p>
-            <a:endParaRPr lang="en-US" dirty="0"/>
+            <a:r>
+              <a:rPr lang="en-US" sz="3600" u="sng" dirty="0"/>
+              <a:t>Proposed Solution</a:t>
+            </a:r>
           </a:p>
         </p:txBody>
       </p:sp>
@@ -16809,93 +17933,214 @@
             <a:spLocks noGrp="1"/>
           </p:cNvSpPr>
           <p:nvPr>
-            <p:ph idx="1"/>
+            <p:ph type="body" sz="half" idx="2"/>
           </p:nvPr>
         </p:nvSpPr>
         <p:spPr>
           <a:xfrm>
-            <a:off x="648071" y="2603500"/>
-            <a:ext cx="6187736" cy="3948220"/>
+            <a:off x="640050" y="1447800"/>
+            <a:ext cx="3763274" cy="4572000"/>
           </a:xfrm>
         </p:spPr>
         <p:txBody>
+          <a:bodyPr>
+            <a:normAutofit/>
+          </a:bodyPr>
+          <a:lstStyle/>
+          <a:p>
+            <a:pPr marL="285750" indent="-285750">
+              <a:buFont typeface="Arial" panose="020B0604020202020204" pitchFamily="34" charset="0"/>
+              <a:buChar char="•"/>
+            </a:pPr>
+            <a:r>
+              <a:rPr lang="en-US" sz="2000" dirty="0"/>
+              <a:t>Public access to database</a:t>
+            </a:r>
+          </a:p>
+          <a:p>
+            <a:pPr lvl="1"/>
+            <a:r>
+              <a:rPr lang="en-US" sz="1400" dirty="0">
+                <a:solidFill>
+                  <a:schemeClr val="accent1"/>
+                </a:solidFill>
+              </a:rPr>
+              <a:t>Home Listings</a:t>
+            </a:r>
+          </a:p>
+          <a:p>
+            <a:pPr lvl="1"/>
+            <a:r>
+              <a:rPr lang="en-US" sz="1400" dirty="0">
+                <a:solidFill>
+                  <a:schemeClr val="accent1"/>
+                </a:solidFill>
+              </a:rPr>
+              <a:t>Market research </a:t>
+            </a:r>
+          </a:p>
+          <a:p>
+            <a:pPr lvl="1"/>
+            <a:r>
+              <a:rPr lang="en-US" sz="1400" dirty="0">
+                <a:solidFill>
+                  <a:schemeClr val="accent1"/>
+                </a:solidFill>
+              </a:rPr>
+              <a:t>Comparative Analysis </a:t>
+            </a:r>
+          </a:p>
+          <a:p>
+            <a:pPr lvl="1"/>
+            <a:endParaRPr lang="en-US" sz="1400" dirty="0">
+              <a:solidFill>
+                <a:schemeClr val="accent1"/>
+              </a:solidFill>
+            </a:endParaRPr>
+          </a:p>
+          <a:p>
+            <a:pPr marL="285750" indent="-285750">
+              <a:buFont typeface="Arial" panose="020B0604020202020204" pitchFamily="34" charset="0"/>
+              <a:buChar char="•"/>
+            </a:pPr>
+            <a:r>
+              <a:rPr lang="en-US" sz="2000" dirty="0"/>
+              <a:t>Direct access to services </a:t>
+            </a:r>
+          </a:p>
+          <a:p>
+            <a:pPr lvl="1"/>
+            <a:r>
+              <a:rPr lang="en-US" sz="1400" dirty="0">
+                <a:solidFill>
+                  <a:schemeClr val="accent1"/>
+                </a:solidFill>
+              </a:rPr>
+              <a:t>Cleaning </a:t>
+            </a:r>
+          </a:p>
+          <a:p>
+            <a:pPr lvl="1"/>
+            <a:r>
+              <a:rPr lang="en-US" sz="1400" dirty="0">
+                <a:solidFill>
+                  <a:schemeClr val="accent1"/>
+                </a:solidFill>
+              </a:rPr>
+              <a:t>Staging / Photos</a:t>
+            </a:r>
+          </a:p>
+          <a:p>
+            <a:pPr lvl="1"/>
+            <a:r>
+              <a:rPr lang="en-US" sz="1400" dirty="0">
+                <a:solidFill>
+                  <a:schemeClr val="accent1"/>
+                </a:solidFill>
+              </a:rPr>
+              <a:t>Inspection</a:t>
+            </a:r>
+          </a:p>
+          <a:p>
+            <a:pPr lvl="1"/>
+            <a:r>
+              <a:rPr lang="en-US" sz="1400" dirty="0">
+                <a:solidFill>
+                  <a:schemeClr val="accent1"/>
+                </a:solidFill>
+              </a:rPr>
+              <a:t>Document Review </a:t>
+            </a:r>
+          </a:p>
+          <a:p>
+            <a:pPr lvl="1"/>
+            <a:endParaRPr lang="en-US" dirty="0"/>
+          </a:p>
+          <a:p>
+            <a:pPr lvl="1"/>
+            <a:endParaRPr lang="en-US" dirty="0"/>
+          </a:p>
+        </p:txBody>
+      </p:sp>
+      <p:sp>
+        <p:nvSpPr>
+          <p:cNvPr id="5" name="Slide Number Placeholder 4">
+            <a:extLst>
+              <a:ext uri="{FF2B5EF4-FFF2-40B4-BE49-F238E27FC236}">
+                <a16:creationId xmlns:a16="http://schemas.microsoft.com/office/drawing/2014/main" id="{5A1D2E77-AE9D-4984-82C7-0CC37E903455}"/>
+              </a:ext>
+            </a:extLst>
+          </p:cNvPr>
+          <p:cNvSpPr>
+            <a:spLocks noGrp="1"/>
+          </p:cNvSpPr>
+          <p:nvPr>
+            <p:ph type="sldNum" sz="quarter" idx="12"/>
+          </p:nvPr>
+        </p:nvSpPr>
+        <p:spPr/>
+        <p:txBody>
           <a:bodyPr/>
           <a:lstStyle/>
           <a:p>
-            <a:r>
-              <a:rPr lang="en-US" dirty="0" err="1"/>
-              <a:t>WelcomeHomeAB</a:t>
-            </a:r>
-            <a:r>
-              <a:rPr lang="en-US" dirty="0"/>
-              <a:t> – open up the database to the public</a:t>
-            </a:r>
-          </a:p>
-          <a:p>
-            <a:pPr lvl="1"/>
-            <a:r>
-              <a:rPr lang="en-US" dirty="0"/>
-              <a:t>List your home</a:t>
-            </a:r>
-          </a:p>
-          <a:p>
-            <a:pPr lvl="1"/>
-            <a:r>
-              <a:rPr lang="en-US" dirty="0"/>
-              <a:t>Access to market research </a:t>
-            </a:r>
-          </a:p>
-          <a:p>
-            <a:pPr lvl="1"/>
-            <a:r>
-              <a:rPr lang="en-US" dirty="0"/>
-              <a:t>Comparative Analysis </a:t>
-            </a:r>
-          </a:p>
-          <a:p>
-            <a:r>
-              <a:rPr lang="en-US" dirty="0"/>
-              <a:t>Access to service providers – </a:t>
-            </a:r>
-          </a:p>
-          <a:p>
-            <a:pPr lvl="1"/>
-            <a:r>
-              <a:rPr lang="en-US" dirty="0"/>
-              <a:t>Cleaning </a:t>
-            </a:r>
-          </a:p>
-          <a:p>
-            <a:pPr lvl="1"/>
-            <a:r>
-              <a:rPr lang="en-US" dirty="0"/>
-              <a:t>Staging / Photos</a:t>
-            </a:r>
-          </a:p>
-          <a:p>
-            <a:pPr lvl="1"/>
-            <a:r>
-              <a:rPr lang="en-US" dirty="0"/>
-              <a:t>Inspection</a:t>
-            </a:r>
-          </a:p>
-          <a:p>
-            <a:pPr lvl="1"/>
-            <a:r>
-              <a:rPr lang="en-US" dirty="0"/>
-              <a:t>Document Review </a:t>
-            </a:r>
-          </a:p>
-          <a:p>
-            <a:pPr lvl="1"/>
-            <a:endParaRPr lang="en-US" dirty="0"/>
-          </a:p>
-          <a:p>
-            <a:pPr lvl="1"/>
+            <a:fld id="{D57F1E4F-1CFF-5643-939E-217C01CDF565}" type="slidenum">
+              <a:rPr lang="en-US" smtClean="0"/>
+              <a:pPr/>
+              <a:t>5</a:t>
+            </a:fld>
             <a:endParaRPr lang="en-US" dirty="0"/>
           </a:p>
         </p:txBody>
       </p:sp>
+      <p:pic>
+        <p:nvPicPr>
+          <p:cNvPr id="1026" name="Picture 2" descr="Image result for idea">
+            <a:extLst>
+              <a:ext uri="{FF2B5EF4-FFF2-40B4-BE49-F238E27FC236}">
+                <a16:creationId xmlns:a16="http://schemas.microsoft.com/office/drawing/2014/main" id="{E10D67E1-9D64-47EB-B655-5F863D86FA7F}"/>
+              </a:ext>
+            </a:extLst>
+          </p:cNvPr>
+          <p:cNvPicPr>
+            <a:picLocks noGrp="1" noChangeAspect="1" noChangeArrowheads="1"/>
+          </p:cNvPicPr>
+          <p:nvPr>
+            <p:ph idx="1"/>
+          </p:nvPr>
+        </p:nvPicPr>
+        <p:blipFill>
+          <a:blip r:embed="rId2">
+            <a:extLst>
+              <a:ext uri="{28A0092B-C50C-407E-A947-70E740481C1C}">
+                <a14:useLocalDpi xmlns:a14="http://schemas.microsoft.com/office/drawing/2010/main" val="0"/>
+              </a:ext>
+            </a:extLst>
+          </a:blip>
+          <a:srcRect/>
+          <a:stretch>
+            <a:fillRect/>
+          </a:stretch>
+        </p:blipFill>
+        <p:spPr bwMode="auto">
+          <a:xfrm>
+            <a:off x="5682892" y="387141"/>
+            <a:ext cx="4669648" cy="5546934"/>
+          </a:xfrm>
+          <a:prstGeom prst="rect">
+            <a:avLst/>
+          </a:prstGeom>
+          <a:noFill/>
+          <a:extLst>
+            <a:ext uri="{909E8E84-426E-40DD-AFC4-6F175D3DCCD1}">
+              <a14:hiddenFill xmlns:a14="http://schemas.microsoft.com/office/drawing/2010/main">
+                <a:solidFill>
+                  <a:srgbClr val="FFFFFF"/>
+                </a:solidFill>
+              </a14:hiddenFill>
+            </a:ext>
+          </a:extLst>
+        </p:spPr>
+      </p:pic>
     </p:spTree>
     <p:extLst>
       <p:ext uri="{BB962C8B-B14F-4D97-AF65-F5344CB8AC3E}">
@@ -16909,116 +18154,7 @@
 </p:sld>
 </file>
 
-<file path=ppt/slides/slide7.xml><?xml version="1.0" encoding="utf-8"?>
-<p:sld xmlns:a="http://schemas.openxmlformats.org/drawingml/2006/main" xmlns:r="http://schemas.openxmlformats.org/officeDocument/2006/relationships" xmlns:p="http://schemas.openxmlformats.org/presentationml/2006/main">
-  <p:cSld>
-    <p:spTree>
-      <p:nvGrpSpPr>
-        <p:cNvPr id="1" name=""/>
-        <p:cNvGrpSpPr/>
-        <p:nvPr/>
-      </p:nvGrpSpPr>
-      <p:grpSpPr>
-        <a:xfrm>
-          <a:off x="0" y="0"/>
-          <a:ext cx="0" cy="0"/>
-          <a:chOff x="0" y="0"/>
-          <a:chExt cx="0" cy="0"/>
-        </a:xfrm>
-      </p:grpSpPr>
-      <p:sp>
-        <p:nvSpPr>
-          <p:cNvPr id="2" name="Title 1">
-            <a:extLst>
-              <a:ext uri="{FF2B5EF4-FFF2-40B4-BE49-F238E27FC236}">
-                <a16:creationId xmlns:a16="http://schemas.microsoft.com/office/drawing/2014/main" id="{20B203CF-CFC3-4E17-A21B-224BA81503BA}"/>
-              </a:ext>
-            </a:extLst>
-          </p:cNvPr>
-          <p:cNvSpPr>
-            <a:spLocks noGrp="1"/>
-          </p:cNvSpPr>
-          <p:nvPr>
-            <p:ph type="title"/>
-          </p:nvPr>
-        </p:nvSpPr>
-        <p:spPr/>
-        <p:txBody>
-          <a:bodyPr/>
-          <a:lstStyle/>
-          <a:p>
-            <a:r>
-              <a:rPr lang="en-US" dirty="0"/>
-              <a:t>GOALS</a:t>
-            </a:r>
-          </a:p>
-        </p:txBody>
-      </p:sp>
-      <p:sp>
-        <p:nvSpPr>
-          <p:cNvPr id="3" name="Content Placeholder 2">
-            <a:extLst>
-              <a:ext uri="{FF2B5EF4-FFF2-40B4-BE49-F238E27FC236}">
-                <a16:creationId xmlns:a16="http://schemas.microsoft.com/office/drawing/2014/main" id="{0C322CBD-AC23-400B-B9EC-34712906910B}"/>
-              </a:ext>
-            </a:extLst>
-          </p:cNvPr>
-          <p:cNvSpPr>
-            <a:spLocks noGrp="1"/>
-          </p:cNvSpPr>
-          <p:nvPr>
-            <p:ph idx="1"/>
-          </p:nvPr>
-        </p:nvSpPr>
-        <p:spPr>
-          <a:xfrm>
-            <a:off x="1154955" y="2603500"/>
-            <a:ext cx="2955406" cy="3416300"/>
-          </a:xfrm>
-        </p:spPr>
-        <p:txBody>
-          <a:bodyPr/>
-          <a:lstStyle/>
-          <a:p>
-            <a:r>
-              <a:rPr lang="en-US" dirty="0"/>
-              <a:t>Demystify</a:t>
-            </a:r>
-          </a:p>
-          <a:p>
-            <a:endParaRPr lang="en-US" dirty="0"/>
-          </a:p>
-          <a:p>
-            <a:r>
-              <a:rPr lang="en-US" dirty="0"/>
-              <a:t>Simplify</a:t>
-            </a:r>
-          </a:p>
-          <a:p>
-            <a:endParaRPr lang="en-US" dirty="0"/>
-          </a:p>
-          <a:p>
-            <a:r>
-              <a:rPr lang="en-US" dirty="0"/>
-              <a:t>Provide access </a:t>
-            </a:r>
-          </a:p>
-        </p:txBody>
-      </p:sp>
-    </p:spTree>
-    <p:extLst>
-      <p:ext uri="{BB962C8B-B14F-4D97-AF65-F5344CB8AC3E}">
-        <p14:creationId xmlns:p14="http://schemas.microsoft.com/office/powerpoint/2010/main" val="2842135612"/>
-      </p:ext>
-    </p:extLst>
-  </p:cSld>
-  <p:clrMapOvr>
-    <a:masterClrMapping/>
-  </p:clrMapOvr>
-</p:sld>
-</file>
-
-<file path=ppt/slides/slide8.xml><?xml version="1.0" encoding="utf-8"?>
+<file path=ppt/slides/slide6.xml><?xml version="1.0" encoding="utf-8"?>
 <p:sld xmlns:a="http://schemas.openxmlformats.org/drawingml/2006/main" xmlns:r="http://schemas.openxmlformats.org/officeDocument/2006/relationships" xmlns:p="http://schemas.openxmlformats.org/presentationml/2006/main">
   <p:cSld>
     <p:bg>
@@ -17045,10 +18181,10 @@
       </p:grpSpPr>
       <p:grpSp>
         <p:nvGrpSpPr>
-          <p:cNvPr id="35" name="Group 34">
+          <p:cNvPr id="24" name="Group 9">
             <a:extLst>
               <a:ext uri="{FF2B5EF4-FFF2-40B4-BE49-F238E27FC236}">
-                <a16:creationId xmlns:a16="http://schemas.microsoft.com/office/drawing/2014/main" id="{5A992EA8-A2AE-480C-BFF9-7B134643975C}"/>
+                <a16:creationId xmlns:a16="http://schemas.microsoft.com/office/drawing/2014/main" id="{89674B87-B7AA-4FDD-B75B-0E6F82BFAB56}"/>
               </a:ext>
               <a:ext uri="{C183D7F6-B498-43B3-948B-1728B52AA6E4}">
                 <adec:decorative xmlns:adec="http://schemas.microsoft.com/office/drawing/2017/decorative" val="1"/>
@@ -17068,7 +18204,7 @@
         </p:nvGrpSpPr>
         <p:grpSpPr>
           <a:xfrm>
-            <a:off x="0" y="-2373"/>
+            <a:off x="0" y="0"/>
             <a:ext cx="12192000" cy="6867027"/>
             <a:chOff x="0" y="-2373"/>
             <a:chExt cx="12192000" cy="6867027"/>
@@ -17076,10 +18212,10 @@
         </p:grpSpPr>
         <p:sp>
           <p:nvSpPr>
-            <p:cNvPr id="36" name="Rectangle 35">
+            <p:cNvPr id="11" name="Rectangle 10">
               <a:extLst>
                 <a:ext uri="{FF2B5EF4-FFF2-40B4-BE49-F238E27FC236}">
-                  <a16:creationId xmlns:a16="http://schemas.microsoft.com/office/drawing/2014/main" id="{0F6F97DA-7406-453D-9AB4-28B0891BBFF4}"/>
+                  <a16:creationId xmlns:a16="http://schemas.microsoft.com/office/drawing/2014/main" id="{A779CFA5-3E2E-44AE-8901-888F319BB0BE}"/>
                 </a:ext>
                 <a:ext uri="{C183D7F6-B498-43B3-948B-1728B52AA6E4}">
                   <adec:decorative xmlns:adec="http://schemas.microsoft.com/office/drawing/2017/decorative" val="1"/>
@@ -17147,10 +18283,10 @@
         </p:sp>
         <p:sp>
           <p:nvSpPr>
-            <p:cNvPr id="37" name="Oval 36">
+            <p:cNvPr id="12" name="Oval 11">
               <a:extLst>
                 <a:ext uri="{FF2B5EF4-FFF2-40B4-BE49-F238E27FC236}">
-                  <a16:creationId xmlns:a16="http://schemas.microsoft.com/office/drawing/2014/main" id="{31D171A9-30C8-4156-8EAF-50888EBE77EC}"/>
+                  <a16:creationId xmlns:a16="http://schemas.microsoft.com/office/drawing/2014/main" id="{6267043B-4282-450D-A595-165512D91D70}"/>
                 </a:ext>
                 <a:ext uri="{C183D7F6-B498-43B3-948B-1728B52AA6E4}">
                   <adec:decorative xmlns:adec="http://schemas.microsoft.com/office/drawing/2017/decorative" val="1"/>
@@ -17225,10 +18361,10 @@
         </p:sp>
         <p:sp>
           <p:nvSpPr>
-            <p:cNvPr id="38" name="Oval 37">
+            <p:cNvPr id="13" name="Oval 12">
               <a:extLst>
                 <a:ext uri="{FF2B5EF4-FFF2-40B4-BE49-F238E27FC236}">
-                  <a16:creationId xmlns:a16="http://schemas.microsoft.com/office/drawing/2014/main" id="{C52A6C74-8DC4-4902-962C-0DAFD7F9B5E3}"/>
+                  <a16:creationId xmlns:a16="http://schemas.microsoft.com/office/drawing/2014/main" id="{C3ECCE6B-7124-49F7-A9F7-846F18D2370D}"/>
                 </a:ext>
                 <a:ext uri="{C183D7F6-B498-43B3-948B-1728B52AA6E4}">
                   <adec:decorative xmlns:adec="http://schemas.microsoft.com/office/drawing/2017/decorative" val="1"/>
@@ -17303,10 +18439,10 @@
         </p:sp>
         <p:sp>
           <p:nvSpPr>
-            <p:cNvPr id="39" name="Oval 38">
+            <p:cNvPr id="14" name="Oval 13">
               <a:extLst>
                 <a:ext uri="{FF2B5EF4-FFF2-40B4-BE49-F238E27FC236}">
-                  <a16:creationId xmlns:a16="http://schemas.microsoft.com/office/drawing/2014/main" id="{D34C65DE-5132-426E-9E92-81CB9EFF8941}"/>
+                  <a16:creationId xmlns:a16="http://schemas.microsoft.com/office/drawing/2014/main" id="{E4B22195-E753-4CEB-9376-1E4C70F9D9B2}"/>
                 </a:ext>
                 <a:ext uri="{C183D7F6-B498-43B3-948B-1728B52AA6E4}">
                   <adec:decorative xmlns:adec="http://schemas.microsoft.com/office/drawing/2017/decorative" val="1"/>
@@ -17381,10 +18517,10 @@
         </p:sp>
         <p:sp>
           <p:nvSpPr>
-            <p:cNvPr id="40" name="Oval 39">
+            <p:cNvPr id="15" name="Oval 14">
               <a:extLst>
                 <a:ext uri="{FF2B5EF4-FFF2-40B4-BE49-F238E27FC236}">
-                  <a16:creationId xmlns:a16="http://schemas.microsoft.com/office/drawing/2014/main" id="{463FE9C4-150E-4C97-A21E-53B7CD261A14}"/>
+                  <a16:creationId xmlns:a16="http://schemas.microsoft.com/office/drawing/2014/main" id="{1321F675-966F-4F38-9E8C-EF813E7B09D6}"/>
                 </a:ext>
                 <a:ext uri="{C183D7F6-B498-43B3-948B-1728B52AA6E4}">
                   <adec:decorative xmlns:adec="http://schemas.microsoft.com/office/drawing/2017/decorative" val="1"/>
@@ -17459,10 +18595,10 @@
         </p:sp>
         <p:sp>
           <p:nvSpPr>
-            <p:cNvPr id="41" name="Oval 40">
+            <p:cNvPr id="16" name="Oval 15">
               <a:extLst>
                 <a:ext uri="{FF2B5EF4-FFF2-40B4-BE49-F238E27FC236}">
-                  <a16:creationId xmlns:a16="http://schemas.microsoft.com/office/drawing/2014/main" id="{F4DD7FA2-5B3A-4DD2-BA1A-735CC86BAA06}"/>
+                  <a16:creationId xmlns:a16="http://schemas.microsoft.com/office/drawing/2014/main" id="{3C1E1FED-8209-4304-BD7B-1E364C44A627}"/>
                 </a:ext>
                 <a:ext uri="{C183D7F6-B498-43B3-948B-1728B52AA6E4}">
                   <adec:decorative xmlns:adec="http://schemas.microsoft.com/office/drawing/2017/decorative" val="1"/>
@@ -17537,10 +18673,423 @@
         </p:sp>
         <p:sp>
           <p:nvSpPr>
-            <p:cNvPr id="42" name="Freeform 5">
+            <p:cNvPr id="17" name="Rectangle 16">
               <a:extLst>
                 <a:ext uri="{FF2B5EF4-FFF2-40B4-BE49-F238E27FC236}">
-                  <a16:creationId xmlns:a16="http://schemas.microsoft.com/office/drawing/2014/main" id="{B11D6824-D097-439B-9956-5436E5111A9B}"/>
+                  <a16:creationId xmlns:a16="http://schemas.microsoft.com/office/drawing/2014/main" id="{DF77DFC8-AD0F-4293-A5B0-A4B35B41D1C7}"/>
+                </a:ext>
+                <a:ext uri="{C183D7F6-B498-43B3-948B-1728B52AA6E4}">
+                  <adec:decorative xmlns:adec="http://schemas.microsoft.com/office/drawing/2017/decorative" val="1"/>
+                </a:ext>
+              </a:extLst>
+            </p:cNvPr>
+            <p:cNvSpPr/>
+            <p:nvPr>
+              <p:extLst>
+                <p:ext uri="{386F3935-93C4-4BCD-93E2-E3B085C9AB24}">
+                  <p16:designElem xmlns:p16="http://schemas.microsoft.com/office/powerpoint/2015/main" val="1"/>
+                </p:ext>
+              </p:extLst>
+            </p:nvPr>
+          </p:nvSpPr>
+          <p:spPr>
+            <a:xfrm>
+              <a:off x="5194608" y="402165"/>
+              <a:ext cx="6574058" cy="6053670"/>
+            </a:xfrm>
+            <a:prstGeom prst="rect">
+              <a:avLst/>
+            </a:prstGeom>
+            <a:solidFill>
+              <a:schemeClr val="bg1"/>
+            </a:solidFill>
+            <a:ln>
+              <a:noFill/>
+            </a:ln>
+            <a:effectLst/>
+          </p:spPr>
+          <p:style>
+            <a:lnRef idx="1">
+              <a:schemeClr val="accent1"/>
+            </a:lnRef>
+            <a:fillRef idx="3">
+              <a:schemeClr val="accent1"/>
+            </a:fillRef>
+            <a:effectRef idx="2">
+              <a:schemeClr val="accent1"/>
+            </a:effectRef>
+            <a:fontRef idx="minor">
+              <a:schemeClr val="lt1"/>
+            </a:fontRef>
+          </p:style>
+        </p:sp>
+        <p:sp>
+          <p:nvSpPr>
+            <p:cNvPr id="18" name="Freeform 5">
+              <a:extLst>
+                <a:ext uri="{FF2B5EF4-FFF2-40B4-BE49-F238E27FC236}">
+                  <a16:creationId xmlns:a16="http://schemas.microsoft.com/office/drawing/2014/main" id="{1A536217-7B6F-4117-90B1-9D52A5791638}"/>
+                </a:ext>
+                <a:ext uri="{C183D7F6-B498-43B3-948B-1728B52AA6E4}">
+                  <adec:decorative xmlns:adec="http://schemas.microsoft.com/office/drawing/2017/decorative" val="1"/>
+                </a:ext>
+              </a:extLst>
+            </p:cNvPr>
+            <p:cNvSpPr/>
+            <p:nvPr>
+              <p:extLst>
+                <p:ext uri="{386F3935-93C4-4BCD-93E2-E3B085C9AB24}">
+                  <p16:designElem xmlns:p16="http://schemas.microsoft.com/office/powerpoint/2015/main" val="1"/>
+                </p:ext>
+              </p:extLst>
+            </p:nvPr>
+          </p:nvSpPr>
+          <p:spPr bwMode="gray">
+            <a:xfrm rot="15922489">
+              <a:off x="3140485" y="1826078"/>
+              <a:ext cx="3299407" cy="440924"/>
+            </a:xfrm>
+            <a:custGeom>
+              <a:avLst/>
+              <a:gdLst/>
+              <a:ahLst/>
+              <a:cxnLst/>
+              <a:rect l="l" t="t" r="r" b="b"/>
+              <a:pathLst>
+                <a:path w="10000" h="5291">
+                  <a:moveTo>
+                    <a:pt x="85" y="2532"/>
+                  </a:moveTo>
+                  <a:cubicBezTo>
+                    <a:pt x="1736" y="3911"/>
+                    <a:pt x="7524" y="5298"/>
+                    <a:pt x="9958" y="5291"/>
+                  </a:cubicBezTo>
+                  <a:cubicBezTo>
+                    <a:pt x="9989" y="1958"/>
+                    <a:pt x="9969" y="3333"/>
+                    <a:pt x="10000" y="0"/>
+                  </a:cubicBezTo>
+                  <a:lnTo>
+                    <a:pt x="10000" y="0"/>
+                  </a:lnTo>
+                  <a:lnTo>
+                    <a:pt x="9667" y="204"/>
+                  </a:lnTo>
+                  <a:lnTo>
+                    <a:pt x="9334" y="400"/>
+                  </a:lnTo>
+                  <a:lnTo>
+                    <a:pt x="9001" y="590"/>
+                  </a:lnTo>
+                  <a:lnTo>
+                    <a:pt x="8667" y="753"/>
+                  </a:lnTo>
+                  <a:lnTo>
+                    <a:pt x="8333" y="917"/>
+                  </a:lnTo>
+                  <a:lnTo>
+                    <a:pt x="7999" y="1071"/>
+                  </a:lnTo>
+                  <a:lnTo>
+                    <a:pt x="7669" y="1202"/>
+                  </a:lnTo>
+                  <a:lnTo>
+                    <a:pt x="7333" y="1325"/>
+                  </a:lnTo>
+                  <a:lnTo>
+                    <a:pt x="7000" y="1440"/>
+                  </a:lnTo>
+                  <a:lnTo>
+                    <a:pt x="6673" y="1538"/>
+                  </a:lnTo>
+                  <a:lnTo>
+                    <a:pt x="6340" y="1636"/>
+                  </a:lnTo>
+                  <a:lnTo>
+                    <a:pt x="6013" y="1719"/>
+                  </a:lnTo>
+                  <a:lnTo>
+                    <a:pt x="5686" y="1784"/>
+                  </a:lnTo>
+                  <a:lnTo>
+                    <a:pt x="5359" y="1850"/>
+                  </a:lnTo>
+                  <a:lnTo>
+                    <a:pt x="5036" y="1906"/>
+                  </a:lnTo>
+                  <a:lnTo>
+                    <a:pt x="4717" y="1948"/>
+                  </a:lnTo>
+                  <a:lnTo>
+                    <a:pt x="4396" y="1980"/>
+                  </a:lnTo>
+                  <a:lnTo>
+                    <a:pt x="4079" y="2013"/>
+                  </a:lnTo>
+                  <a:lnTo>
+                    <a:pt x="3766" y="2029"/>
+                  </a:lnTo>
+                  <a:lnTo>
+                    <a:pt x="3454" y="2046"/>
+                  </a:lnTo>
+                  <a:lnTo>
+                    <a:pt x="3145" y="2053"/>
+                  </a:lnTo>
+                  <a:lnTo>
+                    <a:pt x="2839" y="2046"/>
+                  </a:lnTo>
+                  <a:lnTo>
+                    <a:pt x="2537" y="2046"/>
+                  </a:lnTo>
+                  <a:lnTo>
+                    <a:pt x="2238" y="2029"/>
+                  </a:lnTo>
+                  <a:lnTo>
+                    <a:pt x="1943" y="2004"/>
+                  </a:lnTo>
+                  <a:lnTo>
+                    <a:pt x="1653" y="1980"/>
+                  </a:lnTo>
+                  <a:lnTo>
+                    <a:pt x="1368" y="1955"/>
+                  </a:lnTo>
+                  <a:lnTo>
+                    <a:pt x="1085" y="1915"/>
+                  </a:lnTo>
+                  <a:lnTo>
+                    <a:pt x="806" y="1873"/>
+                  </a:lnTo>
+                  <a:lnTo>
+                    <a:pt x="533" y="1833"/>
+                  </a:lnTo>
+                  <a:lnTo>
+                    <a:pt x="0" y="1726"/>
+                  </a:lnTo>
+                  <a:cubicBezTo>
+                    <a:pt x="28" y="1995"/>
+                    <a:pt x="57" y="2263"/>
+                    <a:pt x="85" y="2532"/>
+                  </a:cubicBezTo>
+                  <a:close/>
+                </a:path>
+              </a:pathLst>
+            </a:custGeom>
+            <a:solidFill>
+              <a:schemeClr val="bg1">
+                <a:alpha val="20000"/>
+              </a:schemeClr>
+            </a:solidFill>
+            <a:ln>
+              <a:noFill/>
+            </a:ln>
+          </p:spPr>
+        </p:sp>
+        <p:sp>
+          <p:nvSpPr>
+            <p:cNvPr id="19" name="Freeform 5">
+              <a:extLst>
+                <a:ext uri="{FF2B5EF4-FFF2-40B4-BE49-F238E27FC236}">
+                  <a16:creationId xmlns:a16="http://schemas.microsoft.com/office/drawing/2014/main" id="{11FF4C96-6962-4FEB-8800-B664A2ACCFE9}"/>
+                </a:ext>
+                <a:ext uri="{C183D7F6-B498-43B3-948B-1728B52AA6E4}">
+                  <adec:decorative xmlns:adec="http://schemas.microsoft.com/office/drawing/2017/decorative" val="1"/>
+                </a:ext>
+              </a:extLst>
+            </p:cNvPr>
+            <p:cNvSpPr/>
+            <p:nvPr>
+              <p:extLst>
+                <p:ext uri="{386F3935-93C4-4BCD-93E2-E3B085C9AB24}">
+                  <p16:designElem xmlns:p16="http://schemas.microsoft.com/office/powerpoint/2015/main" val="1"/>
+                </p:ext>
+              </p:extLst>
+            </p:nvPr>
+          </p:nvSpPr>
+          <p:spPr bwMode="gray">
+            <a:xfrm rot="16200000">
+              <a:off x="2229377" y="2801721"/>
+              <a:ext cx="6053670" cy="1254558"/>
+            </a:xfrm>
+            <a:custGeom>
+              <a:avLst/>
+              <a:gdLst/>
+              <a:ahLst/>
+              <a:cxnLst/>
+              <a:rect l="l" t="t" r="r" b="b"/>
+              <a:pathLst>
+                <a:path w="10000" h="8000">
+                  <a:moveTo>
+                    <a:pt x="0" y="0"/>
+                  </a:moveTo>
+                  <a:lnTo>
+                    <a:pt x="0" y="7970"/>
+                  </a:lnTo>
+                  <a:lnTo>
+                    <a:pt x="10000" y="8000"/>
+                  </a:lnTo>
+                  <a:lnTo>
+                    <a:pt x="10000" y="7"/>
+                  </a:lnTo>
+                  <a:lnTo>
+                    <a:pt x="10000" y="7"/>
+                  </a:lnTo>
+                  <a:lnTo>
+                    <a:pt x="9773" y="156"/>
+                  </a:lnTo>
+                  <a:lnTo>
+                    <a:pt x="9547" y="298"/>
+                  </a:lnTo>
+                  <a:lnTo>
+                    <a:pt x="9320" y="437"/>
+                  </a:lnTo>
+                  <a:lnTo>
+                    <a:pt x="9092" y="556"/>
+                  </a:lnTo>
+                  <a:lnTo>
+                    <a:pt x="8865" y="676"/>
+                  </a:lnTo>
+                  <a:lnTo>
+                    <a:pt x="8637" y="788"/>
+                  </a:lnTo>
+                  <a:lnTo>
+                    <a:pt x="8412" y="884"/>
+                  </a:lnTo>
+                  <a:lnTo>
+                    <a:pt x="8184" y="975"/>
+                  </a:lnTo>
+                  <a:lnTo>
+                    <a:pt x="7957" y="1058"/>
+                  </a:lnTo>
+                  <a:lnTo>
+                    <a:pt x="7734" y="1130"/>
+                  </a:lnTo>
+                  <a:lnTo>
+                    <a:pt x="7508" y="1202"/>
+                  </a:lnTo>
+                  <a:lnTo>
+                    <a:pt x="7285" y="1262"/>
+                  </a:lnTo>
+                  <a:lnTo>
+                    <a:pt x="7062" y="1309"/>
+                  </a:lnTo>
+                  <a:lnTo>
+                    <a:pt x="6840" y="1358"/>
+                  </a:lnTo>
+                  <a:lnTo>
+                    <a:pt x="6620" y="1399"/>
+                  </a:lnTo>
+                  <a:lnTo>
+                    <a:pt x="6402" y="1428"/>
+                  </a:lnTo>
+                  <a:lnTo>
+                    <a:pt x="6184" y="1453"/>
+                  </a:lnTo>
+                  <a:lnTo>
+                    <a:pt x="5968" y="1477"/>
+                  </a:lnTo>
+                  <a:lnTo>
+                    <a:pt x="5755" y="1488"/>
+                  </a:lnTo>
+                  <a:lnTo>
+                    <a:pt x="5542" y="1500"/>
+                  </a:lnTo>
+                  <a:lnTo>
+                    <a:pt x="5332" y="1506"/>
+                  </a:lnTo>
+                  <a:lnTo>
+                    <a:pt x="5124" y="1500"/>
+                  </a:lnTo>
+                  <a:lnTo>
+                    <a:pt x="4918" y="1500"/>
+                  </a:lnTo>
+                  <a:lnTo>
+                    <a:pt x="4714" y="1488"/>
+                  </a:lnTo>
+                  <a:lnTo>
+                    <a:pt x="4514" y="1470"/>
+                  </a:lnTo>
+                  <a:lnTo>
+                    <a:pt x="4316" y="1453"/>
+                  </a:lnTo>
+                  <a:lnTo>
+                    <a:pt x="4122" y="1434"/>
+                  </a:lnTo>
+                  <a:lnTo>
+                    <a:pt x="3929" y="1405"/>
+                  </a:lnTo>
+                  <a:lnTo>
+                    <a:pt x="3739" y="1374"/>
+                  </a:lnTo>
+                  <a:lnTo>
+                    <a:pt x="3553" y="1346"/>
+                  </a:lnTo>
+                  <a:lnTo>
+                    <a:pt x="3190" y="1267"/>
+                  </a:lnTo>
+                  <a:lnTo>
+                    <a:pt x="2842" y="1183"/>
+                  </a:lnTo>
+                  <a:lnTo>
+                    <a:pt x="2508" y="1095"/>
+                  </a:lnTo>
+                  <a:lnTo>
+                    <a:pt x="2192" y="998"/>
+                  </a:lnTo>
+                  <a:lnTo>
+                    <a:pt x="1890" y="897"/>
+                  </a:lnTo>
+                  <a:lnTo>
+                    <a:pt x="1610" y="788"/>
+                  </a:lnTo>
+                  <a:lnTo>
+                    <a:pt x="1347" y="681"/>
+                  </a:lnTo>
+                  <a:lnTo>
+                    <a:pt x="1105" y="574"/>
+                  </a:lnTo>
+                  <a:lnTo>
+                    <a:pt x="883" y="473"/>
+                  </a:lnTo>
+                  <a:lnTo>
+                    <a:pt x="686" y="377"/>
+                  </a:lnTo>
+                  <a:lnTo>
+                    <a:pt x="508" y="286"/>
+                  </a:lnTo>
+                  <a:lnTo>
+                    <a:pt x="358" y="210"/>
+                  </a:lnTo>
+                  <a:lnTo>
+                    <a:pt x="232" y="138"/>
+                  </a:lnTo>
+                  <a:lnTo>
+                    <a:pt x="59" y="35"/>
+                  </a:lnTo>
+                  <a:lnTo>
+                    <a:pt x="0" y="0"/>
+                  </a:lnTo>
+                  <a:lnTo>
+                    <a:pt x="0" y="0"/>
+                  </a:lnTo>
+                  <a:close/>
+                </a:path>
+              </a:pathLst>
+            </a:custGeom>
+            <a:solidFill>
+              <a:schemeClr val="bg1"/>
+            </a:solidFill>
+            <a:ln>
+              <a:noFill/>
+            </a:ln>
+          </p:spPr>
+        </p:sp>
+        <p:sp>
+          <p:nvSpPr>
+            <p:cNvPr id="20" name="Freeform 5">
+              <a:extLst>
+                <a:ext uri="{FF2B5EF4-FFF2-40B4-BE49-F238E27FC236}">
+                  <a16:creationId xmlns:a16="http://schemas.microsoft.com/office/drawing/2014/main" id="{309CC5A8-B34F-420B-82A5-2B885B247783}"/>
                 </a:ext>
                 <a:ext uri="{C183D7F6-B498-43B3-948B-1728B52AA6E4}">
                   <adec:decorative xmlns:adec="http://schemas.microsoft.com/office/drawing/2017/decorative" val="1"/>
@@ -17617,10 +19166,167 @@
       </p:grpSp>
       <p:sp>
         <p:nvSpPr>
-          <p:cNvPr id="44" name="Rectangle 43">
+          <p:cNvPr id="2" name="Title 1">
             <a:extLst>
               <a:ext uri="{FF2B5EF4-FFF2-40B4-BE49-F238E27FC236}">
-                <a16:creationId xmlns:a16="http://schemas.microsoft.com/office/drawing/2014/main" id="{5669AB50-4CAD-4D10-A09A-A0C01AF9E6F6}"/>
+                <a16:creationId xmlns:a16="http://schemas.microsoft.com/office/drawing/2014/main" id="{20B203CF-CFC3-4E17-A21B-224BA81503BA}"/>
+              </a:ext>
+            </a:extLst>
+          </p:cNvPr>
+          <p:cNvSpPr>
+            <a:spLocks noGrp="1"/>
+          </p:cNvSpPr>
+          <p:nvPr>
+            <p:ph type="title"/>
+          </p:nvPr>
+        </p:nvSpPr>
+        <p:spPr>
+          <a:xfrm>
+            <a:off x="563160" y="552314"/>
+            <a:ext cx="3133726" cy="1020232"/>
+          </a:xfrm>
+        </p:spPr>
+        <p:txBody>
+          <a:bodyPr vert="horz" lIns="91440" tIns="45720" rIns="91440" bIns="45720" rtlCol="0" anchor="b">
+            <a:noAutofit/>
+          </a:bodyPr>
+          <a:lstStyle/>
+          <a:p>
+            <a:r>
+              <a:rPr lang="en-US" sz="4000" u="sng" dirty="0"/>
+              <a:t>GOALS</a:t>
+            </a:r>
+          </a:p>
+        </p:txBody>
+      </p:sp>
+      <p:sp>
+        <p:nvSpPr>
+          <p:cNvPr id="3" name="Content Placeholder 2">
+            <a:extLst>
+              <a:ext uri="{FF2B5EF4-FFF2-40B4-BE49-F238E27FC236}">
+                <a16:creationId xmlns:a16="http://schemas.microsoft.com/office/drawing/2014/main" id="{0C322CBD-AC23-400B-B9EC-34712906910B}"/>
+              </a:ext>
+            </a:extLst>
+          </p:cNvPr>
+          <p:cNvSpPr>
+            <a:spLocks noGrp="1"/>
+          </p:cNvSpPr>
+          <p:nvPr>
+            <p:ph idx="1"/>
+          </p:nvPr>
+        </p:nvSpPr>
+        <p:spPr>
+          <a:xfrm>
+            <a:off x="651846" y="1761572"/>
+            <a:ext cx="3133726" cy="3898900"/>
+          </a:xfrm>
+        </p:spPr>
+        <p:txBody>
+          <a:bodyPr vert="horz" lIns="91440" tIns="45720" rIns="91440" bIns="45720" rtlCol="0">
+            <a:normAutofit/>
+          </a:bodyPr>
+          <a:lstStyle/>
+          <a:p>
+            <a:pPr marL="285750" indent="-285750">
+              <a:buFont typeface="Arial" panose="020B0604020202020204" pitchFamily="34" charset="0"/>
+              <a:buChar char="•"/>
+            </a:pPr>
+            <a:r>
+              <a:rPr lang="en-US" sz="2000" dirty="0">
+                <a:solidFill>
+                  <a:schemeClr val="accent1"/>
+                </a:solidFill>
+              </a:rPr>
+              <a:t>Access </a:t>
+            </a:r>
+          </a:p>
+          <a:p>
+            <a:pPr marL="285750" indent="-285750">
+              <a:buFont typeface="Arial" panose="020B0604020202020204" pitchFamily="34" charset="0"/>
+              <a:buChar char="•"/>
+            </a:pPr>
+            <a:endParaRPr lang="en-US" sz="2000" dirty="0">
+              <a:solidFill>
+                <a:schemeClr val="accent1"/>
+              </a:solidFill>
+            </a:endParaRPr>
+          </a:p>
+          <a:p>
+            <a:pPr marL="285750" indent="-285750">
+              <a:buFont typeface="Arial" panose="020B0604020202020204" pitchFamily="34" charset="0"/>
+              <a:buChar char="•"/>
+            </a:pPr>
+            <a:r>
+              <a:rPr lang="en-US" sz="2000" dirty="0">
+                <a:solidFill>
+                  <a:schemeClr val="accent1"/>
+                </a:solidFill>
+              </a:rPr>
+              <a:t>Demystify</a:t>
+            </a:r>
+          </a:p>
+          <a:p>
+            <a:pPr marL="285750" indent="-285750">
+              <a:buFont typeface="Arial" panose="020B0604020202020204" pitchFamily="34" charset="0"/>
+              <a:buChar char="•"/>
+            </a:pPr>
+            <a:endParaRPr lang="en-US" sz="2000" dirty="0">
+              <a:solidFill>
+                <a:schemeClr val="accent1"/>
+              </a:solidFill>
+            </a:endParaRPr>
+          </a:p>
+          <a:p>
+            <a:pPr marL="285750" indent="-285750">
+              <a:buFont typeface="Arial" panose="020B0604020202020204" pitchFamily="34" charset="0"/>
+              <a:buChar char="•"/>
+            </a:pPr>
+            <a:r>
+              <a:rPr lang="en-US" sz="2000" dirty="0">
+                <a:solidFill>
+                  <a:schemeClr val="accent1"/>
+                </a:solidFill>
+              </a:rPr>
+              <a:t>Simplify </a:t>
+            </a:r>
+          </a:p>
+        </p:txBody>
+      </p:sp>
+      <p:pic>
+        <p:nvPicPr>
+          <p:cNvPr id="5" name="Picture 4">
+            <a:extLst>
+              <a:ext uri="{FF2B5EF4-FFF2-40B4-BE49-F238E27FC236}">
+                <a16:creationId xmlns:a16="http://schemas.microsoft.com/office/drawing/2014/main" id="{00755388-CB83-40B4-8819-14095380A416}"/>
+              </a:ext>
+            </a:extLst>
+          </p:cNvPr>
+          <p:cNvPicPr>
+            <a:picLocks noChangeAspect="1"/>
+          </p:cNvPicPr>
+          <p:nvPr/>
+        </p:nvPicPr>
+        <p:blipFill rotWithShape="1">
+          <a:blip r:embed="rId3"/>
+          <a:srcRect l="13861" r="17666" b="2"/>
+          <a:stretch/>
+        </p:blipFill>
+        <p:spPr>
+          <a:xfrm>
+            <a:off x="5194607" y="803751"/>
+            <a:ext cx="6391533" cy="5250498"/>
+          </a:xfrm>
+          <a:prstGeom prst="rect">
+            <a:avLst/>
+          </a:prstGeom>
+        </p:spPr>
+      </p:pic>
+      <p:sp>
+        <p:nvSpPr>
+          <p:cNvPr id="25" name="Rectangle 21">
+            <a:extLst>
+              <a:ext uri="{FF2B5EF4-FFF2-40B4-BE49-F238E27FC236}">
+                <a16:creationId xmlns:a16="http://schemas.microsoft.com/office/drawing/2014/main" id="{B6E07BC7-FAEA-458C-90C9-A68082FBB328}"/>
               </a:ext>
               <a:ext uri="{C183D7F6-B498-43B3-948B-1728B52AA6E4}">
                 <adec:decorative xmlns:adec="http://schemas.microsoft.com/office/drawing/2017/decorative" val="1"/>
@@ -17668,12 +19374,195 @@
           </a:fontRef>
         </p:style>
       </p:sp>
+      <p:sp>
+        <p:nvSpPr>
+          <p:cNvPr id="6" name="Rectangle 5">
+            <a:extLst>
+              <a:ext uri="{FF2B5EF4-FFF2-40B4-BE49-F238E27FC236}">
+                <a16:creationId xmlns:a16="http://schemas.microsoft.com/office/drawing/2014/main" id="{DA32333D-B2C2-4AD8-AF8C-7ECC9B5A5C56}"/>
+              </a:ext>
+            </a:extLst>
+          </p:cNvPr>
+          <p:cNvSpPr/>
+          <p:nvPr/>
+        </p:nvSpPr>
+        <p:spPr>
+          <a:xfrm>
+            <a:off x="5256212" y="6054249"/>
+            <a:ext cx="3252814" cy="246221"/>
+          </a:xfrm>
+          <a:prstGeom prst="rect">
+            <a:avLst/>
+          </a:prstGeom>
+        </p:spPr>
+        <p:txBody>
+          <a:bodyPr wrap="none">
+            <a:spAutoFit/>
+          </a:bodyPr>
+          <a:lstStyle/>
+          <a:p>
+            <a:r>
+              <a:rPr lang="en-US" sz="1000" dirty="0"/>
+              <a:t>https://www.tcphouses.com/home-buying-steps/</a:t>
+            </a:r>
+          </a:p>
+        </p:txBody>
+      </p:sp>
+      <p:sp>
+        <p:nvSpPr>
+          <p:cNvPr id="7" name="Slide Number Placeholder 6">
+            <a:extLst>
+              <a:ext uri="{FF2B5EF4-FFF2-40B4-BE49-F238E27FC236}">
+                <a16:creationId xmlns:a16="http://schemas.microsoft.com/office/drawing/2014/main" id="{FF7EE102-267F-4580-BFFF-272106B23789}"/>
+              </a:ext>
+            </a:extLst>
+          </p:cNvPr>
+          <p:cNvSpPr>
+            <a:spLocks noGrp="1"/>
+          </p:cNvSpPr>
+          <p:nvPr>
+            <p:ph type="sldNum" sz="quarter" idx="12"/>
+          </p:nvPr>
+        </p:nvSpPr>
+        <p:spPr/>
+        <p:txBody>
+          <a:bodyPr/>
+          <a:lstStyle/>
+          <a:p>
+            <a:fld id="{D57F1E4F-1CFF-5643-939E-217C01CDF565}" type="slidenum">
+              <a:rPr lang="en-US" smtClean="0"/>
+              <a:pPr/>
+              <a:t>6</a:t>
+            </a:fld>
+            <a:endParaRPr lang="en-US" dirty="0"/>
+          </a:p>
+        </p:txBody>
+      </p:sp>
+    </p:spTree>
+    <p:extLst>
+      <p:ext uri="{BB962C8B-B14F-4D97-AF65-F5344CB8AC3E}">
+        <p14:creationId xmlns:p14="http://schemas.microsoft.com/office/powerpoint/2010/main" val="2842135612"/>
+      </p:ext>
+    </p:extLst>
+  </p:cSld>
+  <p:clrMapOvr>
+    <a:masterClrMapping/>
+  </p:clrMapOvr>
+</p:sld>
+</file>
+
+<file path=ppt/slides/slide7.xml><?xml version="1.0" encoding="utf-8"?>
+<p:sld xmlns:a="http://schemas.openxmlformats.org/drawingml/2006/main" xmlns:r="http://schemas.openxmlformats.org/officeDocument/2006/relationships" xmlns:p="http://schemas.openxmlformats.org/presentationml/2006/main">
+  <p:cSld>
+    <p:bg>
+      <p:bgPr>
+        <a:solidFill>
+          <a:schemeClr val="bg1"/>
+        </a:solidFill>
+        <a:effectLst/>
+      </p:bgPr>
+    </p:bg>
+    <p:spTree>
+      <p:nvGrpSpPr>
+        <p:cNvPr id="1" name=""/>
+        <p:cNvGrpSpPr/>
+        <p:nvPr/>
+      </p:nvGrpSpPr>
+      <p:grpSpPr>
+        <a:xfrm>
+          <a:off x="0" y="0"/>
+          <a:ext cx="0" cy="0"/>
+          <a:chOff x="0" y="0"/>
+          <a:chExt cx="0" cy="0"/>
+        </a:xfrm>
+      </p:grpSpPr>
+      <p:sp>
+        <p:nvSpPr>
+          <p:cNvPr id="2" name="Title 1">
+            <a:extLst>
+              <a:ext uri="{FF2B5EF4-FFF2-40B4-BE49-F238E27FC236}">
+                <a16:creationId xmlns:a16="http://schemas.microsoft.com/office/drawing/2014/main" id="{6EDB2D29-DE3D-4C3E-A069-0C99B5C94980}"/>
+              </a:ext>
+            </a:extLst>
+          </p:cNvPr>
+          <p:cNvSpPr>
+            <a:spLocks noGrp="1"/>
+          </p:cNvSpPr>
+          <p:nvPr>
+            <p:ph type="title"/>
+          </p:nvPr>
+        </p:nvSpPr>
+        <p:spPr>
+          <a:xfrm>
+            <a:off x="972346" y="497418"/>
+            <a:ext cx="8761413" cy="706964"/>
+          </a:xfrm>
+        </p:spPr>
+        <p:txBody>
+          <a:bodyPr>
+            <a:normAutofit/>
+          </a:bodyPr>
+          <a:lstStyle/>
+          <a:p>
+            <a:r>
+              <a:rPr lang="en-US" dirty="0"/>
+              <a:t>Entity Relationship Diagram</a:t>
+            </a:r>
+          </a:p>
+        </p:txBody>
+      </p:sp>
+      <p:sp>
+        <p:nvSpPr>
+          <p:cNvPr id="4" name="Slide Number Placeholder 3">
+            <a:extLst>
+              <a:ext uri="{FF2B5EF4-FFF2-40B4-BE49-F238E27FC236}">
+                <a16:creationId xmlns:a16="http://schemas.microsoft.com/office/drawing/2014/main" id="{07775CB5-E417-4DBA-B5DC-ADC62203DB37}"/>
+              </a:ext>
+            </a:extLst>
+          </p:cNvPr>
+          <p:cNvSpPr>
+            <a:spLocks noGrp="1"/>
+          </p:cNvSpPr>
+          <p:nvPr>
+            <p:ph type="sldNum" sz="quarter" idx="12"/>
+          </p:nvPr>
+        </p:nvSpPr>
+        <p:spPr>
+          <a:xfrm>
+            <a:off x="10352540" y="295729"/>
+            <a:ext cx="838199" cy="767687"/>
+          </a:xfrm>
+        </p:spPr>
+        <p:txBody>
+          <a:bodyPr>
+            <a:normAutofit/>
+          </a:bodyPr>
+          <a:lstStyle/>
+          <a:p>
+            <a:pPr>
+              <a:spcAft>
+                <a:spcPts val="600"/>
+              </a:spcAft>
+            </a:pPr>
+            <a:fld id="{D57F1E4F-1CFF-5643-939E-217C01CDF565}" type="slidenum">
+              <a:rPr lang="en-US" smtClean="0"/>
+              <a:pPr>
+                <a:spcAft>
+                  <a:spcPts val="600"/>
+                </a:spcAft>
+              </a:pPr>
+              <a:t>7</a:t>
+            </a:fld>
+            <a:endParaRPr lang="en-US"/>
+          </a:p>
+        </p:txBody>
+      </p:sp>
       <p:pic>
         <p:nvPicPr>
-          <p:cNvPr id="5" name="Picture 4">
+          <p:cNvPr id="8" name="Content Placeholder 4">
             <a:extLst>
               <a:ext uri="{FF2B5EF4-FFF2-40B4-BE49-F238E27FC236}">
-                <a16:creationId xmlns:a16="http://schemas.microsoft.com/office/drawing/2014/main" id="{8D4DAB14-A83F-4CC3-81B7-BE09B50C20C5}"/>
+                <a16:creationId xmlns:a16="http://schemas.microsoft.com/office/drawing/2014/main" id="{52F0BEAE-4C69-4051-810E-F50FFE19C3D1}"/>
               </a:ext>
             </a:extLst>
           </p:cNvPr>
@@ -17683,34 +19572,28 @@
           <p:nvPr/>
         </p:nvPicPr>
         <p:blipFill>
-          <a:blip r:embed="rId3"/>
+          <a:blip r:embed="rId2"/>
           <a:stretch>
             <a:fillRect/>
           </a:stretch>
         </p:blipFill>
         <p:spPr>
           <a:xfrm>
-            <a:off x="2098720" y="671213"/>
-            <a:ext cx="7741158" cy="5515574"/>
+            <a:off x="476435" y="1204382"/>
+            <a:ext cx="11239130" cy="5589013"/>
           </a:xfrm>
           <a:prstGeom prst="roundRect">
             <a:avLst>
               <a:gd name="adj" fmla="val 1858"/>
             </a:avLst>
           </a:prstGeom>
-          <a:effectLst>
-            <a:outerShdw blurRad="50800" dist="50800" dir="5400000" algn="tl" rotWithShape="0">
-              <a:srgbClr val="000000">
-                <a:alpha val="43000"/>
-              </a:srgbClr>
-            </a:outerShdw>
-          </a:effectLst>
+          <a:effectLst/>
         </p:spPr>
       </p:pic>
     </p:spTree>
     <p:extLst>
       <p:ext uri="{BB962C8B-B14F-4D97-AF65-F5344CB8AC3E}">
-        <p14:creationId xmlns:p14="http://schemas.microsoft.com/office/powerpoint/2010/main" val="3521945472"/>
+        <p14:creationId xmlns:p14="http://schemas.microsoft.com/office/powerpoint/2010/main" val="2840908045"/>
       </p:ext>
     </p:extLst>
   </p:cSld>
@@ -17983,4 +19866,299 @@
     </a:ext>
   </a:extLst>
 </a:theme>
+</file>
+
+<file path=ppt/theme/theme2.xml><?xml version="1.0" encoding="utf-8"?>
+<a:theme xmlns:a="http://schemas.openxmlformats.org/drawingml/2006/main" name="Office Theme">
+  <a:themeElements>
+    <a:clrScheme name="Office">
+      <a:dk1>
+        <a:sysClr val="windowText" lastClr="000000"/>
+      </a:dk1>
+      <a:lt1>
+        <a:sysClr val="window" lastClr="FFFFFF"/>
+      </a:lt1>
+      <a:dk2>
+        <a:srgbClr val="44546A"/>
+      </a:dk2>
+      <a:lt2>
+        <a:srgbClr val="E7E6E6"/>
+      </a:lt2>
+      <a:accent1>
+        <a:srgbClr val="4472C4"/>
+      </a:accent1>
+      <a:accent2>
+        <a:srgbClr val="ED7D31"/>
+      </a:accent2>
+      <a:accent3>
+        <a:srgbClr val="A5A5A5"/>
+      </a:accent3>
+      <a:accent4>
+        <a:srgbClr val="FFC000"/>
+      </a:accent4>
+      <a:accent5>
+        <a:srgbClr val="5B9BD5"/>
+      </a:accent5>
+      <a:accent6>
+        <a:srgbClr val="70AD47"/>
+      </a:accent6>
+      <a:hlink>
+        <a:srgbClr val="0563C1"/>
+      </a:hlink>
+      <a:folHlink>
+        <a:srgbClr val="954F72"/>
+      </a:folHlink>
+    </a:clrScheme>
+    <a:fontScheme name="Office">
+      <a:majorFont>
+        <a:latin typeface="Calibri Light" panose="020F0302020204030204"/>
+        <a:ea typeface=""/>
+        <a:cs typeface=""/>
+        <a:font script="Jpan" typeface="游ゴシック Light"/>
+        <a:font script="Hang" typeface="맑은 고딕"/>
+        <a:font script="Hans" typeface="等线 Light"/>
+        <a:font script="Hant" typeface="新細明體"/>
+        <a:font script="Arab" typeface="Times New Roman"/>
+        <a:font script="Hebr" typeface="Times New Roman"/>
+        <a:font script="Thai" typeface="Angsana New"/>
+        <a:font script="Ethi" typeface="Nyala"/>
+        <a:font script="Beng" typeface="Vrinda"/>
+        <a:font script="Gujr" typeface="Shruti"/>
+        <a:font script="Khmr" typeface="MoolBoran"/>
+        <a:font script="Knda" typeface="Tunga"/>
+        <a:font script="Guru" typeface="Raavi"/>
+        <a:font script="Cans" typeface="Euphemia"/>
+        <a:font script="Cher" typeface="Plantagenet Cherokee"/>
+        <a:font script="Yiii" typeface="Microsoft Yi Baiti"/>
+        <a:font script="Tibt" typeface="Microsoft Himalaya"/>
+        <a:font script="Thaa" typeface="MV Boli"/>
+        <a:font script="Deva" typeface="Mangal"/>
+        <a:font script="Telu" typeface="Gautami"/>
+        <a:font script="Taml" typeface="Latha"/>
+        <a:font script="Syrc" typeface="Estrangelo Edessa"/>
+        <a:font script="Orya" typeface="Kalinga"/>
+        <a:font script="Mlym" typeface="Kartika"/>
+        <a:font script="Laoo" typeface="DokChampa"/>
+        <a:font script="Sinh" typeface="Iskoola Pota"/>
+        <a:font script="Mong" typeface="Mongolian Baiti"/>
+        <a:font script="Viet" typeface="Times New Roman"/>
+        <a:font script="Uigh" typeface="Microsoft Uighur"/>
+        <a:font script="Geor" typeface="Sylfaen"/>
+        <a:font script="Armn" typeface="Arial"/>
+        <a:font script="Bugi" typeface="Leelawadee UI"/>
+        <a:font script="Bopo" typeface="Microsoft JhengHei"/>
+        <a:font script="Java" typeface="Javanese Text"/>
+        <a:font script="Lisu" typeface="Segoe UI"/>
+        <a:font script="Mymr" typeface="Myanmar Text"/>
+        <a:font script="Nkoo" typeface="Ebrima"/>
+        <a:font script="Olck" typeface="Nirmala UI"/>
+        <a:font script="Osma" typeface="Ebrima"/>
+        <a:font script="Phag" typeface="Phagspa"/>
+        <a:font script="Syrn" typeface="Estrangelo Edessa"/>
+        <a:font script="Syrj" typeface="Estrangelo Edessa"/>
+        <a:font script="Syre" typeface="Estrangelo Edessa"/>
+        <a:font script="Sora" typeface="Nirmala UI"/>
+        <a:font script="Tale" typeface="Microsoft Tai Le"/>
+        <a:font script="Talu" typeface="Microsoft New Tai Lue"/>
+        <a:font script="Tfng" typeface="Ebrima"/>
+      </a:majorFont>
+      <a:minorFont>
+        <a:latin typeface="Calibri" panose="020F0502020204030204"/>
+        <a:ea typeface=""/>
+        <a:cs typeface=""/>
+        <a:font script="Jpan" typeface="游ゴシック"/>
+        <a:font script="Hang" typeface="맑은 고딕"/>
+        <a:font script="Hans" typeface="等线"/>
+        <a:font script="Hant" typeface="新細明體"/>
+        <a:font script="Arab" typeface="Arial"/>
+        <a:font script="Hebr" typeface="Arial"/>
+        <a:font script="Thai" typeface="Cordia New"/>
+        <a:font script="Ethi" typeface="Nyala"/>
+        <a:font script="Beng" typeface="Vrinda"/>
+        <a:font script="Gujr" typeface="Shruti"/>
+        <a:font script="Khmr" typeface="DaunPenh"/>
+        <a:font script="Knda" typeface="Tunga"/>
+        <a:font script="Guru" typeface="Raavi"/>
+        <a:font script="Cans" typeface="Euphemia"/>
+        <a:font script="Cher" typeface="Plantagenet Cherokee"/>
+        <a:font script="Yiii" typeface="Microsoft Yi Baiti"/>
+        <a:font script="Tibt" typeface="Microsoft Himalaya"/>
+        <a:font script="Thaa" typeface="MV Boli"/>
+        <a:font script="Deva" typeface="Mangal"/>
+        <a:font script="Telu" typeface="Gautami"/>
+        <a:font script="Taml" typeface="Latha"/>
+        <a:font script="Syrc" typeface="Estrangelo Edessa"/>
+        <a:font script="Orya" typeface="Kalinga"/>
+        <a:font script="Mlym" typeface="Kartika"/>
+        <a:font script="Laoo" typeface="DokChampa"/>
+        <a:font script="Sinh" typeface="Iskoola Pota"/>
+        <a:font script="Mong" typeface="Mongolian Baiti"/>
+        <a:font script="Viet" typeface="Arial"/>
+        <a:font script="Uigh" typeface="Microsoft Uighur"/>
+        <a:font script="Geor" typeface="Sylfaen"/>
+        <a:font script="Armn" typeface="Arial"/>
+        <a:font script="Bugi" typeface="Leelawadee UI"/>
+        <a:font script="Bopo" typeface="Microsoft JhengHei"/>
+        <a:font script="Java" typeface="Javanese Text"/>
+        <a:font script="Lisu" typeface="Segoe UI"/>
+        <a:font script="Mymr" typeface="Myanmar Text"/>
+        <a:font script="Nkoo" typeface="Ebrima"/>
+        <a:font script="Olck" typeface="Nirmala UI"/>
+        <a:font script="Osma" typeface="Ebrima"/>
+        <a:font script="Phag" typeface="Phagspa"/>
+        <a:font script="Syrn" typeface="Estrangelo Edessa"/>
+        <a:font script="Syrj" typeface="Estrangelo Edessa"/>
+        <a:font script="Syre" typeface="Estrangelo Edessa"/>
+        <a:font script="Sora" typeface="Nirmala UI"/>
+        <a:font script="Tale" typeface="Microsoft Tai Le"/>
+        <a:font script="Talu" typeface="Microsoft New Tai Lue"/>
+        <a:font script="Tfng" typeface="Ebrima"/>
+      </a:minorFont>
+    </a:fontScheme>
+    <a:fmtScheme name="Office">
+      <a:fillStyleLst>
+        <a:solidFill>
+          <a:schemeClr val="phClr"/>
+        </a:solidFill>
+        <a:gradFill rotWithShape="1">
+          <a:gsLst>
+            <a:gs pos="0">
+              <a:schemeClr val="phClr">
+                <a:lumMod val="110000"/>
+                <a:satMod val="105000"/>
+                <a:tint val="67000"/>
+              </a:schemeClr>
+            </a:gs>
+            <a:gs pos="50000">
+              <a:schemeClr val="phClr">
+                <a:lumMod val="105000"/>
+                <a:satMod val="103000"/>
+                <a:tint val="73000"/>
+              </a:schemeClr>
+            </a:gs>
+            <a:gs pos="100000">
+              <a:schemeClr val="phClr">
+                <a:lumMod val="105000"/>
+                <a:satMod val="109000"/>
+                <a:tint val="81000"/>
+              </a:schemeClr>
+            </a:gs>
+          </a:gsLst>
+          <a:lin ang="5400000" scaled="0"/>
+        </a:gradFill>
+        <a:gradFill rotWithShape="1">
+          <a:gsLst>
+            <a:gs pos="0">
+              <a:schemeClr val="phClr">
+                <a:satMod val="103000"/>
+                <a:lumMod val="102000"/>
+                <a:tint val="94000"/>
+              </a:schemeClr>
+            </a:gs>
+            <a:gs pos="50000">
+              <a:schemeClr val="phClr">
+                <a:satMod val="110000"/>
+                <a:lumMod val="100000"/>
+                <a:shade val="100000"/>
+              </a:schemeClr>
+            </a:gs>
+            <a:gs pos="100000">
+              <a:schemeClr val="phClr">
+                <a:lumMod val="99000"/>
+                <a:satMod val="120000"/>
+                <a:shade val="78000"/>
+              </a:schemeClr>
+            </a:gs>
+          </a:gsLst>
+          <a:lin ang="5400000" scaled="0"/>
+        </a:gradFill>
+      </a:fillStyleLst>
+      <a:lnStyleLst>
+        <a:ln w="6350" cap="flat" cmpd="sng" algn="ctr">
+          <a:solidFill>
+            <a:schemeClr val="phClr"/>
+          </a:solidFill>
+          <a:prstDash val="solid"/>
+          <a:miter lim="800000"/>
+        </a:ln>
+        <a:ln w="12700" cap="flat" cmpd="sng" algn="ctr">
+          <a:solidFill>
+            <a:schemeClr val="phClr"/>
+          </a:solidFill>
+          <a:prstDash val="solid"/>
+          <a:miter lim="800000"/>
+        </a:ln>
+        <a:ln w="19050" cap="flat" cmpd="sng" algn="ctr">
+          <a:solidFill>
+            <a:schemeClr val="phClr"/>
+          </a:solidFill>
+          <a:prstDash val="solid"/>
+          <a:miter lim="800000"/>
+        </a:ln>
+      </a:lnStyleLst>
+      <a:effectStyleLst>
+        <a:effectStyle>
+          <a:effectLst/>
+        </a:effectStyle>
+        <a:effectStyle>
+          <a:effectLst/>
+        </a:effectStyle>
+        <a:effectStyle>
+          <a:effectLst>
+            <a:outerShdw blurRad="57150" dist="19050" dir="5400000" algn="ctr" rotWithShape="0">
+              <a:srgbClr val="000000">
+                <a:alpha val="63000"/>
+              </a:srgbClr>
+            </a:outerShdw>
+          </a:effectLst>
+        </a:effectStyle>
+      </a:effectStyleLst>
+      <a:bgFillStyleLst>
+        <a:solidFill>
+          <a:schemeClr val="phClr"/>
+        </a:solidFill>
+        <a:solidFill>
+          <a:schemeClr val="phClr">
+            <a:tint val="95000"/>
+            <a:satMod val="170000"/>
+          </a:schemeClr>
+        </a:solidFill>
+        <a:gradFill rotWithShape="1">
+          <a:gsLst>
+            <a:gs pos="0">
+              <a:schemeClr val="phClr">
+                <a:tint val="93000"/>
+                <a:satMod val="150000"/>
+                <a:shade val="98000"/>
+                <a:lumMod val="102000"/>
+              </a:schemeClr>
+            </a:gs>
+            <a:gs pos="50000">
+              <a:schemeClr val="phClr">
+                <a:tint val="98000"/>
+                <a:satMod val="130000"/>
+                <a:shade val="90000"/>
+                <a:lumMod val="103000"/>
+              </a:schemeClr>
+            </a:gs>
+            <a:gs pos="100000">
+              <a:schemeClr val="phClr">
+                <a:shade val="63000"/>
+                <a:satMod val="120000"/>
+              </a:schemeClr>
+            </a:gs>
+          </a:gsLst>
+          <a:lin ang="5400000" scaled="0"/>
+        </a:gradFill>
+      </a:bgFillStyleLst>
+    </a:fmtScheme>
+  </a:themeElements>
+  <a:objectDefaults/>
+  <a:extraClrSchemeLst/>
+  <a:extLst>
+    <a:ext uri="{05A4C25C-085E-4340-85A3-A5531E510DB2}">
+      <thm15:themeFamily xmlns:thm15="http://schemas.microsoft.com/office/thememl/2012/main" name="Office Theme" id="{62F939B6-93AF-4DB8-9C6B-D6C7DFDC589F}" vid="{4A3C46E8-61CC-4603-A589-7422A47A8E4A}"/>
+    </a:ext>
+  </a:extLst>
+</a:theme>
 </file>